--- a/assets/ZooKill Soccer Game Design Add Composite.pptx
+++ b/assets/ZooKill Soccer Game Design Add Composite.pptx
@@ -319,7 +319,7 @@
           <a:p>
             <a:fld id="{14C9F191-5DFD-4C62-B838-AC695C885212}" type="datetimeFigureOut">
               <a:rPr lang="en-US" smtClean="0"/>
-              <a:t>5/24/16</a:t>
+              <a:t>6/2/16</a:t>
             </a:fld>
             <a:endParaRPr lang="en-US"/>
           </a:p>
@@ -489,7 +489,7 @@
           <a:p>
             <a:fld id="{14C9F191-5DFD-4C62-B838-AC695C885212}" type="datetimeFigureOut">
               <a:rPr lang="en-US" smtClean="0"/>
-              <a:t>5/24/16</a:t>
+              <a:t>6/2/16</a:t>
             </a:fld>
             <a:endParaRPr lang="en-US"/>
           </a:p>
@@ -669,7 +669,7 @@
           <a:p>
             <a:fld id="{14C9F191-5DFD-4C62-B838-AC695C885212}" type="datetimeFigureOut">
               <a:rPr lang="en-US" smtClean="0"/>
-              <a:t>5/24/16</a:t>
+              <a:t>6/2/16</a:t>
             </a:fld>
             <a:endParaRPr lang="en-US"/>
           </a:p>
@@ -839,7 +839,7 @@
           <a:p>
             <a:fld id="{14C9F191-5DFD-4C62-B838-AC695C885212}" type="datetimeFigureOut">
               <a:rPr lang="en-US" smtClean="0"/>
-              <a:t>5/24/16</a:t>
+              <a:t>6/2/16</a:t>
             </a:fld>
             <a:endParaRPr lang="en-US"/>
           </a:p>
@@ -1085,7 +1085,7 @@
           <a:p>
             <a:fld id="{14C9F191-5DFD-4C62-B838-AC695C885212}" type="datetimeFigureOut">
               <a:rPr lang="en-US" smtClean="0"/>
-              <a:t>5/24/16</a:t>
+              <a:t>6/2/16</a:t>
             </a:fld>
             <a:endParaRPr lang="en-US"/>
           </a:p>
@@ -1373,7 +1373,7 @@
           <a:p>
             <a:fld id="{14C9F191-5DFD-4C62-B838-AC695C885212}" type="datetimeFigureOut">
               <a:rPr lang="en-US" smtClean="0"/>
-              <a:t>5/24/16</a:t>
+              <a:t>6/2/16</a:t>
             </a:fld>
             <a:endParaRPr lang="en-US"/>
           </a:p>
@@ -1795,7 +1795,7 @@
           <a:p>
             <a:fld id="{14C9F191-5DFD-4C62-B838-AC695C885212}" type="datetimeFigureOut">
               <a:rPr lang="en-US" smtClean="0"/>
-              <a:t>5/24/16</a:t>
+              <a:t>6/2/16</a:t>
             </a:fld>
             <a:endParaRPr lang="en-US"/>
           </a:p>
@@ -1913,7 +1913,7 @@
           <a:p>
             <a:fld id="{14C9F191-5DFD-4C62-B838-AC695C885212}" type="datetimeFigureOut">
               <a:rPr lang="en-US" smtClean="0"/>
-              <a:t>5/24/16</a:t>
+              <a:t>6/2/16</a:t>
             </a:fld>
             <a:endParaRPr lang="en-US"/>
           </a:p>
@@ -2008,7 +2008,7 @@
           <a:p>
             <a:fld id="{14C9F191-5DFD-4C62-B838-AC695C885212}" type="datetimeFigureOut">
               <a:rPr lang="en-US" smtClean="0"/>
-              <a:t>5/24/16</a:t>
+              <a:t>6/2/16</a:t>
             </a:fld>
             <a:endParaRPr lang="en-US"/>
           </a:p>
@@ -2285,7 +2285,7 @@
           <a:p>
             <a:fld id="{14C9F191-5DFD-4C62-B838-AC695C885212}" type="datetimeFigureOut">
               <a:rPr lang="en-US" smtClean="0"/>
-              <a:t>5/24/16</a:t>
+              <a:t>6/2/16</a:t>
             </a:fld>
             <a:endParaRPr lang="en-US"/>
           </a:p>
@@ -2538,7 +2538,7 @@
           <a:p>
             <a:fld id="{14C9F191-5DFD-4C62-B838-AC695C885212}" type="datetimeFigureOut">
               <a:rPr lang="en-US" smtClean="0"/>
-              <a:t>5/24/16</a:t>
+              <a:t>6/2/16</a:t>
             </a:fld>
             <a:endParaRPr lang="en-US"/>
           </a:p>
@@ -2751,7 +2751,7 @@
           <a:p>
             <a:fld id="{14C9F191-5DFD-4C62-B838-AC695C885212}" type="datetimeFigureOut">
               <a:rPr lang="en-US" smtClean="0"/>
-              <a:t>5/24/16</a:t>
+              <a:t>6/2/16</a:t>
             </a:fld>
             <a:endParaRPr lang="en-US"/>
           </a:p>
@@ -5450,19 +5450,1199 @@
           <a:chExt cx="0" cy="0"/>
         </a:xfrm>
       </p:grpSpPr>
+      <p:sp>
+        <p:nvSpPr>
+          <p:cNvPr id="113" name="Freeform 112"/>
+          <p:cNvSpPr/>
+          <p:nvPr/>
+        </p:nvSpPr>
+        <p:spPr>
+          <a:xfrm>
+            <a:off x="-18676" y="1942419"/>
+            <a:ext cx="8936235" cy="4940095"/>
+          </a:xfrm>
+          <a:custGeom>
+            <a:avLst/>
+            <a:gdLst>
+              <a:gd name="connsiteX0" fmla="*/ 4117952 w 8936235"/>
+              <a:gd name="connsiteY0" fmla="*/ 168094 h 4940095"/>
+              <a:gd name="connsiteX1" fmla="*/ 3716428 w 8936235"/>
+              <a:gd name="connsiteY1" fmla="*/ 270818 h 4940095"/>
+              <a:gd name="connsiteX2" fmla="*/ 3324243 w 8936235"/>
+              <a:gd name="connsiteY2" fmla="*/ 233464 h 4940095"/>
+              <a:gd name="connsiteX3" fmla="*/ 3062785 w 8936235"/>
+              <a:gd name="connsiteY3" fmla="*/ 345527 h 4940095"/>
+              <a:gd name="connsiteX4" fmla="*/ 3062785 w 8936235"/>
+              <a:gd name="connsiteY4" fmla="*/ 578990 h 4940095"/>
+              <a:gd name="connsiteX5" fmla="*/ 3090799 w 8936235"/>
+              <a:gd name="connsiteY5" fmla="*/ 737746 h 4940095"/>
+              <a:gd name="connsiteX6" fmla="*/ 3314905 w 8936235"/>
+              <a:gd name="connsiteY6" fmla="*/ 803116 h 4940095"/>
+              <a:gd name="connsiteX7" fmla="*/ 3707091 w 8936235"/>
+              <a:gd name="connsiteY7" fmla="*/ 849808 h 4940095"/>
+              <a:gd name="connsiteX8" fmla="*/ 3875170 w 8936235"/>
+              <a:gd name="connsiteY8" fmla="*/ 980548 h 4940095"/>
+              <a:gd name="connsiteX9" fmla="*/ 3763117 w 8936235"/>
+              <a:gd name="connsiteY9" fmla="*/ 1391444 h 4940095"/>
+              <a:gd name="connsiteX10" fmla="*/ 3501660 w 8936235"/>
+              <a:gd name="connsiteY10" fmla="*/ 1531523 h 4940095"/>
+              <a:gd name="connsiteX11" fmla="*/ 3109474 w 8936235"/>
+              <a:gd name="connsiteY11" fmla="*/ 1802341 h 4940095"/>
+              <a:gd name="connsiteX12" fmla="*/ 2455831 w 8936235"/>
+              <a:gd name="connsiteY12" fmla="*/ 1914403 h 4940095"/>
+              <a:gd name="connsiteX13" fmla="*/ 2185036 w 8936235"/>
+              <a:gd name="connsiteY13" fmla="*/ 1923742 h 4940095"/>
+              <a:gd name="connsiteX14" fmla="*/ 1587419 w 8936235"/>
+              <a:gd name="connsiteY14" fmla="*/ 2101175 h 4940095"/>
+              <a:gd name="connsiteX15" fmla="*/ 1606095 w 8936235"/>
+              <a:gd name="connsiteY15" fmla="*/ 2269268 h 4940095"/>
+              <a:gd name="connsiteX16" fmla="*/ 1213909 w 8936235"/>
+              <a:gd name="connsiteY16" fmla="*/ 2456040 h 4940095"/>
+              <a:gd name="connsiteX17" fmla="*/ 1167220 w 8936235"/>
+              <a:gd name="connsiteY17" fmla="*/ 2652149 h 4940095"/>
+              <a:gd name="connsiteX18" fmla="*/ 662981 w 8936235"/>
+              <a:gd name="connsiteY18" fmla="*/ 2782889 h 4940095"/>
+              <a:gd name="connsiteX19" fmla="*/ 233444 w 8936235"/>
+              <a:gd name="connsiteY19" fmla="*/ 2866936 h 4940095"/>
+              <a:gd name="connsiteX20" fmla="*/ 56027 w 8936235"/>
+              <a:gd name="connsiteY20" fmla="*/ 3053707 h 4940095"/>
+              <a:gd name="connsiteX21" fmla="*/ 28014 w 8936235"/>
+              <a:gd name="connsiteY21" fmla="*/ 3147092 h 4940095"/>
+              <a:gd name="connsiteX22" fmla="*/ 0 w 8936235"/>
+              <a:gd name="connsiteY22" fmla="*/ 3445926 h 4940095"/>
+              <a:gd name="connsiteX23" fmla="*/ 74703 w 8936235"/>
+              <a:gd name="connsiteY23" fmla="*/ 3604682 h 4940095"/>
+              <a:gd name="connsiteX24" fmla="*/ 494902 w 8936235"/>
+              <a:gd name="connsiteY24" fmla="*/ 3800791 h 4940095"/>
+              <a:gd name="connsiteX25" fmla="*/ 915101 w 8936235"/>
+              <a:gd name="connsiteY25" fmla="*/ 3810130 h 4940095"/>
+              <a:gd name="connsiteX26" fmla="*/ 1381989 w 8936235"/>
+              <a:gd name="connsiteY26" fmla="*/ 3791453 h 4940095"/>
+              <a:gd name="connsiteX27" fmla="*/ 1419340 w 8936235"/>
+              <a:gd name="connsiteY27" fmla="*/ 4164995 h 4940095"/>
+              <a:gd name="connsiteX28" fmla="*/ 1755499 w 8936235"/>
+              <a:gd name="connsiteY28" fmla="*/ 4398459 h 4940095"/>
+              <a:gd name="connsiteX29" fmla="*/ 2745301 w 8936235"/>
+              <a:gd name="connsiteY29" fmla="*/ 4519860 h 4940095"/>
+              <a:gd name="connsiteX30" fmla="*/ 3128150 w 8936235"/>
+              <a:gd name="connsiteY30" fmla="*/ 4519860 h 4940095"/>
+              <a:gd name="connsiteX31" fmla="*/ 3968548 w 8936235"/>
+              <a:gd name="connsiteY31" fmla="*/ 4445151 h 4940095"/>
+              <a:gd name="connsiteX32" fmla="*/ 4024574 w 8936235"/>
+              <a:gd name="connsiteY32" fmla="*/ 4193010 h 4940095"/>
+              <a:gd name="connsiteX33" fmla="*/ 4426098 w 8936235"/>
+              <a:gd name="connsiteY33" fmla="*/ 4071609 h 4940095"/>
+              <a:gd name="connsiteX34" fmla="*/ 4659542 w 8936235"/>
+              <a:gd name="connsiteY34" fmla="*/ 4071609 h 4940095"/>
+              <a:gd name="connsiteX35" fmla="*/ 5070403 w 8936235"/>
+              <a:gd name="connsiteY35" fmla="*/ 3847484 h 4940095"/>
+              <a:gd name="connsiteX36" fmla="*/ 5154443 w 8936235"/>
+              <a:gd name="connsiteY36" fmla="*/ 3595343 h 4940095"/>
+              <a:gd name="connsiteX37" fmla="*/ 5042390 w 8936235"/>
+              <a:gd name="connsiteY37" fmla="*/ 3212462 h 4940095"/>
+              <a:gd name="connsiteX38" fmla="*/ 4911661 w 8936235"/>
+              <a:gd name="connsiteY38" fmla="*/ 2922967 h 4940095"/>
+              <a:gd name="connsiteX39" fmla="*/ 5079741 w 8936235"/>
+              <a:gd name="connsiteY39" fmla="*/ 2857597 h 4940095"/>
+              <a:gd name="connsiteX40" fmla="*/ 5397225 w 8936235"/>
+              <a:gd name="connsiteY40" fmla="*/ 3212462 h 4940095"/>
+              <a:gd name="connsiteX41" fmla="*/ 5285172 w 8936235"/>
+              <a:gd name="connsiteY41" fmla="*/ 4034255 h 4940095"/>
+              <a:gd name="connsiteX42" fmla="*/ 5089079 w 8936235"/>
+              <a:gd name="connsiteY42" fmla="*/ 4193010 h 4940095"/>
+              <a:gd name="connsiteX43" fmla="*/ 4995701 w 8936235"/>
+              <a:gd name="connsiteY43" fmla="*/ 4781339 h 4940095"/>
+              <a:gd name="connsiteX44" fmla="*/ 5331861 w 8936235"/>
+              <a:gd name="connsiteY44" fmla="*/ 4940095 h 4940095"/>
+              <a:gd name="connsiteX45" fmla="*/ 5742722 w 8936235"/>
+              <a:gd name="connsiteY45" fmla="*/ 4790678 h 4940095"/>
+              <a:gd name="connsiteX46" fmla="*/ 6517756 w 8936235"/>
+              <a:gd name="connsiteY46" fmla="*/ 4790678 h 4940095"/>
+              <a:gd name="connsiteX47" fmla="*/ 7227426 w 8936235"/>
+              <a:gd name="connsiteY47" fmla="*/ 4781339 h 4940095"/>
+              <a:gd name="connsiteX48" fmla="*/ 7703651 w 8936235"/>
+              <a:gd name="connsiteY48" fmla="*/ 4772001 h 4940095"/>
+              <a:gd name="connsiteX49" fmla="*/ 7834380 w 8936235"/>
+              <a:gd name="connsiteY49" fmla="*/ 4790678 h 4940095"/>
+              <a:gd name="connsiteX50" fmla="*/ 8357294 w 8936235"/>
+              <a:gd name="connsiteY50" fmla="*/ 4790678 h 4940095"/>
+              <a:gd name="connsiteX51" fmla="*/ 8777493 w 8936235"/>
+              <a:gd name="connsiteY51" fmla="*/ 4818694 h 4940095"/>
+              <a:gd name="connsiteX52" fmla="*/ 8852196 w 8936235"/>
+              <a:gd name="connsiteY52" fmla="*/ 4781339 h 4940095"/>
+              <a:gd name="connsiteX53" fmla="*/ 8880209 w 8936235"/>
+              <a:gd name="connsiteY53" fmla="*/ 4594568 h 4940095"/>
+              <a:gd name="connsiteX54" fmla="*/ 8936235 w 8936235"/>
+              <a:gd name="connsiteY54" fmla="*/ 4314412 h 4940095"/>
+              <a:gd name="connsiteX55" fmla="*/ 8898884 w 8936235"/>
+              <a:gd name="connsiteY55" fmla="*/ 3922192 h 4940095"/>
+              <a:gd name="connsiteX56" fmla="*/ 8870871 w 8936235"/>
+              <a:gd name="connsiteY56" fmla="*/ 3455265 h 4940095"/>
+              <a:gd name="connsiteX57" fmla="*/ 8833520 w 8936235"/>
+              <a:gd name="connsiteY57" fmla="*/ 3259155 h 4940095"/>
+              <a:gd name="connsiteX58" fmla="*/ 8805507 w 8936235"/>
+              <a:gd name="connsiteY58" fmla="*/ 3184447 h 4940095"/>
+              <a:gd name="connsiteX59" fmla="*/ 8525374 w 8936235"/>
+              <a:gd name="connsiteY59" fmla="*/ 2810905 h 4940095"/>
+              <a:gd name="connsiteX60" fmla="*/ 8329281 w 8936235"/>
+              <a:gd name="connsiteY60" fmla="*/ 2540087 h 4940095"/>
+              <a:gd name="connsiteX61" fmla="*/ 8235903 w 8936235"/>
+              <a:gd name="connsiteY61" fmla="*/ 2343977 h 4940095"/>
+              <a:gd name="connsiteX62" fmla="*/ 8123850 w 8936235"/>
+              <a:gd name="connsiteY62" fmla="*/ 2063820 h 4940095"/>
+              <a:gd name="connsiteX63" fmla="*/ 7853055 w 8936235"/>
+              <a:gd name="connsiteY63" fmla="*/ 1961096 h 4940095"/>
+              <a:gd name="connsiteX64" fmla="*/ 7610274 w 8936235"/>
+              <a:gd name="connsiteY64" fmla="*/ 1905065 h 4940095"/>
+              <a:gd name="connsiteX65" fmla="*/ 7190075 w 8936235"/>
+              <a:gd name="connsiteY65" fmla="*/ 1886388 h 4940095"/>
+              <a:gd name="connsiteX66" fmla="*/ 7124710 w 8936235"/>
+              <a:gd name="connsiteY66" fmla="*/ 1933081 h 4940095"/>
+              <a:gd name="connsiteX67" fmla="*/ 6937955 w 8936235"/>
+              <a:gd name="connsiteY67" fmla="*/ 1998450 h 4940095"/>
+              <a:gd name="connsiteX68" fmla="*/ 6527094 w 8936235"/>
+              <a:gd name="connsiteY68" fmla="*/ 1970435 h 4940095"/>
+              <a:gd name="connsiteX69" fmla="*/ 6312325 w 8936235"/>
+              <a:gd name="connsiteY69" fmla="*/ 1933081 h 4940095"/>
+              <a:gd name="connsiteX70" fmla="*/ 5929477 w 8936235"/>
+              <a:gd name="connsiteY70" fmla="*/ 1970435 h 4940095"/>
+              <a:gd name="connsiteX71" fmla="*/ 5742722 w 8936235"/>
+              <a:gd name="connsiteY71" fmla="*/ 1802341 h 4940095"/>
+              <a:gd name="connsiteX72" fmla="*/ 5640007 w 8936235"/>
+              <a:gd name="connsiteY72" fmla="*/ 1522184 h 4940095"/>
+              <a:gd name="connsiteX73" fmla="*/ 5471927 w 8936235"/>
+              <a:gd name="connsiteY73" fmla="*/ 1288720 h 4940095"/>
+              <a:gd name="connsiteX74" fmla="*/ 5574642 w 8936235"/>
+              <a:gd name="connsiteY74" fmla="*/ 1036579 h 4940095"/>
+              <a:gd name="connsiteX75" fmla="*/ 5630669 w 8936235"/>
+              <a:gd name="connsiteY75" fmla="*/ 756423 h 4940095"/>
+              <a:gd name="connsiteX76" fmla="*/ 5583980 w 8936235"/>
+              <a:gd name="connsiteY76" fmla="*/ 280157 h 4940095"/>
+              <a:gd name="connsiteX77" fmla="*/ 5303847 w 8936235"/>
+              <a:gd name="connsiteY77" fmla="*/ 65370 h 4940095"/>
+              <a:gd name="connsiteX78" fmla="*/ 4939675 w 8936235"/>
+              <a:gd name="connsiteY78" fmla="*/ 0 h 4940095"/>
+              <a:gd name="connsiteX79" fmla="*/ 4640866 w 8936235"/>
+              <a:gd name="connsiteY79" fmla="*/ 102724 h 4940095"/>
+              <a:gd name="connsiteX80" fmla="*/ 4379409 w 8936235"/>
+              <a:gd name="connsiteY80" fmla="*/ 37354 h 4940095"/>
+              <a:gd name="connsiteX81" fmla="*/ 4267356 w 8936235"/>
+              <a:gd name="connsiteY81" fmla="*/ 37354 h 4940095"/>
+              <a:gd name="connsiteX82" fmla="*/ 4117952 w 8936235"/>
+              <a:gd name="connsiteY82" fmla="*/ 168094 h 4940095"/>
+            </a:gdLst>
+            <a:ahLst/>
+            <a:cxnLst>
+              <a:cxn ang="0">
+                <a:pos x="connsiteX0" y="connsiteY0"/>
+              </a:cxn>
+              <a:cxn ang="0">
+                <a:pos x="connsiteX1" y="connsiteY1"/>
+              </a:cxn>
+              <a:cxn ang="0">
+                <a:pos x="connsiteX2" y="connsiteY2"/>
+              </a:cxn>
+              <a:cxn ang="0">
+                <a:pos x="connsiteX3" y="connsiteY3"/>
+              </a:cxn>
+              <a:cxn ang="0">
+                <a:pos x="connsiteX4" y="connsiteY4"/>
+              </a:cxn>
+              <a:cxn ang="0">
+                <a:pos x="connsiteX5" y="connsiteY5"/>
+              </a:cxn>
+              <a:cxn ang="0">
+                <a:pos x="connsiteX6" y="connsiteY6"/>
+              </a:cxn>
+              <a:cxn ang="0">
+                <a:pos x="connsiteX7" y="connsiteY7"/>
+              </a:cxn>
+              <a:cxn ang="0">
+                <a:pos x="connsiteX8" y="connsiteY8"/>
+              </a:cxn>
+              <a:cxn ang="0">
+                <a:pos x="connsiteX9" y="connsiteY9"/>
+              </a:cxn>
+              <a:cxn ang="0">
+                <a:pos x="connsiteX10" y="connsiteY10"/>
+              </a:cxn>
+              <a:cxn ang="0">
+                <a:pos x="connsiteX11" y="connsiteY11"/>
+              </a:cxn>
+              <a:cxn ang="0">
+                <a:pos x="connsiteX12" y="connsiteY12"/>
+              </a:cxn>
+              <a:cxn ang="0">
+                <a:pos x="connsiteX13" y="connsiteY13"/>
+              </a:cxn>
+              <a:cxn ang="0">
+                <a:pos x="connsiteX14" y="connsiteY14"/>
+              </a:cxn>
+              <a:cxn ang="0">
+                <a:pos x="connsiteX15" y="connsiteY15"/>
+              </a:cxn>
+              <a:cxn ang="0">
+                <a:pos x="connsiteX16" y="connsiteY16"/>
+              </a:cxn>
+              <a:cxn ang="0">
+                <a:pos x="connsiteX17" y="connsiteY17"/>
+              </a:cxn>
+              <a:cxn ang="0">
+                <a:pos x="connsiteX18" y="connsiteY18"/>
+              </a:cxn>
+              <a:cxn ang="0">
+                <a:pos x="connsiteX19" y="connsiteY19"/>
+              </a:cxn>
+              <a:cxn ang="0">
+                <a:pos x="connsiteX20" y="connsiteY20"/>
+              </a:cxn>
+              <a:cxn ang="0">
+                <a:pos x="connsiteX21" y="connsiteY21"/>
+              </a:cxn>
+              <a:cxn ang="0">
+                <a:pos x="connsiteX22" y="connsiteY22"/>
+              </a:cxn>
+              <a:cxn ang="0">
+                <a:pos x="connsiteX23" y="connsiteY23"/>
+              </a:cxn>
+              <a:cxn ang="0">
+                <a:pos x="connsiteX24" y="connsiteY24"/>
+              </a:cxn>
+              <a:cxn ang="0">
+                <a:pos x="connsiteX25" y="connsiteY25"/>
+              </a:cxn>
+              <a:cxn ang="0">
+                <a:pos x="connsiteX26" y="connsiteY26"/>
+              </a:cxn>
+              <a:cxn ang="0">
+                <a:pos x="connsiteX27" y="connsiteY27"/>
+              </a:cxn>
+              <a:cxn ang="0">
+                <a:pos x="connsiteX28" y="connsiteY28"/>
+              </a:cxn>
+              <a:cxn ang="0">
+                <a:pos x="connsiteX29" y="connsiteY29"/>
+              </a:cxn>
+              <a:cxn ang="0">
+                <a:pos x="connsiteX30" y="connsiteY30"/>
+              </a:cxn>
+              <a:cxn ang="0">
+                <a:pos x="connsiteX31" y="connsiteY31"/>
+              </a:cxn>
+              <a:cxn ang="0">
+                <a:pos x="connsiteX32" y="connsiteY32"/>
+              </a:cxn>
+              <a:cxn ang="0">
+                <a:pos x="connsiteX33" y="connsiteY33"/>
+              </a:cxn>
+              <a:cxn ang="0">
+                <a:pos x="connsiteX34" y="connsiteY34"/>
+              </a:cxn>
+              <a:cxn ang="0">
+                <a:pos x="connsiteX35" y="connsiteY35"/>
+              </a:cxn>
+              <a:cxn ang="0">
+                <a:pos x="connsiteX36" y="connsiteY36"/>
+              </a:cxn>
+              <a:cxn ang="0">
+                <a:pos x="connsiteX37" y="connsiteY37"/>
+              </a:cxn>
+              <a:cxn ang="0">
+                <a:pos x="connsiteX38" y="connsiteY38"/>
+              </a:cxn>
+              <a:cxn ang="0">
+                <a:pos x="connsiteX39" y="connsiteY39"/>
+              </a:cxn>
+              <a:cxn ang="0">
+                <a:pos x="connsiteX40" y="connsiteY40"/>
+              </a:cxn>
+              <a:cxn ang="0">
+                <a:pos x="connsiteX41" y="connsiteY41"/>
+              </a:cxn>
+              <a:cxn ang="0">
+                <a:pos x="connsiteX42" y="connsiteY42"/>
+              </a:cxn>
+              <a:cxn ang="0">
+                <a:pos x="connsiteX43" y="connsiteY43"/>
+              </a:cxn>
+              <a:cxn ang="0">
+                <a:pos x="connsiteX44" y="connsiteY44"/>
+              </a:cxn>
+              <a:cxn ang="0">
+                <a:pos x="connsiteX45" y="connsiteY45"/>
+              </a:cxn>
+              <a:cxn ang="0">
+                <a:pos x="connsiteX46" y="connsiteY46"/>
+              </a:cxn>
+              <a:cxn ang="0">
+                <a:pos x="connsiteX47" y="connsiteY47"/>
+              </a:cxn>
+              <a:cxn ang="0">
+                <a:pos x="connsiteX48" y="connsiteY48"/>
+              </a:cxn>
+              <a:cxn ang="0">
+                <a:pos x="connsiteX49" y="connsiteY49"/>
+              </a:cxn>
+              <a:cxn ang="0">
+                <a:pos x="connsiteX50" y="connsiteY50"/>
+              </a:cxn>
+              <a:cxn ang="0">
+                <a:pos x="connsiteX51" y="connsiteY51"/>
+              </a:cxn>
+              <a:cxn ang="0">
+                <a:pos x="connsiteX52" y="connsiteY52"/>
+              </a:cxn>
+              <a:cxn ang="0">
+                <a:pos x="connsiteX53" y="connsiteY53"/>
+              </a:cxn>
+              <a:cxn ang="0">
+                <a:pos x="connsiteX54" y="connsiteY54"/>
+              </a:cxn>
+              <a:cxn ang="0">
+                <a:pos x="connsiteX55" y="connsiteY55"/>
+              </a:cxn>
+              <a:cxn ang="0">
+                <a:pos x="connsiteX56" y="connsiteY56"/>
+              </a:cxn>
+              <a:cxn ang="0">
+                <a:pos x="connsiteX57" y="connsiteY57"/>
+              </a:cxn>
+              <a:cxn ang="0">
+                <a:pos x="connsiteX58" y="connsiteY58"/>
+              </a:cxn>
+              <a:cxn ang="0">
+                <a:pos x="connsiteX59" y="connsiteY59"/>
+              </a:cxn>
+              <a:cxn ang="0">
+                <a:pos x="connsiteX60" y="connsiteY60"/>
+              </a:cxn>
+              <a:cxn ang="0">
+                <a:pos x="connsiteX61" y="connsiteY61"/>
+              </a:cxn>
+              <a:cxn ang="0">
+                <a:pos x="connsiteX62" y="connsiteY62"/>
+              </a:cxn>
+              <a:cxn ang="0">
+                <a:pos x="connsiteX63" y="connsiteY63"/>
+              </a:cxn>
+              <a:cxn ang="0">
+                <a:pos x="connsiteX64" y="connsiteY64"/>
+              </a:cxn>
+              <a:cxn ang="0">
+                <a:pos x="connsiteX65" y="connsiteY65"/>
+              </a:cxn>
+              <a:cxn ang="0">
+                <a:pos x="connsiteX66" y="connsiteY66"/>
+              </a:cxn>
+              <a:cxn ang="0">
+                <a:pos x="connsiteX67" y="connsiteY67"/>
+              </a:cxn>
+              <a:cxn ang="0">
+                <a:pos x="connsiteX68" y="connsiteY68"/>
+              </a:cxn>
+              <a:cxn ang="0">
+                <a:pos x="connsiteX69" y="connsiteY69"/>
+              </a:cxn>
+              <a:cxn ang="0">
+                <a:pos x="connsiteX70" y="connsiteY70"/>
+              </a:cxn>
+              <a:cxn ang="0">
+                <a:pos x="connsiteX71" y="connsiteY71"/>
+              </a:cxn>
+              <a:cxn ang="0">
+                <a:pos x="connsiteX72" y="connsiteY72"/>
+              </a:cxn>
+              <a:cxn ang="0">
+                <a:pos x="connsiteX73" y="connsiteY73"/>
+              </a:cxn>
+              <a:cxn ang="0">
+                <a:pos x="connsiteX74" y="connsiteY74"/>
+              </a:cxn>
+              <a:cxn ang="0">
+                <a:pos x="connsiteX75" y="connsiteY75"/>
+              </a:cxn>
+              <a:cxn ang="0">
+                <a:pos x="connsiteX76" y="connsiteY76"/>
+              </a:cxn>
+              <a:cxn ang="0">
+                <a:pos x="connsiteX77" y="connsiteY77"/>
+              </a:cxn>
+              <a:cxn ang="0">
+                <a:pos x="connsiteX78" y="connsiteY78"/>
+              </a:cxn>
+              <a:cxn ang="0">
+                <a:pos x="connsiteX79" y="connsiteY79"/>
+              </a:cxn>
+              <a:cxn ang="0">
+                <a:pos x="connsiteX80" y="connsiteY80"/>
+              </a:cxn>
+              <a:cxn ang="0">
+                <a:pos x="connsiteX81" y="connsiteY81"/>
+              </a:cxn>
+              <a:cxn ang="0">
+                <a:pos x="connsiteX82" y="connsiteY82"/>
+              </a:cxn>
+            </a:cxnLst>
+            <a:rect l="l" t="t" r="r" b="b"/>
+            <a:pathLst>
+              <a:path w="8936235" h="4940095">
+                <a:moveTo>
+                  <a:pt x="4117952" y="168094"/>
+                </a:moveTo>
+                <a:lnTo>
+                  <a:pt x="3716428" y="270818"/>
+                </a:lnTo>
+                <a:lnTo>
+                  <a:pt x="3324243" y="233464"/>
+                </a:lnTo>
+                <a:lnTo>
+                  <a:pt x="3062785" y="345527"/>
+                </a:lnTo>
+                <a:lnTo>
+                  <a:pt x="3062785" y="578990"/>
+                </a:lnTo>
+                <a:lnTo>
+                  <a:pt x="3090799" y="737746"/>
+                </a:lnTo>
+                <a:lnTo>
+                  <a:pt x="3314905" y="803116"/>
+                </a:lnTo>
+                <a:lnTo>
+                  <a:pt x="3707091" y="849808"/>
+                </a:lnTo>
+                <a:lnTo>
+                  <a:pt x="3875170" y="980548"/>
+                </a:lnTo>
+                <a:lnTo>
+                  <a:pt x="3763117" y="1391444"/>
+                </a:lnTo>
+                <a:lnTo>
+                  <a:pt x="3501660" y="1531523"/>
+                </a:lnTo>
+                <a:lnTo>
+                  <a:pt x="3109474" y="1802341"/>
+                </a:lnTo>
+                <a:lnTo>
+                  <a:pt x="2455831" y="1914403"/>
+                </a:lnTo>
+                <a:lnTo>
+                  <a:pt x="2185036" y="1923742"/>
+                </a:lnTo>
+                <a:lnTo>
+                  <a:pt x="1587419" y="2101175"/>
+                </a:lnTo>
+                <a:lnTo>
+                  <a:pt x="1606095" y="2269268"/>
+                </a:lnTo>
+                <a:lnTo>
+                  <a:pt x="1213909" y="2456040"/>
+                </a:lnTo>
+                <a:lnTo>
+                  <a:pt x="1167220" y="2652149"/>
+                </a:lnTo>
+                <a:lnTo>
+                  <a:pt x="662981" y="2782889"/>
+                </a:lnTo>
+                <a:lnTo>
+                  <a:pt x="233444" y="2866936"/>
+                </a:lnTo>
+                <a:lnTo>
+                  <a:pt x="56027" y="3053707"/>
+                </a:lnTo>
+                <a:lnTo>
+                  <a:pt x="28014" y="3147092"/>
+                </a:lnTo>
+                <a:lnTo>
+                  <a:pt x="0" y="3445926"/>
+                </a:lnTo>
+                <a:lnTo>
+                  <a:pt x="74703" y="3604682"/>
+                </a:lnTo>
+                <a:lnTo>
+                  <a:pt x="494902" y="3800791"/>
+                </a:lnTo>
+                <a:lnTo>
+                  <a:pt x="915101" y="3810130"/>
+                </a:lnTo>
+                <a:lnTo>
+                  <a:pt x="1381989" y="3791453"/>
+                </a:lnTo>
+                <a:lnTo>
+                  <a:pt x="1419340" y="4164995"/>
+                </a:lnTo>
+                <a:lnTo>
+                  <a:pt x="1755499" y="4398459"/>
+                </a:lnTo>
+                <a:lnTo>
+                  <a:pt x="2745301" y="4519860"/>
+                </a:lnTo>
+                <a:lnTo>
+                  <a:pt x="3128150" y="4519860"/>
+                </a:lnTo>
+                <a:lnTo>
+                  <a:pt x="3968548" y="4445151"/>
+                </a:lnTo>
+                <a:lnTo>
+                  <a:pt x="4024574" y="4193010"/>
+                </a:lnTo>
+                <a:lnTo>
+                  <a:pt x="4426098" y="4071609"/>
+                </a:lnTo>
+                <a:lnTo>
+                  <a:pt x="4659542" y="4071609"/>
+                </a:lnTo>
+                <a:lnTo>
+                  <a:pt x="5070403" y="3847484"/>
+                </a:lnTo>
+                <a:lnTo>
+                  <a:pt x="5154443" y="3595343"/>
+                </a:lnTo>
+                <a:lnTo>
+                  <a:pt x="5042390" y="3212462"/>
+                </a:lnTo>
+                <a:lnTo>
+                  <a:pt x="4911661" y="2922967"/>
+                </a:lnTo>
+                <a:lnTo>
+                  <a:pt x="5079741" y="2857597"/>
+                </a:lnTo>
+                <a:lnTo>
+                  <a:pt x="5397225" y="3212462"/>
+                </a:lnTo>
+                <a:lnTo>
+                  <a:pt x="5285172" y="4034255"/>
+                </a:lnTo>
+                <a:lnTo>
+                  <a:pt x="5089079" y="4193010"/>
+                </a:lnTo>
+                <a:lnTo>
+                  <a:pt x="4995701" y="4781339"/>
+                </a:lnTo>
+                <a:lnTo>
+                  <a:pt x="5331861" y="4940095"/>
+                </a:lnTo>
+                <a:lnTo>
+                  <a:pt x="5742722" y="4790678"/>
+                </a:lnTo>
+                <a:lnTo>
+                  <a:pt x="6517756" y="4790678"/>
+                </a:lnTo>
+                <a:lnTo>
+                  <a:pt x="7227426" y="4781339"/>
+                </a:lnTo>
+                <a:lnTo>
+                  <a:pt x="7703651" y="4772001"/>
+                </a:lnTo>
+                <a:cubicBezTo>
+                  <a:pt x="7809238" y="4793120"/>
+                  <a:pt x="7765286" y="4790678"/>
+                  <a:pt x="7834380" y="4790678"/>
+                </a:cubicBezTo>
+                <a:lnTo>
+                  <a:pt x="8357294" y="4790678"/>
+                </a:lnTo>
+                <a:lnTo>
+                  <a:pt x="8777493" y="4818694"/>
+                </a:lnTo>
+                <a:cubicBezTo>
+                  <a:pt x="8855111" y="4789585"/>
+                  <a:pt x="8852196" y="4817273"/>
+                  <a:pt x="8852196" y="4781339"/>
+                </a:cubicBezTo>
+                <a:lnTo>
+                  <a:pt x="8880209" y="4594568"/>
+                </a:lnTo>
+                <a:lnTo>
+                  <a:pt x="8936235" y="4314412"/>
+                </a:lnTo>
+                <a:lnTo>
+                  <a:pt x="8898884" y="3922192"/>
+                </a:lnTo>
+                <a:lnTo>
+                  <a:pt x="8870871" y="3455265"/>
+                </a:lnTo>
+                <a:lnTo>
+                  <a:pt x="8833520" y="3259155"/>
+                </a:lnTo>
+                <a:lnTo>
+                  <a:pt x="8805507" y="3184447"/>
+                </a:lnTo>
+                <a:lnTo>
+                  <a:pt x="8525374" y="2810905"/>
+                </a:lnTo>
+                <a:lnTo>
+                  <a:pt x="8329281" y="2540087"/>
+                </a:lnTo>
+                <a:lnTo>
+                  <a:pt x="8235903" y="2343977"/>
+                </a:lnTo>
+                <a:lnTo>
+                  <a:pt x="8123850" y="2063820"/>
+                </a:lnTo>
+                <a:lnTo>
+                  <a:pt x="7853055" y="1961096"/>
+                </a:lnTo>
+                <a:lnTo>
+                  <a:pt x="7610274" y="1905065"/>
+                </a:lnTo>
+                <a:lnTo>
+                  <a:pt x="7190075" y="1886388"/>
+                </a:lnTo>
+                <a:lnTo>
+                  <a:pt x="7124710" y="1933081"/>
+                </a:lnTo>
+                <a:lnTo>
+                  <a:pt x="6937955" y="1998450"/>
+                </a:lnTo>
+                <a:lnTo>
+                  <a:pt x="6527094" y="1970435"/>
+                </a:lnTo>
+                <a:lnTo>
+                  <a:pt x="6312325" y="1933081"/>
+                </a:lnTo>
+                <a:lnTo>
+                  <a:pt x="5929477" y="1970435"/>
+                </a:lnTo>
+                <a:lnTo>
+                  <a:pt x="5742722" y="1802341"/>
+                </a:lnTo>
+                <a:lnTo>
+                  <a:pt x="5640007" y="1522184"/>
+                </a:lnTo>
+                <a:lnTo>
+                  <a:pt x="5471927" y="1288720"/>
+                </a:lnTo>
+                <a:lnTo>
+                  <a:pt x="5574642" y="1036579"/>
+                </a:lnTo>
+                <a:lnTo>
+                  <a:pt x="5630669" y="756423"/>
+                </a:lnTo>
+                <a:lnTo>
+                  <a:pt x="5583980" y="280157"/>
+                </a:lnTo>
+                <a:lnTo>
+                  <a:pt x="5303847" y="65370"/>
+                </a:lnTo>
+                <a:lnTo>
+                  <a:pt x="4939675" y="0"/>
+                </a:lnTo>
+                <a:lnTo>
+                  <a:pt x="4640866" y="102724"/>
+                </a:lnTo>
+                <a:lnTo>
+                  <a:pt x="4379409" y="37354"/>
+                </a:lnTo>
+                <a:lnTo>
+                  <a:pt x="4267356" y="37354"/>
+                </a:lnTo>
+                <a:lnTo>
+                  <a:pt x="4117952" y="168094"/>
+                </a:lnTo>
+                <a:close/>
+              </a:path>
+            </a:pathLst>
+          </a:custGeom>
+          <a:solidFill>
+            <a:schemeClr val="accent3">
+              <a:lumMod val="20000"/>
+              <a:lumOff val="80000"/>
+            </a:schemeClr>
+          </a:solidFill>
+          <a:ln>
+            <a:noFill/>
+          </a:ln>
+          <a:effectLst/>
+        </p:spPr>
+        <p:style>
+          <a:lnRef idx="1">
+            <a:schemeClr val="accent1"/>
+          </a:lnRef>
+          <a:fillRef idx="3">
+            <a:schemeClr val="accent1"/>
+          </a:fillRef>
+          <a:effectRef idx="2">
+            <a:schemeClr val="accent1"/>
+          </a:effectRef>
+          <a:fontRef idx="minor">
+            <a:schemeClr val="lt1"/>
+          </a:fontRef>
+        </p:style>
+        <p:txBody>
+          <a:bodyPr rtlCol="0" anchor="ctr"/>
+          <a:lstStyle/>
+          <a:p>
+            <a:pPr algn="ctr"/>
+            <a:endParaRPr lang="en-US"/>
+          </a:p>
+        </p:txBody>
+      </p:sp>
+      <p:sp>
+        <p:nvSpPr>
+          <p:cNvPr id="112" name="Freeform 111"/>
+          <p:cNvSpPr/>
+          <p:nvPr/>
+        </p:nvSpPr>
+        <p:spPr>
+          <a:xfrm>
+            <a:off x="5462589" y="1475491"/>
+            <a:ext cx="3557686" cy="2642811"/>
+          </a:xfrm>
+          <a:custGeom>
+            <a:avLst/>
+            <a:gdLst>
+              <a:gd name="connsiteX0" fmla="*/ 233444 w 3557686"/>
+              <a:gd name="connsiteY0" fmla="*/ 280157 h 2642811"/>
+              <a:gd name="connsiteX1" fmla="*/ 709669 w 3557686"/>
+              <a:gd name="connsiteY1" fmla="*/ 168094 h 2642811"/>
+              <a:gd name="connsiteX2" fmla="*/ 1438015 w 3557686"/>
+              <a:gd name="connsiteY2" fmla="*/ 0 h 2642811"/>
+              <a:gd name="connsiteX3" fmla="*/ 1727485 w 3557686"/>
+              <a:gd name="connsiteY3" fmla="*/ 18678 h 2642811"/>
+              <a:gd name="connsiteX4" fmla="*/ 2754638 w 3557686"/>
+              <a:gd name="connsiteY4" fmla="*/ 149417 h 2642811"/>
+              <a:gd name="connsiteX5" fmla="*/ 2726625 w 3557686"/>
+              <a:gd name="connsiteY5" fmla="*/ 663038 h 2642811"/>
+              <a:gd name="connsiteX6" fmla="*/ 3081460 w 3557686"/>
+              <a:gd name="connsiteY6" fmla="*/ 756423 h 2642811"/>
+              <a:gd name="connsiteX7" fmla="*/ 3277553 w 3557686"/>
+              <a:gd name="connsiteY7" fmla="*/ 1073934 h 2642811"/>
+              <a:gd name="connsiteX8" fmla="*/ 3174838 w 3557686"/>
+              <a:gd name="connsiteY8" fmla="*/ 1354091 h 2642811"/>
+              <a:gd name="connsiteX9" fmla="*/ 3539010 w 3557686"/>
+              <a:gd name="connsiteY9" fmla="*/ 1484830 h 2642811"/>
+              <a:gd name="connsiteX10" fmla="*/ 3557686 w 3557686"/>
+              <a:gd name="connsiteY10" fmla="*/ 1951758 h 2642811"/>
+              <a:gd name="connsiteX11" fmla="*/ 3436295 w 3557686"/>
+              <a:gd name="connsiteY11" fmla="*/ 2278607 h 2642811"/>
+              <a:gd name="connsiteX12" fmla="*/ 3193513 w 3557686"/>
+              <a:gd name="connsiteY12" fmla="*/ 2278607 h 2642811"/>
+              <a:gd name="connsiteX13" fmla="*/ 2932056 w 3557686"/>
+              <a:gd name="connsiteY13" fmla="*/ 2642811 h 2642811"/>
+              <a:gd name="connsiteX14" fmla="*/ 2651923 w 3557686"/>
+              <a:gd name="connsiteY14" fmla="*/ 2521410 h 2642811"/>
+              <a:gd name="connsiteX15" fmla="*/ 2129009 w 3557686"/>
+              <a:gd name="connsiteY15" fmla="*/ 2474717 h 2642811"/>
+              <a:gd name="connsiteX16" fmla="*/ 1783512 w 3557686"/>
+              <a:gd name="connsiteY16" fmla="*/ 2428024 h 2642811"/>
+              <a:gd name="connsiteX17" fmla="*/ 719007 w 3557686"/>
+              <a:gd name="connsiteY17" fmla="*/ 2484056 h 2642811"/>
+              <a:gd name="connsiteX18" fmla="*/ 476225 w 3557686"/>
+              <a:gd name="connsiteY18" fmla="*/ 2418686 h 2642811"/>
+              <a:gd name="connsiteX19" fmla="*/ 224106 w 3557686"/>
+              <a:gd name="connsiteY19" fmla="*/ 2175883 h 2642811"/>
+              <a:gd name="connsiteX20" fmla="*/ 196093 w 3557686"/>
+              <a:gd name="connsiteY20" fmla="*/ 1708956 h 2642811"/>
+              <a:gd name="connsiteX21" fmla="*/ 466888 w 3557686"/>
+              <a:gd name="connsiteY21" fmla="*/ 1652924 h 2642811"/>
+              <a:gd name="connsiteX22" fmla="*/ 46689 w 3557686"/>
+              <a:gd name="connsiteY22" fmla="*/ 1578216 h 2642811"/>
+              <a:gd name="connsiteX23" fmla="*/ 0 w 3557686"/>
+              <a:gd name="connsiteY23" fmla="*/ 1354091 h 2642811"/>
+              <a:gd name="connsiteX24" fmla="*/ 93377 w 3557686"/>
+              <a:gd name="connsiteY24" fmla="*/ 831132 h 2642811"/>
+              <a:gd name="connsiteX25" fmla="*/ 336159 w 3557686"/>
+              <a:gd name="connsiteY25" fmla="*/ 747085 h 2642811"/>
+              <a:gd name="connsiteX26" fmla="*/ 130728 w 3557686"/>
+              <a:gd name="connsiteY26" fmla="*/ 532298 h 2642811"/>
+              <a:gd name="connsiteX27" fmla="*/ 233444 w 3557686"/>
+              <a:gd name="connsiteY27" fmla="*/ 280157 h 2642811"/>
+            </a:gdLst>
+            <a:ahLst/>
+            <a:cxnLst>
+              <a:cxn ang="0">
+                <a:pos x="connsiteX0" y="connsiteY0"/>
+              </a:cxn>
+              <a:cxn ang="0">
+                <a:pos x="connsiteX1" y="connsiteY1"/>
+              </a:cxn>
+              <a:cxn ang="0">
+                <a:pos x="connsiteX2" y="connsiteY2"/>
+              </a:cxn>
+              <a:cxn ang="0">
+                <a:pos x="connsiteX3" y="connsiteY3"/>
+              </a:cxn>
+              <a:cxn ang="0">
+                <a:pos x="connsiteX4" y="connsiteY4"/>
+              </a:cxn>
+              <a:cxn ang="0">
+                <a:pos x="connsiteX5" y="connsiteY5"/>
+              </a:cxn>
+              <a:cxn ang="0">
+                <a:pos x="connsiteX6" y="connsiteY6"/>
+              </a:cxn>
+              <a:cxn ang="0">
+                <a:pos x="connsiteX7" y="connsiteY7"/>
+              </a:cxn>
+              <a:cxn ang="0">
+                <a:pos x="connsiteX8" y="connsiteY8"/>
+              </a:cxn>
+              <a:cxn ang="0">
+                <a:pos x="connsiteX9" y="connsiteY9"/>
+              </a:cxn>
+              <a:cxn ang="0">
+                <a:pos x="connsiteX10" y="connsiteY10"/>
+              </a:cxn>
+              <a:cxn ang="0">
+                <a:pos x="connsiteX11" y="connsiteY11"/>
+              </a:cxn>
+              <a:cxn ang="0">
+                <a:pos x="connsiteX12" y="connsiteY12"/>
+              </a:cxn>
+              <a:cxn ang="0">
+                <a:pos x="connsiteX13" y="connsiteY13"/>
+              </a:cxn>
+              <a:cxn ang="0">
+                <a:pos x="connsiteX14" y="connsiteY14"/>
+              </a:cxn>
+              <a:cxn ang="0">
+                <a:pos x="connsiteX15" y="connsiteY15"/>
+              </a:cxn>
+              <a:cxn ang="0">
+                <a:pos x="connsiteX16" y="connsiteY16"/>
+              </a:cxn>
+              <a:cxn ang="0">
+                <a:pos x="connsiteX17" y="connsiteY17"/>
+              </a:cxn>
+              <a:cxn ang="0">
+                <a:pos x="connsiteX18" y="connsiteY18"/>
+              </a:cxn>
+              <a:cxn ang="0">
+                <a:pos x="connsiteX19" y="connsiteY19"/>
+              </a:cxn>
+              <a:cxn ang="0">
+                <a:pos x="connsiteX20" y="connsiteY20"/>
+              </a:cxn>
+              <a:cxn ang="0">
+                <a:pos x="connsiteX21" y="connsiteY21"/>
+              </a:cxn>
+              <a:cxn ang="0">
+                <a:pos x="connsiteX22" y="connsiteY22"/>
+              </a:cxn>
+              <a:cxn ang="0">
+                <a:pos x="connsiteX23" y="connsiteY23"/>
+              </a:cxn>
+              <a:cxn ang="0">
+                <a:pos x="connsiteX24" y="connsiteY24"/>
+              </a:cxn>
+              <a:cxn ang="0">
+                <a:pos x="connsiteX25" y="connsiteY25"/>
+              </a:cxn>
+              <a:cxn ang="0">
+                <a:pos x="connsiteX26" y="connsiteY26"/>
+              </a:cxn>
+              <a:cxn ang="0">
+                <a:pos x="connsiteX27" y="connsiteY27"/>
+              </a:cxn>
+            </a:cxnLst>
+            <a:rect l="l" t="t" r="r" b="b"/>
+            <a:pathLst>
+              <a:path w="3557686" h="2642811">
+                <a:moveTo>
+                  <a:pt x="233444" y="280157"/>
+                </a:moveTo>
+                <a:lnTo>
+                  <a:pt x="709669" y="168094"/>
+                </a:lnTo>
+                <a:lnTo>
+                  <a:pt x="1438015" y="0"/>
+                </a:lnTo>
+                <a:lnTo>
+                  <a:pt x="1727485" y="18678"/>
+                </a:lnTo>
+                <a:lnTo>
+                  <a:pt x="2754638" y="149417"/>
+                </a:lnTo>
+                <a:lnTo>
+                  <a:pt x="2726625" y="663038"/>
+                </a:lnTo>
+                <a:lnTo>
+                  <a:pt x="3081460" y="756423"/>
+                </a:lnTo>
+                <a:lnTo>
+                  <a:pt x="3277553" y="1073934"/>
+                </a:lnTo>
+                <a:lnTo>
+                  <a:pt x="3174838" y="1354091"/>
+                </a:lnTo>
+                <a:lnTo>
+                  <a:pt x="3539010" y="1484830"/>
+                </a:lnTo>
+                <a:lnTo>
+                  <a:pt x="3557686" y="1951758"/>
+                </a:lnTo>
+                <a:lnTo>
+                  <a:pt x="3436295" y="2278607"/>
+                </a:lnTo>
+                <a:lnTo>
+                  <a:pt x="3193513" y="2278607"/>
+                </a:lnTo>
+                <a:lnTo>
+                  <a:pt x="2932056" y="2642811"/>
+                </a:lnTo>
+                <a:lnTo>
+                  <a:pt x="2651923" y="2521410"/>
+                </a:lnTo>
+                <a:lnTo>
+                  <a:pt x="2129009" y="2474717"/>
+                </a:lnTo>
+                <a:lnTo>
+                  <a:pt x="1783512" y="2428024"/>
+                </a:lnTo>
+                <a:lnTo>
+                  <a:pt x="719007" y="2484056"/>
+                </a:lnTo>
+                <a:lnTo>
+                  <a:pt x="476225" y="2418686"/>
+                </a:lnTo>
+                <a:lnTo>
+                  <a:pt x="224106" y="2175883"/>
+                </a:lnTo>
+                <a:lnTo>
+                  <a:pt x="196093" y="1708956"/>
+                </a:lnTo>
+                <a:lnTo>
+                  <a:pt x="466888" y="1652924"/>
+                </a:lnTo>
+                <a:lnTo>
+                  <a:pt x="46689" y="1578216"/>
+                </a:lnTo>
+                <a:lnTo>
+                  <a:pt x="0" y="1354091"/>
+                </a:lnTo>
+                <a:lnTo>
+                  <a:pt x="93377" y="831132"/>
+                </a:lnTo>
+                <a:lnTo>
+                  <a:pt x="336159" y="747085"/>
+                </a:lnTo>
+                <a:lnTo>
+                  <a:pt x="130728" y="532298"/>
+                </a:lnTo>
+                <a:lnTo>
+                  <a:pt x="233444" y="280157"/>
+                </a:lnTo>
+                <a:close/>
+              </a:path>
+            </a:pathLst>
+          </a:custGeom>
+          <a:solidFill>
+            <a:schemeClr val="accent2">
+              <a:lumMod val="20000"/>
+              <a:lumOff val="80000"/>
+            </a:schemeClr>
+          </a:solidFill>
+          <a:ln>
+            <a:noFill/>
+          </a:ln>
+          <a:effectLst/>
+        </p:spPr>
+        <p:style>
+          <a:lnRef idx="1">
+            <a:schemeClr val="accent1"/>
+          </a:lnRef>
+          <a:fillRef idx="3">
+            <a:schemeClr val="accent1"/>
+          </a:fillRef>
+          <a:effectRef idx="2">
+            <a:schemeClr val="accent1"/>
+          </a:effectRef>
+          <a:fontRef idx="minor">
+            <a:schemeClr val="lt1"/>
+          </a:fontRef>
+        </p:style>
+        <p:txBody>
+          <a:bodyPr rtlCol="0" anchor="ctr"/>
+          <a:lstStyle/>
+          <a:p>
+            <a:pPr algn="ctr"/>
+            <a:endParaRPr lang="en-US"/>
+          </a:p>
+        </p:txBody>
+      </p:sp>
+      <p:sp>
+        <p:nvSpPr>
+          <p:cNvPr id="111" name="Freeform 110"/>
+          <p:cNvSpPr/>
+          <p:nvPr/>
+        </p:nvSpPr>
+        <p:spPr>
+          <a:xfrm>
+            <a:off x="28013" y="1550200"/>
+            <a:ext cx="3772455" cy="2456039"/>
+          </a:xfrm>
+          <a:custGeom>
+            <a:avLst/>
+            <a:gdLst>
+              <a:gd name="connsiteX0" fmla="*/ 298809 w 3772455"/>
+              <a:gd name="connsiteY0" fmla="*/ 0 h 2456039"/>
+              <a:gd name="connsiteX1" fmla="*/ 2763977 w 3772455"/>
+              <a:gd name="connsiteY1" fmla="*/ 0 h 2456039"/>
+              <a:gd name="connsiteX2" fmla="*/ 2960070 w 3772455"/>
+              <a:gd name="connsiteY2" fmla="*/ 1036579 h 2456039"/>
+              <a:gd name="connsiteX3" fmla="*/ 3174838 w 3772455"/>
+              <a:gd name="connsiteY3" fmla="*/ 1214012 h 2456039"/>
+              <a:gd name="connsiteX4" fmla="*/ 3725766 w 3772455"/>
+              <a:gd name="connsiteY4" fmla="*/ 1279382 h 2456039"/>
+              <a:gd name="connsiteX5" fmla="*/ 3772455 w 3772455"/>
+              <a:gd name="connsiteY5" fmla="*/ 1662262 h 2456039"/>
+              <a:gd name="connsiteX6" fmla="*/ 3174838 w 3772455"/>
+              <a:gd name="connsiteY6" fmla="*/ 2045143 h 2456039"/>
+              <a:gd name="connsiteX7" fmla="*/ 2287751 w 3772455"/>
+              <a:gd name="connsiteY7" fmla="*/ 2297284 h 2456039"/>
+              <a:gd name="connsiteX8" fmla="*/ 1344637 w 3772455"/>
+              <a:gd name="connsiteY8" fmla="*/ 2456039 h 2456039"/>
+              <a:gd name="connsiteX9" fmla="*/ 420199 w 3772455"/>
+              <a:gd name="connsiteY9" fmla="*/ 2428024 h 2456039"/>
+              <a:gd name="connsiteX10" fmla="*/ 37351 w 3772455"/>
+              <a:gd name="connsiteY10" fmla="*/ 2175883 h 2456039"/>
+              <a:gd name="connsiteX11" fmla="*/ 0 w 3772455"/>
+              <a:gd name="connsiteY11" fmla="*/ 1578215 h 2456039"/>
+              <a:gd name="connsiteX12" fmla="*/ 56027 w 3772455"/>
+              <a:gd name="connsiteY12" fmla="*/ 793777 h 2456039"/>
+              <a:gd name="connsiteX13" fmla="*/ 298809 w 3772455"/>
+              <a:gd name="connsiteY13" fmla="*/ 0 h 2456039"/>
+            </a:gdLst>
+            <a:ahLst/>
+            <a:cxnLst>
+              <a:cxn ang="0">
+                <a:pos x="connsiteX0" y="connsiteY0"/>
+              </a:cxn>
+              <a:cxn ang="0">
+                <a:pos x="connsiteX1" y="connsiteY1"/>
+              </a:cxn>
+              <a:cxn ang="0">
+                <a:pos x="connsiteX2" y="connsiteY2"/>
+              </a:cxn>
+              <a:cxn ang="0">
+                <a:pos x="connsiteX3" y="connsiteY3"/>
+              </a:cxn>
+              <a:cxn ang="0">
+                <a:pos x="connsiteX4" y="connsiteY4"/>
+              </a:cxn>
+              <a:cxn ang="0">
+                <a:pos x="connsiteX5" y="connsiteY5"/>
+              </a:cxn>
+              <a:cxn ang="0">
+                <a:pos x="connsiteX6" y="connsiteY6"/>
+              </a:cxn>
+              <a:cxn ang="0">
+                <a:pos x="connsiteX7" y="connsiteY7"/>
+              </a:cxn>
+              <a:cxn ang="0">
+                <a:pos x="connsiteX8" y="connsiteY8"/>
+              </a:cxn>
+              <a:cxn ang="0">
+                <a:pos x="connsiteX9" y="connsiteY9"/>
+              </a:cxn>
+              <a:cxn ang="0">
+                <a:pos x="connsiteX10" y="connsiteY10"/>
+              </a:cxn>
+              <a:cxn ang="0">
+                <a:pos x="connsiteX11" y="connsiteY11"/>
+              </a:cxn>
+              <a:cxn ang="0">
+                <a:pos x="connsiteX12" y="connsiteY12"/>
+              </a:cxn>
+              <a:cxn ang="0">
+                <a:pos x="connsiteX13" y="connsiteY13"/>
+              </a:cxn>
+            </a:cxnLst>
+            <a:rect l="l" t="t" r="r" b="b"/>
+            <a:pathLst>
+              <a:path w="3772455" h="2456039">
+                <a:moveTo>
+                  <a:pt x="298809" y="0"/>
+                </a:moveTo>
+                <a:lnTo>
+                  <a:pt x="2763977" y="0"/>
+                </a:lnTo>
+                <a:lnTo>
+                  <a:pt x="2960070" y="1036579"/>
+                </a:lnTo>
+                <a:lnTo>
+                  <a:pt x="3174838" y="1214012"/>
+                </a:lnTo>
+                <a:lnTo>
+                  <a:pt x="3725766" y="1279382"/>
+                </a:lnTo>
+                <a:lnTo>
+                  <a:pt x="3772455" y="1662262"/>
+                </a:lnTo>
+                <a:lnTo>
+                  <a:pt x="3174838" y="2045143"/>
+                </a:lnTo>
+                <a:lnTo>
+                  <a:pt x="2287751" y="2297284"/>
+                </a:lnTo>
+                <a:lnTo>
+                  <a:pt x="1344637" y="2456039"/>
+                </a:lnTo>
+                <a:lnTo>
+                  <a:pt x="420199" y="2428024"/>
+                </a:lnTo>
+                <a:lnTo>
+                  <a:pt x="37351" y="2175883"/>
+                </a:lnTo>
+                <a:lnTo>
+                  <a:pt x="0" y="1578215"/>
+                </a:lnTo>
+                <a:lnTo>
+                  <a:pt x="56027" y="793777"/>
+                </a:lnTo>
+                <a:lnTo>
+                  <a:pt x="298809" y="0"/>
+                </a:lnTo>
+                <a:close/>
+              </a:path>
+            </a:pathLst>
+          </a:custGeom>
+          <a:solidFill>
+            <a:schemeClr val="bg1">
+              <a:lumMod val="95000"/>
+            </a:schemeClr>
+          </a:solidFill>
+          <a:ln>
+            <a:noFill/>
+          </a:ln>
+          <a:effectLst/>
+        </p:spPr>
+        <p:style>
+          <a:lnRef idx="1">
+            <a:schemeClr val="accent1"/>
+          </a:lnRef>
+          <a:fillRef idx="3">
+            <a:schemeClr val="accent1"/>
+          </a:fillRef>
+          <a:effectRef idx="2">
+            <a:schemeClr val="accent1"/>
+          </a:effectRef>
+          <a:fontRef idx="minor">
+            <a:schemeClr val="lt1"/>
+          </a:fontRef>
+        </p:style>
+        <p:txBody>
+          <a:bodyPr rtlCol="0" anchor="ctr"/>
+          <a:lstStyle/>
+          <a:p>
+            <a:pPr algn="ctr"/>
+            <a:endParaRPr lang="en-US"/>
+          </a:p>
+        </p:txBody>
+      </p:sp>
       <p:cxnSp>
         <p:nvCxnSpPr>
           <p:cNvPr id="41" name="Straight Arrow Connector 40"/>
           <p:cNvCxnSpPr>
-            <a:stCxn id="23" idx="2"/>
+            <a:stCxn id="24" idx="2"/>
             <a:endCxn id="39" idx="0"/>
           </p:cNvCxnSpPr>
           <p:nvPr/>
         </p:nvCxnSpPr>
         <p:spPr>
           <a:xfrm>
-            <a:off x="4293595" y="4026932"/>
-            <a:ext cx="3055129" cy="1611868"/>
+            <a:off x="2534458" y="4407932"/>
+            <a:ext cx="1232866" cy="926068"/>
           </a:xfrm>
           <a:prstGeom prst="straightConnector1">
             <a:avLst/>
@@ -5517,13 +6697,15 @@
         </p:nvSpPr>
         <p:spPr>
           <a:xfrm>
-            <a:off x="3962400" y="1752600"/>
+            <a:off x="3962400" y="1295400"/>
             <a:ext cx="740106" cy="369332"/>
           </a:xfrm>
           <a:prstGeom prst="rect">
             <a:avLst/>
           </a:prstGeom>
-          <a:noFill/>
+          <a:solidFill>
+            <a:schemeClr val="bg1"/>
+          </a:solidFill>
           <a:ln>
             <a:solidFill>
               <a:schemeClr val="tx1"/>
@@ -5552,13 +6734,15 @@
         </p:nvSpPr>
         <p:spPr>
           <a:xfrm>
-            <a:off x="533400" y="2133600"/>
+            <a:off x="533400" y="1752600"/>
             <a:ext cx="2002020" cy="369332"/>
           </a:xfrm>
           <a:prstGeom prst="rect">
             <a:avLst/>
           </a:prstGeom>
-          <a:noFill/>
+          <a:solidFill>
+            <a:schemeClr val="bg1"/>
+          </a:solidFill>
           <a:ln>
             <a:solidFill>
               <a:schemeClr val="tx1"/>
@@ -5591,13 +6775,15 @@
         </p:nvSpPr>
         <p:spPr>
           <a:xfrm>
-            <a:off x="3276600" y="2819400"/>
+            <a:off x="3276600" y="2286000"/>
             <a:ext cx="2105715" cy="369332"/>
           </a:xfrm>
           <a:prstGeom prst="rect">
             <a:avLst/>
           </a:prstGeom>
-          <a:noFill/>
+          <a:solidFill>
+            <a:schemeClr val="bg1"/>
+          </a:solidFill>
           <a:ln>
             <a:solidFill>
               <a:schemeClr val="tx1"/>
@@ -5636,7 +6822,9 @@
           <a:prstGeom prst="rect">
             <a:avLst/>
           </a:prstGeom>
-          <a:noFill/>
+          <a:solidFill>
+            <a:schemeClr val="bg1"/>
+          </a:solidFill>
           <a:ln>
             <a:solidFill>
               <a:schemeClr val="tx1"/>
@@ -5672,8 +6860,8 @@
         </p:nvCxnSpPr>
         <p:spPr>
           <a:xfrm flipH="1">
-            <a:off x="2535420" y="2121932"/>
-            <a:ext cx="1797033" cy="196334"/>
+            <a:off x="2535420" y="1664732"/>
+            <a:ext cx="1797033" cy="272534"/>
           </a:xfrm>
           <a:prstGeom prst="straightConnector1">
             <a:avLst/>
@@ -5708,8 +6896,8 @@
         </p:nvCxnSpPr>
         <p:spPr>
           <a:xfrm flipH="1">
-            <a:off x="4329458" y="2121932"/>
-            <a:ext cx="2995" cy="697468"/>
+            <a:off x="4329458" y="1664732"/>
+            <a:ext cx="2995" cy="621268"/>
           </a:xfrm>
           <a:prstGeom prst="straightConnector1">
             <a:avLst/>
@@ -5743,9 +6931,9 @@
           <p:nvPr/>
         </p:nvCxnSpPr>
         <p:spPr>
-          <a:xfrm flipV="1">
-            <a:off x="4332453" y="1937266"/>
-            <a:ext cx="1687347" cy="184666"/>
+          <a:xfrm>
+            <a:off x="4332453" y="1664732"/>
+            <a:ext cx="1687347" cy="272534"/>
           </a:xfrm>
           <a:prstGeom prst="straightConnector1">
             <a:avLst/>
@@ -5771,19 +6959,21 @@
       </p:cxnSp>
       <p:sp>
         <p:nvSpPr>
-          <p:cNvPr id="23" name="TextBox 22"/>
+          <p:cNvPr id="24" name="TextBox 23"/>
           <p:cNvSpPr txBox="1"/>
           <p:nvPr/>
         </p:nvSpPr>
         <p:spPr>
           <a:xfrm>
-            <a:off x="3657600" y="3657600"/>
-            <a:ext cx="1271990" cy="369332"/>
+            <a:off x="1905000" y="4038600"/>
+            <a:ext cx="1258916" cy="369332"/>
           </a:xfrm>
           <a:prstGeom prst="rect">
             <a:avLst/>
           </a:prstGeom>
-          <a:noFill/>
+          <a:solidFill>
+            <a:schemeClr val="bg1"/>
+          </a:solidFill>
           <a:ln>
             <a:solidFill>
               <a:schemeClr val="tx1"/>
@@ -5798,7 +6988,7 @@
           <a:p>
             <a:r>
               <a:rPr lang="en-US" dirty="0" smtClean="0"/>
-              <a:t>Arena - Zoo</a:t>
+              <a:t>Player Area</a:t>
             </a:r>
             <a:endParaRPr lang="en-US" dirty="0"/>
           </a:p>
@@ -5806,19 +6996,21 @@
       </p:sp>
       <p:sp>
         <p:nvSpPr>
-          <p:cNvPr id="24" name="TextBox 23"/>
+          <p:cNvPr id="25" name="TextBox 24"/>
           <p:cNvSpPr txBox="1"/>
           <p:nvPr/>
         </p:nvSpPr>
         <p:spPr>
           <a:xfrm>
-            <a:off x="609600" y="4038600"/>
-            <a:ext cx="1258916" cy="369332"/>
+            <a:off x="6019800" y="4038600"/>
+            <a:ext cx="1792265" cy="369332"/>
           </a:xfrm>
           <a:prstGeom prst="rect">
             <a:avLst/>
           </a:prstGeom>
-          <a:noFill/>
+          <a:solidFill>
+            <a:schemeClr val="bg1"/>
+          </a:solidFill>
           <a:ln>
             <a:solidFill>
               <a:schemeClr val="tx1"/>
@@ -5833,7 +7025,11 @@
           <a:p>
             <a:r>
               <a:rPr lang="en-US" dirty="0" smtClean="0"/>
-              <a:t>Player Area</a:t>
+              <a:t>Area </a:t>
+            </a:r>
+            <a:r>
+              <a:rPr lang="en-US" dirty="0" smtClean="0"/>
+              <a:t>– Cage Area</a:t>
             </a:r>
             <a:endParaRPr lang="en-US" dirty="0"/>
           </a:p>
@@ -5841,19 +7037,21 @@
       </p:sp>
       <p:sp>
         <p:nvSpPr>
-          <p:cNvPr id="25" name="TextBox 24"/>
+          <p:cNvPr id="26" name="TextBox 25"/>
           <p:cNvSpPr txBox="1"/>
           <p:nvPr/>
         </p:nvSpPr>
         <p:spPr>
           <a:xfrm>
-            <a:off x="6400800" y="4038600"/>
-            <a:ext cx="1913542" cy="369332"/>
+            <a:off x="3733800" y="4038600"/>
+            <a:ext cx="1990862" cy="369332"/>
           </a:xfrm>
           <a:prstGeom prst="rect">
             <a:avLst/>
           </a:prstGeom>
-          <a:noFill/>
+          <a:solidFill>
+            <a:schemeClr val="bg1"/>
+          </a:solidFill>
           <a:ln>
             <a:solidFill>
               <a:schemeClr val="tx1"/>
@@ -5868,42 +7066,11 @@
           <a:p>
             <a:r>
               <a:rPr lang="en-US" dirty="0" smtClean="0"/>
-              <a:t>Arena – Cage Area</a:t>
-            </a:r>
-            <a:endParaRPr lang="en-US" dirty="0"/>
-          </a:p>
-        </p:txBody>
-      </p:sp>
-      <p:sp>
-        <p:nvSpPr>
-          <p:cNvPr id="26" name="TextBox 25"/>
-          <p:cNvSpPr txBox="1"/>
-          <p:nvPr/>
-        </p:nvSpPr>
-        <p:spPr>
-          <a:xfrm>
-            <a:off x="1981200" y="4648200"/>
-            <a:ext cx="2112139" cy="369332"/>
-          </a:xfrm>
-          <a:prstGeom prst="rect">
-            <a:avLst/>
-          </a:prstGeom>
-          <a:noFill/>
-          <a:ln>
-            <a:solidFill>
-              <a:schemeClr val="tx1"/>
-            </a:solidFill>
-          </a:ln>
-        </p:spPr>
-        <p:txBody>
-          <a:bodyPr wrap="none" rtlCol="0">
-            <a:spAutoFit/>
-          </a:bodyPr>
-          <a:lstStyle/>
-          <a:p>
+              <a:t>Area </a:t>
+            </a:r>
             <a:r>
               <a:rPr lang="en-US" dirty="0" smtClean="0"/>
-              <a:t>Arena – Animal Area</a:t>
+              <a:t>– Animal Area</a:t>
             </a:r>
             <a:endParaRPr lang="en-US" dirty="0"/>
           </a:p>
@@ -5913,15 +7080,15 @@
         <p:nvCxnSpPr>
           <p:cNvPr id="28" name="Straight Arrow Connector 27"/>
           <p:cNvCxnSpPr>
-            <a:stCxn id="23" idx="2"/>
+            <a:stCxn id="6" idx="2"/>
             <a:endCxn id="24" idx="3"/>
           </p:cNvCxnSpPr>
           <p:nvPr/>
         </p:nvCxnSpPr>
         <p:spPr>
           <a:xfrm flipH="1">
-            <a:off x="1868516" y="4026932"/>
-            <a:ext cx="2425079" cy="196334"/>
+            <a:off x="3163916" y="2655332"/>
+            <a:ext cx="1165542" cy="1567934"/>
           </a:xfrm>
           <a:prstGeom prst="straightConnector1">
             <a:avLst/>
@@ -5949,15 +7116,15 @@
         <p:nvCxnSpPr>
           <p:cNvPr id="30" name="Straight Arrow Connector 29"/>
           <p:cNvCxnSpPr>
-            <a:stCxn id="23" idx="2"/>
+            <a:stCxn id="6" idx="2"/>
             <a:endCxn id="26" idx="0"/>
           </p:cNvCxnSpPr>
           <p:nvPr/>
         </p:nvCxnSpPr>
         <p:spPr>
-          <a:xfrm flipH="1">
-            <a:off x="3037270" y="4026932"/>
-            <a:ext cx="1256325" cy="621268"/>
+          <a:xfrm>
+            <a:off x="4329458" y="2655332"/>
+            <a:ext cx="399773" cy="1383268"/>
           </a:xfrm>
           <a:prstGeom prst="straightConnector1">
             <a:avLst/>
@@ -5985,15 +7152,15 @@
         <p:nvCxnSpPr>
           <p:cNvPr id="32" name="Straight Arrow Connector 31"/>
           <p:cNvCxnSpPr>
-            <a:stCxn id="23" idx="2"/>
+            <a:stCxn id="6" idx="2"/>
             <a:endCxn id="25" idx="1"/>
           </p:cNvCxnSpPr>
           <p:nvPr/>
         </p:nvCxnSpPr>
         <p:spPr>
           <a:xfrm>
-            <a:off x="4293595" y="4026932"/>
-            <a:ext cx="2107205" cy="196334"/>
+            <a:off x="4329458" y="2655332"/>
+            <a:ext cx="1690342" cy="1567934"/>
           </a:xfrm>
           <a:prstGeom prst="straightConnector1">
             <a:avLst/>
@@ -6064,7 +7231,7 @@
         <p:spPr>
           <a:xfrm flipH="1">
             <a:off x="1005470" y="4407932"/>
-            <a:ext cx="233588" cy="621268"/>
+            <a:ext cx="1528988" cy="621268"/>
           </a:xfrm>
           <a:prstGeom prst="straightConnector1">
             <a:avLst/>
@@ -6096,13 +7263,15 @@
         </p:nvSpPr>
         <p:spPr>
           <a:xfrm>
-            <a:off x="6400800" y="5638800"/>
+            <a:off x="2819400" y="5334000"/>
             <a:ext cx="1895847" cy="369332"/>
           </a:xfrm>
           <a:prstGeom prst="rect">
             <a:avLst/>
           </a:prstGeom>
-          <a:noFill/>
+          <a:solidFill>
+            <a:schemeClr val="bg1"/>
+          </a:solidFill>
           <a:ln>
             <a:solidFill>
               <a:schemeClr val="tx1"/>
@@ -6131,13 +7300,15 @@
         </p:nvSpPr>
         <p:spPr>
           <a:xfrm>
-            <a:off x="4343400" y="5638800"/>
+            <a:off x="6477000" y="4953000"/>
             <a:ext cx="1931689" cy="369332"/>
           </a:xfrm>
           <a:prstGeom prst="rect">
             <a:avLst/>
           </a:prstGeom>
-          <a:noFill/>
+          <a:solidFill>
+            <a:schemeClr val="bg1"/>
+          </a:solidFill>
           <a:ln>
             <a:solidFill>
               <a:schemeClr val="tx1"/>
@@ -6162,15 +7333,15 @@
         <p:nvCxnSpPr>
           <p:cNvPr id="47" name="Straight Arrow Connector 46"/>
           <p:cNvCxnSpPr>
-            <a:stCxn id="23" idx="2"/>
+            <a:stCxn id="25" idx="2"/>
             <a:endCxn id="45" idx="0"/>
           </p:cNvCxnSpPr>
           <p:nvPr/>
         </p:nvCxnSpPr>
         <p:spPr>
           <a:xfrm>
-            <a:off x="4293595" y="4026932"/>
-            <a:ext cx="1015650" cy="1611868"/>
+            <a:off x="6915933" y="4407932"/>
+            <a:ext cx="526912" cy="545068"/>
           </a:xfrm>
           <a:prstGeom prst="straightConnector1">
             <a:avLst/>
@@ -6208,7 +7379,9 @@
           <a:prstGeom prst="rect">
             <a:avLst/>
           </a:prstGeom>
-          <a:noFill/>
+          <a:solidFill>
+            <a:schemeClr val="bg1"/>
+          </a:solidFill>
           <a:ln>
             <a:solidFill>
               <a:schemeClr val="tx1"/>
@@ -6233,15 +7406,15 @@
         <p:nvCxnSpPr>
           <p:cNvPr id="54" name="Straight Arrow Connector 53"/>
           <p:cNvCxnSpPr>
-            <a:stCxn id="26" idx="2"/>
+            <a:stCxn id="24" idx="2"/>
             <a:endCxn id="52" idx="0"/>
           </p:cNvCxnSpPr>
           <p:nvPr/>
         </p:nvCxnSpPr>
         <p:spPr>
-          <a:xfrm flipH="1">
-            <a:off x="2700974" y="5017532"/>
-            <a:ext cx="336296" cy="849868"/>
+          <a:xfrm>
+            <a:off x="2534458" y="4407932"/>
+            <a:ext cx="166516" cy="1459468"/>
           </a:xfrm>
           <a:prstGeom prst="straightConnector1">
             <a:avLst/>
@@ -6267,17 +7440,17 @@
       </p:cxnSp>
       <p:cxnSp>
         <p:nvCxnSpPr>
-          <p:cNvPr id="56" name="Straight Arrow Connector 55"/>
+          <p:cNvPr id="61" name="Straight Arrow Connector 60"/>
           <p:cNvCxnSpPr>
-            <a:stCxn id="6" idx="2"/>
-            <a:endCxn id="23" idx="0"/>
+            <a:stCxn id="5" idx="2"/>
+            <a:endCxn id="59" idx="0"/>
           </p:cNvCxnSpPr>
           <p:nvPr/>
         </p:nvCxnSpPr>
         <p:spPr>
           <a:xfrm flipH="1">
-            <a:off x="4293595" y="3188732"/>
-            <a:ext cx="35863" cy="468868"/>
+            <a:off x="952496" y="2121932"/>
+            <a:ext cx="581914" cy="697468"/>
           </a:xfrm>
           <a:prstGeom prst="straightConnector1">
             <a:avLst/>
@@ -6301,54 +7474,19 @@
           </a:fontRef>
         </p:style>
       </p:cxnSp>
-      <p:sp>
-        <p:nvSpPr>
-          <p:cNvPr id="59" name="TextBox 58"/>
-          <p:cNvSpPr txBox="1"/>
-          <p:nvPr/>
-        </p:nvSpPr>
-        <p:spPr>
-          <a:xfrm>
-            <a:off x="76200" y="2819400"/>
-            <a:ext cx="1752591" cy="369332"/>
-          </a:xfrm>
-          <a:prstGeom prst="rect">
-            <a:avLst/>
-          </a:prstGeom>
-          <a:noFill/>
-          <a:ln>
-            <a:solidFill>
-              <a:schemeClr val="tx1"/>
-            </a:solidFill>
-          </a:ln>
-        </p:spPr>
-        <p:txBody>
-          <a:bodyPr wrap="none" rtlCol="0">
-            <a:spAutoFit/>
-          </a:bodyPr>
-          <a:lstStyle/>
-          <a:p>
-            <a:r>
-              <a:rPr lang="en-US" dirty="0" smtClean="0"/>
-              <a:t>Info – Static Text</a:t>
-            </a:r>
-            <a:endParaRPr lang="en-US" dirty="0"/>
-          </a:p>
-        </p:txBody>
-      </p:sp>
       <p:cxnSp>
         <p:nvCxnSpPr>
-          <p:cNvPr id="61" name="Straight Arrow Connector 60"/>
+          <p:cNvPr id="68" name="Straight Arrow Connector 67"/>
           <p:cNvCxnSpPr>
-            <a:stCxn id="5" idx="2"/>
-            <a:endCxn id="59" idx="0"/>
+            <a:stCxn id="7" idx="2"/>
+            <a:endCxn id="95" idx="0"/>
           </p:cNvCxnSpPr>
           <p:nvPr/>
         </p:nvCxnSpPr>
         <p:spPr>
-          <a:xfrm flipH="1">
-            <a:off x="952496" y="2502932"/>
-            <a:ext cx="581914" cy="316468"/>
+          <a:xfrm>
+            <a:off x="6972570" y="2121932"/>
+            <a:ext cx="1079157" cy="849868"/>
           </a:xfrm>
           <a:prstGeom prst="straightConnector1">
             <a:avLst/>
@@ -6374,161 +7512,21 @@
       </p:cxnSp>
       <p:sp>
         <p:nvSpPr>
-          <p:cNvPr id="62" name="TextBox 61"/>
-          <p:cNvSpPr txBox="1"/>
-          <p:nvPr/>
-        </p:nvSpPr>
-        <p:spPr>
-          <a:xfrm>
-            <a:off x="6172200" y="3429000"/>
-            <a:ext cx="2758650" cy="369332"/>
-          </a:xfrm>
-          <a:prstGeom prst="rect">
-            <a:avLst/>
-          </a:prstGeom>
-          <a:noFill/>
-          <a:ln>
-            <a:solidFill>
-              <a:schemeClr val="tx1"/>
-            </a:solidFill>
-          </a:ln>
-        </p:spPr>
-        <p:txBody>
-          <a:bodyPr wrap="none" rtlCol="0">
-            <a:spAutoFit/>
-          </a:bodyPr>
-          <a:lstStyle/>
-          <a:p>
-            <a:r>
-              <a:rPr lang="en-US" dirty="0" smtClean="0"/>
-              <a:t>Info – Dynamic Text (Score)</a:t>
-            </a:r>
-            <a:endParaRPr lang="en-US" dirty="0"/>
-          </a:p>
-        </p:txBody>
-      </p:sp>
-      <p:cxnSp>
-        <p:nvCxnSpPr>
-          <p:cNvPr id="64" name="Straight Arrow Connector 63"/>
-          <p:cNvCxnSpPr>
-            <a:stCxn id="6" idx="2"/>
-            <a:endCxn id="62" idx="1"/>
-          </p:cNvCxnSpPr>
-          <p:nvPr/>
-        </p:nvCxnSpPr>
-        <p:spPr>
-          <a:xfrm>
-            <a:off x="4329458" y="3188732"/>
-            <a:ext cx="1842742" cy="424934"/>
-          </a:xfrm>
-          <a:prstGeom prst="straightConnector1">
-            <a:avLst/>
-          </a:prstGeom>
-          <a:ln>
-            <a:tailEnd type="arrow"/>
-          </a:ln>
-        </p:spPr>
-        <p:style>
-          <a:lnRef idx="2">
-            <a:schemeClr val="accent1"/>
-          </a:lnRef>
-          <a:fillRef idx="0">
-            <a:schemeClr val="accent1"/>
-          </a:fillRef>
-          <a:effectRef idx="1">
-            <a:schemeClr val="accent1"/>
-          </a:effectRef>
-          <a:fontRef idx="minor">
-            <a:schemeClr val="tx1"/>
-          </a:fontRef>
-        </p:style>
-      </p:cxnSp>
-      <p:sp>
-        <p:nvSpPr>
-          <p:cNvPr id="65" name="TextBox 64"/>
-          <p:cNvSpPr txBox="1"/>
-          <p:nvPr/>
-        </p:nvSpPr>
-        <p:spPr>
-          <a:xfrm>
-            <a:off x="5943600" y="2819400"/>
-            <a:ext cx="2758650" cy="369332"/>
-          </a:xfrm>
-          <a:prstGeom prst="rect">
-            <a:avLst/>
-          </a:prstGeom>
-          <a:noFill/>
-          <a:ln>
-            <a:solidFill>
-              <a:schemeClr val="tx1"/>
-            </a:solidFill>
-          </a:ln>
-        </p:spPr>
-        <p:txBody>
-          <a:bodyPr wrap="none" rtlCol="0">
-            <a:spAutoFit/>
-          </a:bodyPr>
-          <a:lstStyle/>
-          <a:p>
-            <a:r>
-              <a:rPr lang="en-US" dirty="0" smtClean="0"/>
-              <a:t>Info – Dynamic Text (Score)</a:t>
-            </a:r>
-            <a:endParaRPr lang="en-US" dirty="0"/>
-          </a:p>
-        </p:txBody>
-      </p:sp>
-      <p:cxnSp>
-        <p:nvCxnSpPr>
-          <p:cNvPr id="68" name="Straight Arrow Connector 67"/>
-          <p:cNvCxnSpPr>
-            <a:stCxn id="7" idx="2"/>
-            <a:endCxn id="65" idx="0"/>
-          </p:cNvCxnSpPr>
-          <p:nvPr/>
-        </p:nvCxnSpPr>
-        <p:spPr>
-          <a:xfrm>
-            <a:off x="6972570" y="2121932"/>
-            <a:ext cx="350355" cy="697468"/>
-          </a:xfrm>
-          <a:prstGeom prst="straightConnector1">
-            <a:avLst/>
-          </a:prstGeom>
-          <a:ln>
-            <a:tailEnd type="arrow"/>
-          </a:ln>
-        </p:spPr>
-        <p:style>
-          <a:lnRef idx="2">
-            <a:schemeClr val="accent1"/>
-          </a:lnRef>
-          <a:fillRef idx="0">
-            <a:schemeClr val="accent1"/>
-          </a:fillRef>
-          <a:effectRef idx="1">
-            <a:schemeClr val="accent1"/>
-          </a:effectRef>
-          <a:fontRef idx="minor">
-            <a:schemeClr val="tx1"/>
-          </a:fontRef>
-        </p:style>
-      </p:cxnSp>
-      <p:sp>
-        <p:nvSpPr>
           <p:cNvPr id="69" name="TextBox 68"/>
           <p:cNvSpPr txBox="1"/>
           <p:nvPr/>
         </p:nvSpPr>
         <p:spPr>
           <a:xfrm>
-            <a:off x="1447800" y="3200400"/>
+            <a:off x="533400" y="3429000"/>
             <a:ext cx="1447707" cy="369332"/>
           </a:xfrm>
           <a:prstGeom prst="rect">
             <a:avLst/>
           </a:prstGeom>
-          <a:noFill/>
+          <a:solidFill>
+            <a:schemeClr val="bg1"/>
+          </a:solidFill>
           <a:ln>
             <a:solidFill>
               <a:schemeClr val="tx1"/>
@@ -6559,9 +7557,9 @@
           <p:nvPr/>
         </p:nvCxnSpPr>
         <p:spPr>
-          <a:xfrm>
-            <a:off x="1534410" y="2502932"/>
-            <a:ext cx="637244" cy="697468"/>
+          <a:xfrm flipH="1">
+            <a:off x="1257254" y="2121932"/>
+            <a:ext cx="277156" cy="1307068"/>
           </a:xfrm>
           <a:prstGeom prst="straightConnector1">
             <a:avLst/>
@@ -6587,19 +7585,26 @@
       </p:cxnSp>
       <p:sp>
         <p:nvSpPr>
-          <p:cNvPr id="73" name="TextBox 72"/>
+          <p:cNvPr id="75" name="TextBox 74"/>
           <p:cNvSpPr txBox="1"/>
           <p:nvPr/>
         </p:nvSpPr>
         <p:spPr>
           <a:xfrm>
-            <a:off x="7162800" y="2209800"/>
-            <a:ext cx="2685351" cy="369332"/>
+            <a:off x="5257800" y="6172200"/>
+            <a:ext cx="577690" cy="369332"/>
           </a:xfrm>
           <a:prstGeom prst="rect">
             <a:avLst/>
           </a:prstGeom>
-          <a:noFill/>
+          <a:solidFill>
+            <a:schemeClr val="bg1"/>
+          </a:solidFill>
+          <a:ln>
+            <a:solidFill>
+              <a:schemeClr val="tx1"/>
+            </a:solidFill>
+          </a:ln>
         </p:spPr>
         <p:txBody>
           <a:bodyPr wrap="none" rtlCol="0">
@@ -6609,7 +7614,7 @@
           <a:p>
             <a:r>
               <a:rPr lang="en-US" dirty="0" smtClean="0"/>
-              <a:t>TODO: End Screen Buttons</a:t>
+              <a:t>Lion</a:t>
             </a:r>
             <a:endParaRPr lang="en-US" dirty="0"/>
           </a:p>
@@ -6617,19 +7622,21 @@
       </p:sp>
       <p:sp>
         <p:nvSpPr>
-          <p:cNvPr id="75" name="TextBox 74"/>
+          <p:cNvPr id="76" name="TextBox 75"/>
           <p:cNvSpPr txBox="1"/>
           <p:nvPr/>
         </p:nvSpPr>
         <p:spPr>
           <a:xfrm>
-            <a:off x="4343400" y="6096000"/>
-            <a:ext cx="577690" cy="369332"/>
+            <a:off x="6096000" y="6172200"/>
+            <a:ext cx="654108" cy="369332"/>
           </a:xfrm>
           <a:prstGeom prst="rect">
             <a:avLst/>
           </a:prstGeom>
-          <a:noFill/>
+          <a:solidFill>
+            <a:schemeClr val="bg1"/>
+          </a:solidFill>
           <a:ln>
             <a:solidFill>
               <a:schemeClr val="tx1"/>
@@ -6644,7 +7651,7 @@
           <a:p>
             <a:r>
               <a:rPr lang="en-US" dirty="0" smtClean="0"/>
-              <a:t>Lion</a:t>
+              <a:t>Tiger</a:t>
             </a:r>
             <a:endParaRPr lang="en-US" dirty="0"/>
           </a:p>
@@ -6652,19 +7659,21 @@
       </p:sp>
       <p:sp>
         <p:nvSpPr>
-          <p:cNvPr id="76" name="TextBox 75"/>
+          <p:cNvPr id="77" name="TextBox 76"/>
           <p:cNvSpPr txBox="1"/>
           <p:nvPr/>
         </p:nvSpPr>
         <p:spPr>
           <a:xfrm>
-            <a:off x="4648200" y="6248400"/>
-            <a:ext cx="654108" cy="369332"/>
+            <a:off x="7086600" y="6172200"/>
+            <a:ext cx="616124" cy="369332"/>
           </a:xfrm>
           <a:prstGeom prst="rect">
             <a:avLst/>
           </a:prstGeom>
-          <a:noFill/>
+          <a:solidFill>
+            <a:schemeClr val="bg1"/>
+          </a:solidFill>
           <a:ln>
             <a:solidFill>
               <a:schemeClr val="tx1"/>
@@ -6679,7 +7688,7 @@
           <a:p>
             <a:r>
               <a:rPr lang="en-US" dirty="0" smtClean="0"/>
-              <a:t>Tiger</a:t>
+              <a:t>Bear</a:t>
             </a:r>
             <a:endParaRPr lang="en-US" dirty="0"/>
           </a:p>
@@ -6687,19 +7696,21 @@
       </p:sp>
       <p:sp>
         <p:nvSpPr>
-          <p:cNvPr id="77" name="TextBox 76"/>
+          <p:cNvPr id="78" name="TextBox 77"/>
           <p:cNvSpPr txBox="1"/>
           <p:nvPr/>
         </p:nvSpPr>
         <p:spPr>
           <a:xfrm>
-            <a:off x="5181600" y="6324600"/>
-            <a:ext cx="616124" cy="369332"/>
+            <a:off x="8001000" y="6172200"/>
+            <a:ext cx="801985" cy="369332"/>
           </a:xfrm>
           <a:prstGeom prst="rect">
             <a:avLst/>
           </a:prstGeom>
-          <a:noFill/>
+          <a:solidFill>
+            <a:schemeClr val="bg1"/>
+          </a:solidFill>
           <a:ln>
             <a:solidFill>
               <a:schemeClr val="tx1"/>
@@ -6714,7 +7725,7 @@
           <a:p>
             <a:r>
               <a:rPr lang="en-US" dirty="0" smtClean="0"/>
-              <a:t>Bear</a:t>
+              <a:t>Gorilla</a:t>
             </a:r>
             <a:endParaRPr lang="en-US" dirty="0"/>
           </a:p>
@@ -6722,19 +7733,21 @@
       </p:sp>
       <p:sp>
         <p:nvSpPr>
-          <p:cNvPr id="78" name="TextBox 77"/>
+          <p:cNvPr id="40" name="TextBox 39"/>
           <p:cNvSpPr txBox="1"/>
           <p:nvPr/>
         </p:nvSpPr>
         <p:spPr>
           <a:xfrm>
-            <a:off x="5562600" y="6400800"/>
-            <a:ext cx="801985" cy="369332"/>
+            <a:off x="2133600" y="2895600"/>
+            <a:ext cx="1534833" cy="369332"/>
           </a:xfrm>
           <a:prstGeom prst="rect">
             <a:avLst/>
           </a:prstGeom>
-          <a:noFill/>
+          <a:solidFill>
+            <a:schemeClr val="bg1"/>
+          </a:solidFill>
           <a:ln>
             <a:solidFill>
               <a:schemeClr val="tx1"/>
@@ -6749,7 +7762,414 @@
           <a:p>
             <a:r>
               <a:rPr lang="en-US" dirty="0" smtClean="0"/>
-              <a:t>Gorilla</a:t>
+              <a:t>Identity - Logo</a:t>
+            </a:r>
+            <a:endParaRPr lang="en-US" dirty="0"/>
+          </a:p>
+        </p:txBody>
+      </p:sp>
+      <p:cxnSp>
+        <p:nvCxnSpPr>
+          <p:cNvPr id="63" name="Straight Arrow Connector 62"/>
+          <p:cNvCxnSpPr>
+            <a:stCxn id="45" idx="2"/>
+            <a:endCxn id="78" idx="0"/>
+          </p:cNvCxnSpPr>
+          <p:nvPr/>
+        </p:nvCxnSpPr>
+        <p:spPr>
+          <a:xfrm>
+            <a:off x="7442845" y="5322332"/>
+            <a:ext cx="959148" cy="849868"/>
+          </a:xfrm>
+          <a:prstGeom prst="straightConnector1">
+            <a:avLst/>
+          </a:prstGeom>
+          <a:ln>
+            <a:tailEnd type="arrow"/>
+          </a:ln>
+        </p:spPr>
+        <p:style>
+          <a:lnRef idx="2">
+            <a:schemeClr val="accent1"/>
+          </a:lnRef>
+          <a:fillRef idx="0">
+            <a:schemeClr val="accent1"/>
+          </a:fillRef>
+          <a:effectRef idx="1">
+            <a:schemeClr val="accent1"/>
+          </a:effectRef>
+          <a:fontRef idx="minor">
+            <a:schemeClr val="tx1"/>
+          </a:fontRef>
+        </p:style>
+      </p:cxnSp>
+      <p:cxnSp>
+        <p:nvCxnSpPr>
+          <p:cNvPr id="67" name="Straight Arrow Connector 66"/>
+          <p:cNvCxnSpPr>
+            <a:stCxn id="45" idx="2"/>
+            <a:endCxn id="77" idx="0"/>
+          </p:cNvCxnSpPr>
+          <p:nvPr/>
+        </p:nvCxnSpPr>
+        <p:spPr>
+          <a:xfrm flipH="1">
+            <a:off x="7394662" y="5322332"/>
+            <a:ext cx="48183" cy="849868"/>
+          </a:xfrm>
+          <a:prstGeom prst="straightConnector1">
+            <a:avLst/>
+          </a:prstGeom>
+          <a:ln>
+            <a:tailEnd type="arrow"/>
+          </a:ln>
+        </p:spPr>
+        <p:style>
+          <a:lnRef idx="2">
+            <a:schemeClr val="accent1"/>
+          </a:lnRef>
+          <a:fillRef idx="0">
+            <a:schemeClr val="accent1"/>
+          </a:fillRef>
+          <a:effectRef idx="1">
+            <a:schemeClr val="accent1"/>
+          </a:effectRef>
+          <a:fontRef idx="minor">
+            <a:schemeClr val="tx1"/>
+          </a:fontRef>
+        </p:style>
+      </p:cxnSp>
+      <p:cxnSp>
+        <p:nvCxnSpPr>
+          <p:cNvPr id="70" name="Straight Arrow Connector 69"/>
+          <p:cNvCxnSpPr>
+            <a:stCxn id="45" idx="2"/>
+            <a:endCxn id="76" idx="0"/>
+          </p:cNvCxnSpPr>
+          <p:nvPr/>
+        </p:nvCxnSpPr>
+        <p:spPr>
+          <a:xfrm flipH="1">
+            <a:off x="6423054" y="5322332"/>
+            <a:ext cx="1019791" cy="849868"/>
+          </a:xfrm>
+          <a:prstGeom prst="straightConnector1">
+            <a:avLst/>
+          </a:prstGeom>
+          <a:ln>
+            <a:tailEnd type="arrow"/>
+          </a:ln>
+        </p:spPr>
+        <p:style>
+          <a:lnRef idx="2">
+            <a:schemeClr val="accent1"/>
+          </a:lnRef>
+          <a:fillRef idx="0">
+            <a:schemeClr val="accent1"/>
+          </a:fillRef>
+          <a:effectRef idx="1">
+            <a:schemeClr val="accent1"/>
+          </a:effectRef>
+          <a:fontRef idx="minor">
+            <a:schemeClr val="tx1"/>
+          </a:fontRef>
+        </p:style>
+      </p:cxnSp>
+      <p:cxnSp>
+        <p:nvCxnSpPr>
+          <p:cNvPr id="74" name="Straight Arrow Connector 73"/>
+          <p:cNvCxnSpPr>
+            <a:stCxn id="45" idx="2"/>
+            <a:endCxn id="75" idx="0"/>
+          </p:cNvCxnSpPr>
+          <p:nvPr/>
+        </p:nvCxnSpPr>
+        <p:spPr>
+          <a:xfrm flipH="1">
+            <a:off x="5546645" y="5322332"/>
+            <a:ext cx="1896200" cy="849868"/>
+          </a:xfrm>
+          <a:prstGeom prst="straightConnector1">
+            <a:avLst/>
+          </a:prstGeom>
+          <a:ln>
+            <a:tailEnd type="arrow"/>
+          </a:ln>
+        </p:spPr>
+        <p:style>
+          <a:lnRef idx="2">
+            <a:schemeClr val="accent1"/>
+          </a:lnRef>
+          <a:fillRef idx="0">
+            <a:schemeClr val="accent1"/>
+          </a:fillRef>
+          <a:effectRef idx="1">
+            <a:schemeClr val="accent1"/>
+          </a:effectRef>
+          <a:fontRef idx="minor">
+            <a:schemeClr val="tx1"/>
+          </a:fontRef>
+        </p:style>
+      </p:cxnSp>
+      <p:sp>
+        <p:nvSpPr>
+          <p:cNvPr id="59" name="TextBox 58"/>
+          <p:cNvSpPr txBox="1"/>
+          <p:nvPr/>
+        </p:nvSpPr>
+        <p:spPr>
+          <a:xfrm>
+            <a:off x="76200" y="2819400"/>
+            <a:ext cx="1752591" cy="369332"/>
+          </a:xfrm>
+          <a:prstGeom prst="rect">
+            <a:avLst/>
+          </a:prstGeom>
+          <a:solidFill>
+            <a:schemeClr val="bg1"/>
+          </a:solidFill>
+          <a:ln>
+            <a:solidFill>
+              <a:schemeClr val="tx1"/>
+            </a:solidFill>
+          </a:ln>
+        </p:spPr>
+        <p:txBody>
+          <a:bodyPr wrap="none" rtlCol="0">
+            <a:spAutoFit/>
+          </a:bodyPr>
+          <a:lstStyle/>
+          <a:p>
+            <a:r>
+              <a:rPr lang="en-US" dirty="0" smtClean="0"/>
+              <a:t>Info – Static Text</a:t>
+            </a:r>
+            <a:endParaRPr lang="en-US" dirty="0"/>
+          </a:p>
+        </p:txBody>
+      </p:sp>
+      <p:cxnSp>
+        <p:nvCxnSpPr>
+          <p:cNvPr id="83" name="Straight Arrow Connector 82"/>
+          <p:cNvCxnSpPr>
+            <a:stCxn id="5" idx="2"/>
+            <a:endCxn id="40" idx="1"/>
+          </p:cNvCxnSpPr>
+          <p:nvPr/>
+        </p:nvCxnSpPr>
+        <p:spPr>
+          <a:xfrm>
+            <a:off x="1534410" y="2121932"/>
+            <a:ext cx="599190" cy="958334"/>
+          </a:xfrm>
+          <a:prstGeom prst="straightConnector1">
+            <a:avLst/>
+          </a:prstGeom>
+          <a:ln>
+            <a:tailEnd type="arrow"/>
+          </a:ln>
+        </p:spPr>
+        <p:style>
+          <a:lnRef idx="2">
+            <a:schemeClr val="accent1"/>
+          </a:lnRef>
+          <a:fillRef idx="0">
+            <a:schemeClr val="accent1"/>
+          </a:fillRef>
+          <a:effectRef idx="1">
+            <a:schemeClr val="accent1"/>
+          </a:effectRef>
+          <a:fontRef idx="minor">
+            <a:schemeClr val="tx1"/>
+          </a:fontRef>
+        </p:style>
+      </p:cxnSp>
+      <p:sp>
+        <p:nvSpPr>
+          <p:cNvPr id="94" name="TextBox 93"/>
+          <p:cNvSpPr txBox="1"/>
+          <p:nvPr/>
+        </p:nvSpPr>
+        <p:spPr>
+          <a:xfrm>
+            <a:off x="6019800" y="3429000"/>
+            <a:ext cx="2108269" cy="369332"/>
+          </a:xfrm>
+          <a:prstGeom prst="rect">
+            <a:avLst/>
+          </a:prstGeom>
+          <a:solidFill>
+            <a:schemeClr val="bg1"/>
+          </a:solidFill>
+          <a:ln>
+            <a:solidFill>
+              <a:schemeClr val="tx1"/>
+            </a:solidFill>
+          </a:ln>
+        </p:spPr>
+        <p:txBody>
+          <a:bodyPr wrap="none" rtlCol="0">
+            <a:spAutoFit/>
+          </a:bodyPr>
+          <a:lstStyle/>
+          <a:p>
+            <a:r>
+              <a:rPr lang="en-US" dirty="0" smtClean="0"/>
+              <a:t>Button - </a:t>
+            </a:r>
+            <a:r>
+              <a:rPr lang="en-US" dirty="0" smtClean="0"/>
+              <a:t>Instructions</a:t>
+            </a:r>
+            <a:endParaRPr lang="en-US" dirty="0"/>
+          </a:p>
+        </p:txBody>
+      </p:sp>
+      <p:sp>
+        <p:nvSpPr>
+          <p:cNvPr id="95" name="TextBox 94"/>
+          <p:cNvSpPr txBox="1"/>
+          <p:nvPr/>
+        </p:nvSpPr>
+        <p:spPr>
+          <a:xfrm>
+            <a:off x="7239000" y="2971800"/>
+            <a:ext cx="1625453" cy="369332"/>
+          </a:xfrm>
+          <a:prstGeom prst="rect">
+            <a:avLst/>
+          </a:prstGeom>
+          <a:solidFill>
+            <a:schemeClr val="bg1"/>
+          </a:solidFill>
+          <a:ln>
+            <a:solidFill>
+              <a:schemeClr val="tx1"/>
+            </a:solidFill>
+          </a:ln>
+        </p:spPr>
+        <p:txBody>
+          <a:bodyPr wrap="none" rtlCol="0">
+            <a:spAutoFit/>
+          </a:bodyPr>
+          <a:lstStyle/>
+          <a:p>
+            <a:r>
+              <a:rPr lang="en-US" dirty="0" smtClean="0"/>
+              <a:t>Button - </a:t>
+            </a:r>
+            <a:r>
+              <a:rPr lang="en-US" dirty="0" smtClean="0"/>
+              <a:t>Replay</a:t>
+            </a:r>
+            <a:endParaRPr lang="en-US" dirty="0"/>
+          </a:p>
+        </p:txBody>
+      </p:sp>
+      <p:cxnSp>
+        <p:nvCxnSpPr>
+          <p:cNvPr id="99" name="Straight Arrow Connector 98"/>
+          <p:cNvCxnSpPr>
+            <a:stCxn id="7" idx="2"/>
+            <a:endCxn id="94" idx="0"/>
+          </p:cNvCxnSpPr>
+          <p:nvPr/>
+        </p:nvCxnSpPr>
+        <p:spPr>
+          <a:xfrm>
+            <a:off x="6972570" y="2121932"/>
+            <a:ext cx="101365" cy="1307068"/>
+          </a:xfrm>
+          <a:prstGeom prst="straightConnector1">
+            <a:avLst/>
+          </a:prstGeom>
+          <a:ln>
+            <a:tailEnd type="arrow"/>
+          </a:ln>
+        </p:spPr>
+        <p:style>
+          <a:lnRef idx="2">
+            <a:schemeClr val="accent1"/>
+          </a:lnRef>
+          <a:fillRef idx="0">
+            <a:schemeClr val="accent1"/>
+          </a:fillRef>
+          <a:effectRef idx="1">
+            <a:schemeClr val="accent1"/>
+          </a:effectRef>
+          <a:fontRef idx="minor">
+            <a:schemeClr val="tx1"/>
+          </a:fontRef>
+        </p:style>
+      </p:cxnSp>
+      <p:cxnSp>
+        <p:nvCxnSpPr>
+          <p:cNvPr id="102" name="Straight Arrow Connector 101"/>
+          <p:cNvCxnSpPr>
+            <a:stCxn id="7" idx="2"/>
+          </p:cNvCxnSpPr>
+          <p:nvPr/>
+        </p:nvCxnSpPr>
+        <p:spPr>
+          <a:xfrm>
+            <a:off x="6972570" y="2121932"/>
+            <a:ext cx="807555" cy="392668"/>
+          </a:xfrm>
+          <a:prstGeom prst="straightConnector1">
+            <a:avLst/>
+          </a:prstGeom>
+          <a:ln>
+            <a:tailEnd type="arrow"/>
+          </a:ln>
+        </p:spPr>
+        <p:style>
+          <a:lnRef idx="2">
+            <a:schemeClr val="accent1"/>
+          </a:lnRef>
+          <a:fillRef idx="0">
+            <a:schemeClr val="accent1"/>
+          </a:fillRef>
+          <a:effectRef idx="1">
+            <a:schemeClr val="accent1"/>
+          </a:effectRef>
+          <a:fontRef idx="minor">
+            <a:schemeClr val="tx1"/>
+          </a:fontRef>
+        </p:style>
+      </p:cxnSp>
+      <p:sp>
+        <p:nvSpPr>
+          <p:cNvPr id="65" name="TextBox 64"/>
+          <p:cNvSpPr txBox="1"/>
+          <p:nvPr/>
+        </p:nvSpPr>
+        <p:spPr>
+          <a:xfrm>
+            <a:off x="5715000" y="2438400"/>
+            <a:ext cx="2758650" cy="369332"/>
+          </a:xfrm>
+          <a:prstGeom prst="rect">
+            <a:avLst/>
+          </a:prstGeom>
+          <a:solidFill>
+            <a:schemeClr val="bg1"/>
+          </a:solidFill>
+          <a:ln>
+            <a:solidFill>
+              <a:schemeClr val="tx1"/>
+            </a:solidFill>
+          </a:ln>
+        </p:spPr>
+        <p:txBody>
+          <a:bodyPr wrap="none" rtlCol="0">
+            <a:spAutoFit/>
+          </a:bodyPr>
+          <a:lstStyle/>
+          <a:p>
+            <a:r>
+              <a:rPr lang="en-US" dirty="0" smtClean="0"/>
+              <a:t>Info – Dynamic Text (Score)</a:t>
             </a:r>
             <a:endParaRPr lang="en-US" dirty="0"/>
           </a:p>
@@ -6872,11 +8292,7 @@
           <a:p>
             <a:r>
               <a:rPr lang="en-US" dirty="0" smtClean="0"/>
-              <a:t>Game - </a:t>
-            </a:r>
-            <a:r>
-              <a:rPr lang="en-US" dirty="0" smtClean="0"/>
-              <a:t>Model</a:t>
+              <a:t>Game - Model</a:t>
             </a:r>
             <a:endParaRPr lang="en-US" dirty="0"/>
           </a:p>
@@ -6911,11 +8327,7 @@
           <a:p>
             <a:r>
               <a:rPr lang="en-US" dirty="0" smtClean="0"/>
-              <a:t>Game - </a:t>
-            </a:r>
-            <a:r>
-              <a:rPr lang="en-US" dirty="0" smtClean="0"/>
-              <a:t>View</a:t>
+              <a:t>Game - View</a:t>
             </a:r>
             <a:endParaRPr lang="en-US" dirty="0"/>
           </a:p>
@@ -6950,11 +8362,7 @@
           <a:p>
             <a:r>
               <a:rPr lang="en-US" dirty="0" smtClean="0"/>
-              <a:t>Game - </a:t>
-            </a:r>
-            <a:r>
-              <a:rPr lang="en-US" dirty="0" smtClean="0"/>
-              <a:t>Controller</a:t>
+              <a:t>Game - Controller</a:t>
             </a:r>
             <a:endParaRPr lang="en-US" dirty="0"/>
           </a:p>

--- a/assets/ZooKill Soccer Game Design Add Composite.pptx
+++ b/assets/ZooKill Soccer Game Design Add Composite.pptx
@@ -20,23 +20,24 @@
     <p:sldId id="283" r:id="rId14"/>
     <p:sldId id="285" r:id="rId15"/>
     <p:sldId id="287" r:id="rId16"/>
-    <p:sldId id="289" r:id="rId17"/>
-    <p:sldId id="264" r:id="rId18"/>
-    <p:sldId id="266" r:id="rId19"/>
-    <p:sldId id="267" r:id="rId20"/>
-    <p:sldId id="268" r:id="rId21"/>
-    <p:sldId id="269" r:id="rId22"/>
-    <p:sldId id="270" r:id="rId23"/>
-    <p:sldId id="271" r:id="rId24"/>
-    <p:sldId id="272" r:id="rId25"/>
-    <p:sldId id="273" r:id="rId26"/>
-    <p:sldId id="274" r:id="rId27"/>
-    <p:sldId id="275" r:id="rId28"/>
-    <p:sldId id="276" r:id="rId29"/>
-    <p:sldId id="277" r:id="rId30"/>
-    <p:sldId id="278" r:id="rId31"/>
-    <p:sldId id="279" r:id="rId32"/>
-    <p:sldId id="265" r:id="rId33"/>
+    <p:sldId id="291" r:id="rId17"/>
+    <p:sldId id="289" r:id="rId18"/>
+    <p:sldId id="264" r:id="rId19"/>
+    <p:sldId id="266" r:id="rId20"/>
+    <p:sldId id="267" r:id="rId21"/>
+    <p:sldId id="268" r:id="rId22"/>
+    <p:sldId id="269" r:id="rId23"/>
+    <p:sldId id="270" r:id="rId24"/>
+    <p:sldId id="271" r:id="rId25"/>
+    <p:sldId id="272" r:id="rId26"/>
+    <p:sldId id="273" r:id="rId27"/>
+    <p:sldId id="274" r:id="rId28"/>
+    <p:sldId id="275" r:id="rId29"/>
+    <p:sldId id="276" r:id="rId30"/>
+    <p:sldId id="277" r:id="rId31"/>
+    <p:sldId id="278" r:id="rId32"/>
+    <p:sldId id="279" r:id="rId33"/>
+    <p:sldId id="265" r:id="rId34"/>
   </p:sldIdLst>
   <p:sldSz cx="9144000" cy="6858000" type="screen4x3"/>
   <p:notesSz cx="6858000" cy="9144000"/>
@@ -319,7 +320,7 @@
           <a:p>
             <a:fld id="{14C9F191-5DFD-4C62-B838-AC695C885212}" type="datetimeFigureOut">
               <a:rPr lang="en-US" smtClean="0"/>
-              <a:t>6/2/16</a:t>
+              <a:t>6/3/16</a:t>
             </a:fld>
             <a:endParaRPr lang="en-US"/>
           </a:p>
@@ -489,7 +490,7 @@
           <a:p>
             <a:fld id="{14C9F191-5DFD-4C62-B838-AC695C885212}" type="datetimeFigureOut">
               <a:rPr lang="en-US" smtClean="0"/>
-              <a:t>6/2/16</a:t>
+              <a:t>6/3/16</a:t>
             </a:fld>
             <a:endParaRPr lang="en-US"/>
           </a:p>
@@ -669,7 +670,7 @@
           <a:p>
             <a:fld id="{14C9F191-5DFD-4C62-B838-AC695C885212}" type="datetimeFigureOut">
               <a:rPr lang="en-US" smtClean="0"/>
-              <a:t>6/2/16</a:t>
+              <a:t>6/3/16</a:t>
             </a:fld>
             <a:endParaRPr lang="en-US"/>
           </a:p>
@@ -839,7 +840,7 @@
           <a:p>
             <a:fld id="{14C9F191-5DFD-4C62-B838-AC695C885212}" type="datetimeFigureOut">
               <a:rPr lang="en-US" smtClean="0"/>
-              <a:t>6/2/16</a:t>
+              <a:t>6/3/16</a:t>
             </a:fld>
             <a:endParaRPr lang="en-US"/>
           </a:p>
@@ -1085,7 +1086,7 @@
           <a:p>
             <a:fld id="{14C9F191-5DFD-4C62-B838-AC695C885212}" type="datetimeFigureOut">
               <a:rPr lang="en-US" smtClean="0"/>
-              <a:t>6/2/16</a:t>
+              <a:t>6/3/16</a:t>
             </a:fld>
             <a:endParaRPr lang="en-US"/>
           </a:p>
@@ -1373,7 +1374,7 @@
           <a:p>
             <a:fld id="{14C9F191-5DFD-4C62-B838-AC695C885212}" type="datetimeFigureOut">
               <a:rPr lang="en-US" smtClean="0"/>
-              <a:t>6/2/16</a:t>
+              <a:t>6/3/16</a:t>
             </a:fld>
             <a:endParaRPr lang="en-US"/>
           </a:p>
@@ -1795,7 +1796,7 @@
           <a:p>
             <a:fld id="{14C9F191-5DFD-4C62-B838-AC695C885212}" type="datetimeFigureOut">
               <a:rPr lang="en-US" smtClean="0"/>
-              <a:t>6/2/16</a:t>
+              <a:t>6/3/16</a:t>
             </a:fld>
             <a:endParaRPr lang="en-US"/>
           </a:p>
@@ -1913,7 +1914,7 @@
           <a:p>
             <a:fld id="{14C9F191-5DFD-4C62-B838-AC695C885212}" type="datetimeFigureOut">
               <a:rPr lang="en-US" smtClean="0"/>
-              <a:t>6/2/16</a:t>
+              <a:t>6/3/16</a:t>
             </a:fld>
             <a:endParaRPr lang="en-US"/>
           </a:p>
@@ -2008,7 +2009,7 @@
           <a:p>
             <a:fld id="{14C9F191-5DFD-4C62-B838-AC695C885212}" type="datetimeFigureOut">
               <a:rPr lang="en-US" smtClean="0"/>
-              <a:t>6/2/16</a:t>
+              <a:t>6/3/16</a:t>
             </a:fld>
             <a:endParaRPr lang="en-US"/>
           </a:p>
@@ -2285,7 +2286,7 @@
           <a:p>
             <a:fld id="{14C9F191-5DFD-4C62-B838-AC695C885212}" type="datetimeFigureOut">
               <a:rPr lang="en-US" smtClean="0"/>
-              <a:t>6/2/16</a:t>
+              <a:t>6/3/16</a:t>
             </a:fld>
             <a:endParaRPr lang="en-US"/>
           </a:p>
@@ -2538,7 +2539,7 @@
           <a:p>
             <a:fld id="{14C9F191-5DFD-4C62-B838-AC695C885212}" type="datetimeFigureOut">
               <a:rPr lang="en-US" smtClean="0"/>
-              <a:t>6/2/16</a:t>
+              <a:t>6/3/16</a:t>
             </a:fld>
             <a:endParaRPr lang="en-US"/>
           </a:p>
@@ -2751,7 +2752,7 @@
           <a:p>
             <a:fld id="{14C9F191-5DFD-4C62-B838-AC695C885212}" type="datetimeFigureOut">
               <a:rPr lang="en-US" smtClean="0"/>
-              <a:t>6/2/16</a:t>
+              <a:t>6/3/16</a:t>
             </a:fld>
             <a:endParaRPr lang="en-US"/>
           </a:p>
@@ -3792,7 +3793,7 @@
         </p:nvSpPr>
         <p:spPr>
           <a:xfrm>
-            <a:off x="4038600" y="2133600"/>
+            <a:off x="4038600" y="2057400"/>
             <a:ext cx="556275" cy="369332"/>
           </a:xfrm>
           <a:prstGeom prst="rect">
@@ -3827,7 +3828,7 @@
         </p:nvSpPr>
         <p:spPr>
           <a:xfrm>
-            <a:off x="4038600" y="2819400"/>
+            <a:off x="5181600" y="2743200"/>
             <a:ext cx="595035" cy="369332"/>
           </a:xfrm>
           <a:prstGeom prst="rect">
@@ -3862,7 +3863,7 @@
         </p:nvSpPr>
         <p:spPr>
           <a:xfrm>
-            <a:off x="2667000" y="3657600"/>
+            <a:off x="3733800" y="3657600"/>
             <a:ext cx="1454808" cy="369332"/>
           </a:xfrm>
           <a:prstGeom prst="rect">
@@ -3894,14 +3895,14 @@
           <p:cNvPr id="9" name="Straight Arrow Connector 8"/>
           <p:cNvCxnSpPr>
             <a:stCxn id="4" idx="2"/>
-            <a:endCxn id="5" idx="0"/>
+            <a:endCxn id="5" idx="1"/>
           </p:cNvCxnSpPr>
           <p:nvPr/>
         </p:nvCxnSpPr>
         <p:spPr>
           <a:xfrm>
-            <a:off x="4316738" y="2502932"/>
-            <a:ext cx="19380" cy="316468"/>
+            <a:off x="4316738" y="2426732"/>
+            <a:ext cx="864862" cy="501134"/>
           </a:xfrm>
           <a:prstGeom prst="straightConnector1">
             <a:avLst/>
@@ -3933,7 +3934,7 @@
         </p:nvSpPr>
         <p:spPr>
           <a:xfrm>
-            <a:off x="4724400" y="3657600"/>
+            <a:off x="5715000" y="3657600"/>
             <a:ext cx="1161646" cy="369332"/>
           </a:xfrm>
           <a:prstGeom prst="rect">
@@ -3971,8 +3972,8 @@
         </p:nvCxnSpPr>
         <p:spPr>
           <a:xfrm>
-            <a:off x="4336118" y="3188732"/>
-            <a:ext cx="969105" cy="468868"/>
+            <a:off x="5479118" y="3112532"/>
+            <a:ext cx="816705" cy="545068"/>
           </a:xfrm>
           <a:prstGeom prst="straightConnector1">
             <a:avLst/>
@@ -4007,8 +4008,8 @@
         </p:nvCxnSpPr>
         <p:spPr>
           <a:xfrm flipH="1">
-            <a:off x="3394404" y="3188732"/>
-            <a:ext cx="941714" cy="468868"/>
+            <a:off x="4461204" y="3112532"/>
+            <a:ext cx="1017914" cy="545068"/>
           </a:xfrm>
           <a:prstGeom prst="straightConnector1">
             <a:avLst/>
@@ -4040,7 +4041,7 @@
         </p:nvSpPr>
         <p:spPr>
           <a:xfrm>
-            <a:off x="3733800" y="5486400"/>
+            <a:off x="4724400" y="4800600"/>
             <a:ext cx="910638" cy="369332"/>
           </a:xfrm>
           <a:prstGeom prst="rect">
@@ -4075,7 +4076,7 @@
         </p:nvSpPr>
         <p:spPr>
           <a:xfrm>
-            <a:off x="5867400" y="5486400"/>
+            <a:off x="6781800" y="4800600"/>
             <a:ext cx="1292955" cy="369332"/>
           </a:xfrm>
           <a:prstGeom prst="rect">
@@ -4107,14 +4108,14 @@
           <p:cNvPr id="21" name="Straight Arrow Connector 20"/>
           <p:cNvCxnSpPr>
             <a:stCxn id="13" idx="2"/>
-            <a:endCxn id="19" idx="1"/>
+            <a:endCxn id="19" idx="0"/>
           </p:cNvCxnSpPr>
           <p:nvPr/>
         </p:nvCxnSpPr>
         <p:spPr>
           <a:xfrm>
-            <a:off x="5305223" y="4026932"/>
-            <a:ext cx="562177" cy="1644134"/>
+            <a:off x="6295823" y="4026932"/>
+            <a:ext cx="1132455" cy="773668"/>
           </a:xfrm>
           <a:prstGeom prst="straightConnector1">
             <a:avLst/>
@@ -4143,14 +4144,14 @@
           <p:cNvPr id="23" name="Straight Arrow Connector 22"/>
           <p:cNvCxnSpPr>
             <a:stCxn id="13" idx="2"/>
-            <a:endCxn id="18" idx="3"/>
+            <a:endCxn id="18" idx="0"/>
           </p:cNvCxnSpPr>
           <p:nvPr/>
         </p:nvCxnSpPr>
         <p:spPr>
           <a:xfrm flipH="1">
-            <a:off x="4644438" y="4026932"/>
-            <a:ext cx="660785" cy="1644134"/>
+            <a:off x="5179719" y="4026932"/>
+            <a:ext cx="1116104" cy="773668"/>
           </a:xfrm>
           <a:prstGeom prst="straightConnector1">
             <a:avLst/>
@@ -4182,7 +4183,7 @@
         </p:nvSpPr>
         <p:spPr>
           <a:xfrm>
-            <a:off x="3048000" y="4495800"/>
+            <a:off x="3276600" y="4800600"/>
             <a:ext cx="705391" cy="369332"/>
           </a:xfrm>
           <a:prstGeom prst="rect">
@@ -4213,15 +4214,14 @@
         <p:nvCxnSpPr>
           <p:cNvPr id="29" name="Straight Arrow Connector 28"/>
           <p:cNvCxnSpPr>
-            <a:stCxn id="6" idx="2"/>
             <a:endCxn id="25" idx="0"/>
           </p:cNvCxnSpPr>
           <p:nvPr/>
         </p:nvCxnSpPr>
         <p:spPr>
-          <a:xfrm>
-            <a:off x="3394404" y="4026932"/>
-            <a:ext cx="6292" cy="468868"/>
+          <a:xfrm flipH="1">
+            <a:off x="3629296" y="4038600"/>
+            <a:ext cx="784012" cy="762000"/>
           </a:xfrm>
           <a:prstGeom prst="straightConnector1">
             <a:avLst/>
@@ -4292,7 +4292,220 @@
         <p:spPr>
           <a:xfrm>
             <a:off x="4277421" y="1664732"/>
-            <a:ext cx="39317" cy="468868"/>
+            <a:ext cx="39317" cy="392668"/>
+          </a:xfrm>
+          <a:prstGeom prst="straightConnector1">
+            <a:avLst/>
+          </a:prstGeom>
+          <a:ln>
+            <a:tailEnd type="arrow"/>
+          </a:ln>
+        </p:spPr>
+        <p:style>
+          <a:lnRef idx="2">
+            <a:schemeClr val="accent1"/>
+          </a:lnRef>
+          <a:fillRef idx="0">
+            <a:schemeClr val="accent1"/>
+          </a:fillRef>
+          <a:effectRef idx="1">
+            <a:schemeClr val="accent1"/>
+          </a:effectRef>
+          <a:fontRef idx="minor">
+            <a:schemeClr val="tx1"/>
+          </a:fontRef>
+        </p:style>
+      </p:cxnSp>
+      <p:sp>
+        <p:nvSpPr>
+          <p:cNvPr id="20" name="TextBox 19"/>
+          <p:cNvSpPr txBox="1"/>
+          <p:nvPr/>
+        </p:nvSpPr>
+        <p:spPr>
+          <a:xfrm>
+            <a:off x="1676400" y="3657600"/>
+            <a:ext cx="1333643" cy="369332"/>
+          </a:xfrm>
+          <a:prstGeom prst="rect">
+            <a:avLst/>
+          </a:prstGeom>
+          <a:noFill/>
+          <a:ln>
+            <a:solidFill>
+              <a:schemeClr val="tx1"/>
+            </a:solidFill>
+          </a:ln>
+        </p:spPr>
+        <p:txBody>
+          <a:bodyPr wrap="none" rtlCol="0">
+            <a:spAutoFit/>
+          </a:bodyPr>
+          <a:lstStyle/>
+          <a:p>
+            <a:r>
+              <a:rPr lang="en-US" dirty="0" smtClean="0"/>
+              <a:t>Static Image</a:t>
+            </a:r>
+            <a:endParaRPr lang="en-US" dirty="0"/>
+          </a:p>
+        </p:txBody>
+      </p:sp>
+      <p:sp>
+        <p:nvSpPr>
+          <p:cNvPr id="22" name="TextBox 21"/>
+          <p:cNvSpPr txBox="1"/>
+          <p:nvPr/>
+        </p:nvSpPr>
+        <p:spPr>
+          <a:xfrm>
+            <a:off x="2286000" y="2819400"/>
+            <a:ext cx="761296" cy="369332"/>
+          </a:xfrm>
+          <a:prstGeom prst="rect">
+            <a:avLst/>
+          </a:prstGeom>
+          <a:noFill/>
+          <a:ln>
+            <a:solidFill>
+              <a:schemeClr val="tx1"/>
+            </a:solidFill>
+          </a:ln>
+        </p:spPr>
+        <p:txBody>
+          <a:bodyPr wrap="none" rtlCol="0">
+            <a:spAutoFit/>
+          </a:bodyPr>
+          <a:lstStyle/>
+          <a:p>
+            <a:r>
+              <a:rPr lang="en-US" dirty="0" smtClean="0"/>
+              <a:t>Image</a:t>
+            </a:r>
+            <a:endParaRPr lang="en-US" dirty="0"/>
+          </a:p>
+        </p:txBody>
+      </p:sp>
+      <p:cxnSp>
+        <p:nvCxnSpPr>
+          <p:cNvPr id="26" name="Straight Arrow Connector 25"/>
+          <p:cNvCxnSpPr>
+            <a:stCxn id="4" idx="2"/>
+            <a:endCxn id="22" idx="3"/>
+          </p:cNvCxnSpPr>
+          <p:nvPr/>
+        </p:nvCxnSpPr>
+        <p:spPr>
+          <a:xfrm flipH="1">
+            <a:off x="3047296" y="2426732"/>
+            <a:ext cx="1269442" cy="577334"/>
+          </a:xfrm>
+          <a:prstGeom prst="straightConnector1">
+            <a:avLst/>
+          </a:prstGeom>
+          <a:ln>
+            <a:tailEnd type="arrow"/>
+          </a:ln>
+        </p:spPr>
+        <p:style>
+          <a:lnRef idx="2">
+            <a:schemeClr val="accent1"/>
+          </a:lnRef>
+          <a:fillRef idx="0">
+            <a:schemeClr val="accent1"/>
+          </a:fillRef>
+          <a:effectRef idx="1">
+            <a:schemeClr val="accent1"/>
+          </a:effectRef>
+          <a:fontRef idx="minor">
+            <a:schemeClr val="tx1"/>
+          </a:fontRef>
+        </p:style>
+      </p:cxnSp>
+      <p:cxnSp>
+        <p:nvCxnSpPr>
+          <p:cNvPr id="41" name="Straight Arrow Connector 40"/>
+          <p:cNvCxnSpPr>
+            <a:stCxn id="22" idx="2"/>
+            <a:endCxn id="20" idx="0"/>
+          </p:cNvCxnSpPr>
+          <p:nvPr/>
+        </p:nvCxnSpPr>
+        <p:spPr>
+          <a:xfrm flipH="1">
+            <a:off x="2343222" y="3188732"/>
+            <a:ext cx="323426" cy="468868"/>
+          </a:xfrm>
+          <a:prstGeom prst="straightConnector1">
+            <a:avLst/>
+          </a:prstGeom>
+          <a:ln>
+            <a:tailEnd type="arrow"/>
+          </a:ln>
+        </p:spPr>
+        <p:style>
+          <a:lnRef idx="2">
+            <a:schemeClr val="accent1"/>
+          </a:lnRef>
+          <a:fillRef idx="0">
+            <a:schemeClr val="accent1"/>
+          </a:fillRef>
+          <a:effectRef idx="1">
+            <a:schemeClr val="accent1"/>
+          </a:effectRef>
+          <a:fontRef idx="minor">
+            <a:schemeClr val="tx1"/>
+          </a:fontRef>
+        </p:style>
+      </p:cxnSp>
+      <p:sp>
+        <p:nvSpPr>
+          <p:cNvPr id="45" name="TextBox 44"/>
+          <p:cNvSpPr txBox="1"/>
+          <p:nvPr/>
+        </p:nvSpPr>
+        <p:spPr>
+          <a:xfrm>
+            <a:off x="1676400" y="4800600"/>
+            <a:ext cx="910638" cy="369332"/>
+          </a:xfrm>
+          <a:prstGeom prst="rect">
+            <a:avLst/>
+          </a:prstGeom>
+          <a:noFill/>
+          <a:ln>
+            <a:solidFill>
+              <a:schemeClr val="tx1"/>
+            </a:solidFill>
+          </a:ln>
+        </p:spPr>
+        <p:txBody>
+          <a:bodyPr wrap="none" rtlCol="0">
+            <a:spAutoFit/>
+          </a:bodyPr>
+          <a:lstStyle/>
+          <a:p>
+            <a:r>
+              <a:rPr lang="en-US" dirty="0" smtClean="0"/>
+              <a:t>Identity</a:t>
+            </a:r>
+            <a:endParaRPr lang="en-US" dirty="0"/>
+          </a:p>
+        </p:txBody>
+      </p:sp>
+      <p:cxnSp>
+        <p:nvCxnSpPr>
+          <p:cNvPr id="54" name="Straight Arrow Connector 53"/>
+          <p:cNvCxnSpPr>
+            <a:stCxn id="20" idx="2"/>
+            <a:endCxn id="45" idx="0"/>
+          </p:cNvCxnSpPr>
+          <p:nvPr/>
+        </p:nvCxnSpPr>
+        <p:spPr>
+          <a:xfrm flipH="1">
+            <a:off x="2131719" y="4026932"/>
+            <a:ext cx="211503" cy="773668"/>
           </a:xfrm>
           <a:prstGeom prst="straightConnector1">
             <a:avLst/>
@@ -6634,15 +6847,15 @@
         <p:nvCxnSpPr>
           <p:cNvPr id="41" name="Straight Arrow Connector 40"/>
           <p:cNvCxnSpPr>
-            <a:stCxn id="24" idx="2"/>
+            <a:stCxn id="6" idx="2"/>
             <a:endCxn id="39" idx="0"/>
           </p:cNvCxnSpPr>
           <p:nvPr/>
         </p:nvCxnSpPr>
         <p:spPr>
-          <a:xfrm>
-            <a:off x="2534458" y="4407932"/>
-            <a:ext cx="1232866" cy="926068"/>
+          <a:xfrm flipH="1">
+            <a:off x="3843524" y="2655332"/>
+            <a:ext cx="485934" cy="2373868"/>
           </a:xfrm>
           <a:prstGeom prst="straightConnector1">
             <a:avLst/>
@@ -6683,7 +6896,7 @@
           <a:p>
             <a:r>
               <a:rPr lang="en-US" dirty="0" smtClean="0"/>
-              <a:t>Game Screen - Compositing</a:t>
+              <a:t>Overall Compositing</a:t>
             </a:r>
             <a:endParaRPr lang="en-US" dirty="0"/>
           </a:p>
@@ -6959,14 +7172,14 @@
       </p:cxnSp>
       <p:sp>
         <p:nvSpPr>
-          <p:cNvPr id="24" name="TextBox 23"/>
+          <p:cNvPr id="25" name="TextBox 24"/>
           <p:cNvSpPr txBox="1"/>
           <p:nvPr/>
         </p:nvSpPr>
         <p:spPr>
           <a:xfrm>
-            <a:off x="1905000" y="4038600"/>
-            <a:ext cx="1258916" cy="369332"/>
+            <a:off x="6324600" y="4038600"/>
+            <a:ext cx="1792265" cy="369332"/>
           </a:xfrm>
           <a:prstGeom prst="rect">
             <a:avLst/>
@@ -6988,7 +7201,7 @@
           <a:p>
             <a:r>
               <a:rPr lang="en-US" dirty="0" smtClean="0"/>
-              <a:t>Player Area</a:t>
+              <a:t>Area – Cage Area</a:t>
             </a:r>
             <a:endParaRPr lang="en-US" dirty="0"/>
           </a:p>
@@ -6996,14 +7209,14 @@
       </p:sp>
       <p:sp>
         <p:nvSpPr>
-          <p:cNvPr id="25" name="TextBox 24"/>
+          <p:cNvPr id="26" name="TextBox 25"/>
           <p:cNvSpPr txBox="1"/>
           <p:nvPr/>
         </p:nvSpPr>
         <p:spPr>
           <a:xfrm>
-            <a:off x="6019800" y="4038600"/>
-            <a:ext cx="1792265" cy="369332"/>
+            <a:off x="3733800" y="4038600"/>
+            <a:ext cx="1990862" cy="369332"/>
           </a:xfrm>
           <a:prstGeom prst="rect">
             <a:avLst/>
@@ -7025,52 +7238,7 @@
           <a:p>
             <a:r>
               <a:rPr lang="en-US" dirty="0" smtClean="0"/>
-              <a:t>Area </a:t>
-            </a:r>
-            <a:r>
-              <a:rPr lang="en-US" dirty="0" smtClean="0"/>
-              <a:t>– Cage Area</a:t>
-            </a:r>
-            <a:endParaRPr lang="en-US" dirty="0"/>
-          </a:p>
-        </p:txBody>
-      </p:sp>
-      <p:sp>
-        <p:nvSpPr>
-          <p:cNvPr id="26" name="TextBox 25"/>
-          <p:cNvSpPr txBox="1"/>
-          <p:nvPr/>
-        </p:nvSpPr>
-        <p:spPr>
-          <a:xfrm>
-            <a:off x="3733800" y="4038600"/>
-            <a:ext cx="1990862" cy="369332"/>
-          </a:xfrm>
-          <a:prstGeom prst="rect">
-            <a:avLst/>
-          </a:prstGeom>
-          <a:solidFill>
-            <a:schemeClr val="bg1"/>
-          </a:solidFill>
-          <a:ln>
-            <a:solidFill>
-              <a:schemeClr val="tx1"/>
-            </a:solidFill>
-          </a:ln>
-        </p:spPr>
-        <p:txBody>
-          <a:bodyPr wrap="none" rtlCol="0">
-            <a:spAutoFit/>
-          </a:bodyPr>
-          <a:lstStyle/>
-          <a:p>
-            <a:r>
-              <a:rPr lang="en-US" dirty="0" smtClean="0"/>
-              <a:t>Area </a:t>
-            </a:r>
-            <a:r>
-              <a:rPr lang="en-US" dirty="0" smtClean="0"/>
-              <a:t>– Animal Area</a:t>
+              <a:t>Area – Animal Area</a:t>
             </a:r>
             <a:endParaRPr lang="en-US" dirty="0"/>
           </a:p>
@@ -7081,14 +7249,14 @@
           <p:cNvPr id="28" name="Straight Arrow Connector 27"/>
           <p:cNvCxnSpPr>
             <a:stCxn id="6" idx="2"/>
-            <a:endCxn id="24" idx="3"/>
+            <a:endCxn id="24" idx="0"/>
           </p:cNvCxnSpPr>
           <p:nvPr/>
         </p:nvCxnSpPr>
         <p:spPr>
           <a:xfrm flipH="1">
-            <a:off x="3163916" y="2655332"/>
-            <a:ext cx="1165542" cy="1567934"/>
+            <a:off x="2839258" y="2655332"/>
+            <a:ext cx="1490200" cy="1383268"/>
           </a:xfrm>
           <a:prstGeom prst="straightConnector1">
             <a:avLst/>
@@ -7160,7 +7328,7 @@
         <p:spPr>
           <a:xfrm>
             <a:off x="4329458" y="2655332"/>
-            <a:ext cx="1690342" cy="1567934"/>
+            <a:ext cx="1995142" cy="1567934"/>
           </a:xfrm>
           <a:prstGeom prst="straightConnector1">
             <a:avLst/>
@@ -7192,13 +7360,15 @@
         </p:nvSpPr>
         <p:spPr>
           <a:xfrm>
-            <a:off x="76200" y="5029200"/>
+            <a:off x="228600" y="5029200"/>
             <a:ext cx="1858539" cy="369332"/>
           </a:xfrm>
           <a:prstGeom prst="rect">
             <a:avLst/>
           </a:prstGeom>
-          <a:noFill/>
+          <a:solidFill>
+            <a:schemeClr val="bg1"/>
+          </a:solidFill>
           <a:ln>
             <a:solidFill>
               <a:schemeClr val="tx1"/>
@@ -7223,15 +7393,14 @@
         <p:nvCxnSpPr>
           <p:cNvPr id="38" name="Straight Arrow Connector 37"/>
           <p:cNvCxnSpPr>
-            <a:stCxn id="24" idx="2"/>
             <a:endCxn id="36" idx="0"/>
           </p:cNvCxnSpPr>
           <p:nvPr/>
         </p:nvCxnSpPr>
         <p:spPr>
           <a:xfrm flipH="1">
-            <a:off x="1005470" y="4407932"/>
-            <a:ext cx="1528988" cy="621268"/>
+            <a:off x="1157870" y="2667000"/>
+            <a:ext cx="3185530" cy="2362200"/>
           </a:xfrm>
           <a:prstGeom prst="straightConnector1">
             <a:avLst/>
@@ -7257,14 +7426,14 @@
       </p:cxnSp>
       <p:sp>
         <p:nvSpPr>
-          <p:cNvPr id="39" name="TextBox 38"/>
+          <p:cNvPr id="45" name="TextBox 44"/>
           <p:cNvSpPr txBox="1"/>
           <p:nvPr/>
         </p:nvSpPr>
         <p:spPr>
           <a:xfrm>
-            <a:off x="2819400" y="5334000"/>
-            <a:ext cx="1895847" cy="369332"/>
+            <a:off x="5410200" y="4953000"/>
+            <a:ext cx="2677724" cy="369332"/>
           </a:xfrm>
           <a:prstGeom prst="rect">
             <a:avLst/>
@@ -7286,44 +7455,11 @@
           <a:p>
             <a:r>
               <a:rPr lang="en-US" dirty="0" smtClean="0"/>
-              <a:t>Character - Trump</a:t>
-            </a:r>
-            <a:endParaRPr lang="en-US" dirty="0"/>
-          </a:p>
-        </p:txBody>
-      </p:sp>
-      <p:sp>
-        <p:nvSpPr>
-          <p:cNvPr id="45" name="TextBox 44"/>
-          <p:cNvSpPr txBox="1"/>
-          <p:nvPr/>
-        </p:nvSpPr>
-        <p:spPr>
-          <a:xfrm>
-            <a:off x="6477000" y="4953000"/>
-            <a:ext cx="1931689" cy="369332"/>
-          </a:xfrm>
-          <a:prstGeom prst="rect">
-            <a:avLst/>
-          </a:prstGeom>
-          <a:solidFill>
-            <a:schemeClr val="bg1"/>
-          </a:solidFill>
-          <a:ln>
-            <a:solidFill>
-              <a:schemeClr val="tx1"/>
-            </a:solidFill>
-          </a:ln>
-        </p:spPr>
-        <p:txBody>
-          <a:bodyPr wrap="none" rtlCol="0">
-            <a:spAutoFit/>
-          </a:bodyPr>
-          <a:lstStyle/>
-          <a:p>
+              <a:t>Character </a:t>
+            </a:r>
             <a:r>
               <a:rPr lang="en-US" dirty="0" smtClean="0"/>
-              <a:t>Character - Animal</a:t>
+              <a:t>– Animal (Array)</a:t>
             </a:r>
             <a:endParaRPr lang="en-US" dirty="0"/>
           </a:p>
@@ -7333,15 +7469,15 @@
         <p:nvCxnSpPr>
           <p:cNvPr id="47" name="Straight Arrow Connector 46"/>
           <p:cNvCxnSpPr>
-            <a:stCxn id="25" idx="2"/>
+            <a:stCxn id="6" idx="2"/>
             <a:endCxn id="45" idx="0"/>
           </p:cNvCxnSpPr>
           <p:nvPr/>
         </p:nvCxnSpPr>
         <p:spPr>
           <a:xfrm>
-            <a:off x="6915933" y="4407932"/>
-            <a:ext cx="526912" cy="545068"/>
+            <a:off x="4329458" y="2655332"/>
+            <a:ext cx="2419604" cy="2297668"/>
           </a:xfrm>
           <a:prstGeom prst="straightConnector1">
             <a:avLst/>
@@ -7406,15 +7542,15 @@
         <p:nvCxnSpPr>
           <p:cNvPr id="54" name="Straight Arrow Connector 53"/>
           <p:cNvCxnSpPr>
-            <a:stCxn id="24" idx="2"/>
+            <a:stCxn id="6" idx="2"/>
             <a:endCxn id="52" idx="0"/>
           </p:cNvCxnSpPr>
           <p:nvPr/>
         </p:nvCxnSpPr>
         <p:spPr>
-          <a:xfrm>
-            <a:off x="2534458" y="4407932"/>
-            <a:ext cx="166516" cy="1459468"/>
+          <a:xfrm flipH="1">
+            <a:off x="2700974" y="2655332"/>
+            <a:ext cx="1628484" cy="3212068"/>
           </a:xfrm>
           <a:prstGeom prst="straightConnector1">
             <a:avLst/>
@@ -7486,7 +7622,7 @@
         <p:spPr>
           <a:xfrm>
             <a:off x="6972570" y="2121932"/>
-            <a:ext cx="1079157" cy="849868"/>
+            <a:ext cx="1079157" cy="773668"/>
           </a:xfrm>
           <a:prstGeom prst="straightConnector1">
             <a:avLst/>
@@ -7779,8 +7915,8 @@
         </p:nvCxnSpPr>
         <p:spPr>
           <a:xfrm>
-            <a:off x="7442845" y="5322332"/>
-            <a:ext cx="959148" cy="849868"/>
+            <a:off x="6749062" y="5322332"/>
+            <a:ext cx="1652931" cy="849868"/>
           </a:xfrm>
           <a:prstGeom prst="straightConnector1">
             <a:avLst/>
@@ -7814,9 +7950,9 @@
           <p:nvPr/>
         </p:nvCxnSpPr>
         <p:spPr>
-          <a:xfrm flipH="1">
-            <a:off x="7394662" y="5322332"/>
-            <a:ext cx="48183" cy="849868"/>
+          <a:xfrm>
+            <a:off x="6749062" y="5322332"/>
+            <a:ext cx="645600" cy="849868"/>
           </a:xfrm>
           <a:prstGeom prst="straightConnector1">
             <a:avLst/>
@@ -7852,7 +7988,7 @@
         <p:spPr>
           <a:xfrm flipH="1">
             <a:off x="6423054" y="5322332"/>
-            <a:ext cx="1019791" cy="849868"/>
+            <a:ext cx="326008" cy="849868"/>
           </a:xfrm>
           <a:prstGeom prst="straightConnector1">
             <a:avLst/>
@@ -7888,7 +8024,7 @@
         <p:spPr>
           <a:xfrm flipH="1">
             <a:off x="5546645" y="5322332"/>
-            <a:ext cx="1896200" cy="849868"/>
+            <a:ext cx="1202417" cy="849868"/>
           </a:xfrm>
           <a:prstGeom prst="straightConnector1">
             <a:avLst/>
@@ -8016,11 +8152,7 @@
           <a:p>
             <a:r>
               <a:rPr lang="en-US" dirty="0" smtClean="0"/>
-              <a:t>Button - </a:t>
-            </a:r>
-            <a:r>
-              <a:rPr lang="en-US" dirty="0" smtClean="0"/>
-              <a:t>Instructions</a:t>
+              <a:t>Button - Instructions</a:t>
             </a:r>
             <a:endParaRPr lang="en-US" dirty="0"/>
           </a:p>
@@ -8034,7 +8166,7 @@
         </p:nvSpPr>
         <p:spPr>
           <a:xfrm>
-            <a:off x="7239000" y="2971800"/>
+            <a:off x="7239000" y="2895600"/>
             <a:ext cx="1625453" cy="369332"/>
           </a:xfrm>
           <a:prstGeom prst="rect">
@@ -8057,11 +8189,7 @@
           <a:p>
             <a:r>
               <a:rPr lang="en-US" dirty="0" smtClean="0"/>
-              <a:t>Button - </a:t>
-            </a:r>
-            <a:r>
-              <a:rPr lang="en-US" dirty="0" smtClean="0"/>
-              <a:t>Replay</a:t>
+              <a:t>Button - Replay</a:t>
             </a:r>
             <a:endParaRPr lang="en-US" dirty="0"/>
           </a:p>
@@ -8146,7 +8274,7 @@
         </p:nvSpPr>
         <p:spPr>
           <a:xfrm>
-            <a:off x="5715000" y="2438400"/>
+            <a:off x="5715000" y="2362200"/>
             <a:ext cx="2758650" cy="369332"/>
           </a:xfrm>
           <a:prstGeom prst="rect">
@@ -8170,6 +8298,80 @@
             <a:r>
               <a:rPr lang="en-US" dirty="0" smtClean="0"/>
               <a:t>Info – Dynamic Text (Score)</a:t>
+            </a:r>
+            <a:endParaRPr lang="en-US" dirty="0"/>
+          </a:p>
+        </p:txBody>
+      </p:sp>
+      <p:sp>
+        <p:nvSpPr>
+          <p:cNvPr id="24" name="TextBox 23"/>
+          <p:cNvSpPr txBox="1"/>
+          <p:nvPr/>
+        </p:nvSpPr>
+        <p:spPr>
+          <a:xfrm>
+            <a:off x="2209800" y="4038600"/>
+            <a:ext cx="1258916" cy="369332"/>
+          </a:xfrm>
+          <a:prstGeom prst="rect">
+            <a:avLst/>
+          </a:prstGeom>
+          <a:solidFill>
+            <a:schemeClr val="bg1"/>
+          </a:solidFill>
+          <a:ln>
+            <a:solidFill>
+              <a:schemeClr val="tx1"/>
+            </a:solidFill>
+          </a:ln>
+        </p:spPr>
+        <p:txBody>
+          <a:bodyPr wrap="none" rtlCol="0">
+            <a:spAutoFit/>
+          </a:bodyPr>
+          <a:lstStyle/>
+          <a:p>
+            <a:r>
+              <a:rPr lang="en-US" dirty="0" smtClean="0"/>
+              <a:t>Player Area</a:t>
+            </a:r>
+            <a:endParaRPr lang="en-US" dirty="0"/>
+          </a:p>
+        </p:txBody>
+      </p:sp>
+      <p:sp>
+        <p:nvSpPr>
+          <p:cNvPr id="39" name="TextBox 38"/>
+          <p:cNvSpPr txBox="1"/>
+          <p:nvPr/>
+        </p:nvSpPr>
+        <p:spPr>
+          <a:xfrm>
+            <a:off x="2895600" y="5029200"/>
+            <a:ext cx="1895847" cy="369332"/>
+          </a:xfrm>
+          <a:prstGeom prst="rect">
+            <a:avLst/>
+          </a:prstGeom>
+          <a:solidFill>
+            <a:schemeClr val="bg1"/>
+          </a:solidFill>
+          <a:ln>
+            <a:solidFill>
+              <a:schemeClr val="tx1"/>
+            </a:solidFill>
+          </a:ln>
+        </p:spPr>
+        <p:txBody>
+          <a:bodyPr wrap="none" rtlCol="0">
+            <a:spAutoFit/>
+          </a:bodyPr>
+          <a:lstStyle/>
+          <a:p>
+            <a:r>
+              <a:rPr lang="en-US" dirty="0" smtClean="0"/>
+              <a:t>Character - Trump</a:t>
             </a:r>
             <a:endParaRPr lang="en-US" dirty="0"/>
           </a:p>
@@ -8222,617 +8424,7 @@
           <a:p>
             <a:r>
               <a:rPr lang="en-US" dirty="0" smtClean="0"/>
-              <a:t>Game Screen – Compositing 1</a:t>
-            </a:r>
-            <a:endParaRPr lang="en-US" dirty="0"/>
-          </a:p>
-        </p:txBody>
-      </p:sp>
-      <p:sp>
-        <p:nvSpPr>
-          <p:cNvPr id="4" name="TextBox 3"/>
-          <p:cNvSpPr txBox="1"/>
-          <p:nvPr/>
-        </p:nvSpPr>
-        <p:spPr>
-          <a:xfrm>
-            <a:off x="4038600" y="1447800"/>
-            <a:ext cx="740106" cy="369332"/>
-          </a:xfrm>
-          <a:prstGeom prst="rect">
-            <a:avLst/>
-          </a:prstGeom>
-          <a:noFill/>
-          <a:ln>
-            <a:solidFill>
-              <a:schemeClr val="tx1"/>
-            </a:solidFill>
-          </a:ln>
-        </p:spPr>
-        <p:txBody>
-          <a:bodyPr wrap="none" rtlCol="0">
-            <a:spAutoFit/>
-          </a:bodyPr>
-          <a:lstStyle/>
-          <a:p>
-            <a:r>
-              <a:rPr lang="en-US" dirty="0" smtClean="0"/>
-              <a:t>Game</a:t>
-            </a:r>
-            <a:endParaRPr lang="en-US" dirty="0"/>
-          </a:p>
-        </p:txBody>
-      </p:sp>
-      <p:sp>
-        <p:nvSpPr>
-          <p:cNvPr id="5" name="TextBox 4"/>
-          <p:cNvSpPr txBox="1"/>
-          <p:nvPr/>
-        </p:nvSpPr>
-        <p:spPr>
-          <a:xfrm>
-            <a:off x="3657600" y="2743200"/>
-            <a:ext cx="1523336" cy="369332"/>
-          </a:xfrm>
-          <a:prstGeom prst="rect">
-            <a:avLst/>
-          </a:prstGeom>
-          <a:noFill/>
-          <a:ln>
-            <a:solidFill>
-              <a:schemeClr val="tx1"/>
-            </a:solidFill>
-          </a:ln>
-        </p:spPr>
-        <p:txBody>
-          <a:bodyPr wrap="none" rtlCol="0">
-            <a:spAutoFit/>
-          </a:bodyPr>
-          <a:lstStyle/>
-          <a:p>
-            <a:r>
-              <a:rPr lang="en-US" dirty="0" smtClean="0"/>
-              <a:t>Game - Model</a:t>
-            </a:r>
-            <a:endParaRPr lang="en-US" dirty="0"/>
-          </a:p>
-        </p:txBody>
-      </p:sp>
-      <p:sp>
-        <p:nvSpPr>
-          <p:cNvPr id="6" name="TextBox 5"/>
-          <p:cNvSpPr txBox="1"/>
-          <p:nvPr/>
-        </p:nvSpPr>
-        <p:spPr>
-          <a:xfrm>
-            <a:off x="6477000" y="2743200"/>
-            <a:ext cx="1378953" cy="369332"/>
-          </a:xfrm>
-          <a:prstGeom prst="rect">
-            <a:avLst/>
-          </a:prstGeom>
-          <a:noFill/>
-          <a:ln>
-            <a:solidFill>
-              <a:schemeClr val="tx1"/>
-            </a:solidFill>
-          </a:ln>
-        </p:spPr>
-        <p:txBody>
-          <a:bodyPr wrap="none" rtlCol="0">
-            <a:spAutoFit/>
-          </a:bodyPr>
-          <a:lstStyle/>
-          <a:p>
-            <a:r>
-              <a:rPr lang="en-US" dirty="0" smtClean="0"/>
-              <a:t>Game - View</a:t>
-            </a:r>
-            <a:endParaRPr lang="en-US" dirty="0"/>
-          </a:p>
-        </p:txBody>
-      </p:sp>
-      <p:sp>
-        <p:nvSpPr>
-          <p:cNvPr id="7" name="TextBox 6"/>
-          <p:cNvSpPr txBox="1"/>
-          <p:nvPr/>
-        </p:nvSpPr>
-        <p:spPr>
-          <a:xfrm>
-            <a:off x="990600" y="2743200"/>
-            <a:ext cx="1864613" cy="369332"/>
-          </a:xfrm>
-          <a:prstGeom prst="rect">
-            <a:avLst/>
-          </a:prstGeom>
-          <a:noFill/>
-          <a:ln>
-            <a:solidFill>
-              <a:schemeClr val="tx1"/>
-            </a:solidFill>
-          </a:ln>
-        </p:spPr>
-        <p:txBody>
-          <a:bodyPr wrap="none" rtlCol="0">
-            <a:spAutoFit/>
-          </a:bodyPr>
-          <a:lstStyle/>
-          <a:p>
-            <a:r>
-              <a:rPr lang="en-US" dirty="0" smtClean="0"/>
-              <a:t>Game - Controller</a:t>
-            </a:r>
-            <a:endParaRPr lang="en-US" dirty="0"/>
-          </a:p>
-        </p:txBody>
-      </p:sp>
-      <p:cxnSp>
-        <p:nvCxnSpPr>
-          <p:cNvPr id="9" name="Straight Arrow Connector 8"/>
-          <p:cNvCxnSpPr>
-            <a:stCxn id="4" idx="2"/>
-            <a:endCxn id="5" idx="0"/>
-          </p:cNvCxnSpPr>
-          <p:nvPr/>
-        </p:nvCxnSpPr>
-        <p:spPr>
-          <a:xfrm>
-            <a:off x="4408653" y="1817132"/>
-            <a:ext cx="10615" cy="926068"/>
-          </a:xfrm>
-          <a:prstGeom prst="straightConnector1">
-            <a:avLst/>
-          </a:prstGeom>
-          <a:ln>
-            <a:tailEnd type="arrow"/>
-          </a:ln>
-        </p:spPr>
-        <p:style>
-          <a:lnRef idx="2">
-            <a:schemeClr val="accent1"/>
-          </a:lnRef>
-          <a:fillRef idx="0">
-            <a:schemeClr val="accent1"/>
-          </a:fillRef>
-          <a:effectRef idx="1">
-            <a:schemeClr val="accent1"/>
-          </a:effectRef>
-          <a:fontRef idx="minor">
-            <a:schemeClr val="tx1"/>
-          </a:fontRef>
-        </p:style>
-      </p:cxnSp>
-      <p:cxnSp>
-        <p:nvCxnSpPr>
-          <p:cNvPr id="11" name="Straight Arrow Connector 10"/>
-          <p:cNvCxnSpPr>
-            <a:stCxn id="4" idx="2"/>
-            <a:endCxn id="6" idx="1"/>
-          </p:cNvCxnSpPr>
-          <p:nvPr/>
-        </p:nvCxnSpPr>
-        <p:spPr>
-          <a:xfrm>
-            <a:off x="4408653" y="1817132"/>
-            <a:ext cx="2068347" cy="1110734"/>
-          </a:xfrm>
-          <a:prstGeom prst="straightConnector1">
-            <a:avLst/>
-          </a:prstGeom>
-          <a:ln>
-            <a:tailEnd type="arrow"/>
-          </a:ln>
-        </p:spPr>
-        <p:style>
-          <a:lnRef idx="2">
-            <a:schemeClr val="accent1"/>
-          </a:lnRef>
-          <a:fillRef idx="0">
-            <a:schemeClr val="accent1"/>
-          </a:fillRef>
-          <a:effectRef idx="1">
-            <a:schemeClr val="accent1"/>
-          </a:effectRef>
-          <a:fontRef idx="minor">
-            <a:schemeClr val="tx1"/>
-          </a:fontRef>
-        </p:style>
-      </p:cxnSp>
-      <p:cxnSp>
-        <p:nvCxnSpPr>
-          <p:cNvPr id="14" name="Straight Arrow Connector 13"/>
-          <p:cNvCxnSpPr>
-            <a:stCxn id="4" idx="2"/>
-            <a:endCxn id="7" idx="3"/>
-          </p:cNvCxnSpPr>
-          <p:nvPr/>
-        </p:nvCxnSpPr>
-        <p:spPr>
-          <a:xfrm flipH="1">
-            <a:off x="2855213" y="1817132"/>
-            <a:ext cx="1553440" cy="1110734"/>
-          </a:xfrm>
-          <a:prstGeom prst="straightConnector1">
-            <a:avLst/>
-          </a:prstGeom>
-          <a:ln>
-            <a:tailEnd type="arrow"/>
-          </a:ln>
-        </p:spPr>
-        <p:style>
-          <a:lnRef idx="2">
-            <a:schemeClr val="accent1"/>
-          </a:lnRef>
-          <a:fillRef idx="0">
-            <a:schemeClr val="accent1"/>
-          </a:fillRef>
-          <a:effectRef idx="1">
-            <a:schemeClr val="accent1"/>
-          </a:effectRef>
-          <a:fontRef idx="minor">
-            <a:schemeClr val="tx1"/>
-          </a:fontRef>
-        </p:style>
-      </p:cxnSp>
-      <p:sp>
-        <p:nvSpPr>
-          <p:cNvPr id="16" name="TextBox 15"/>
-          <p:cNvSpPr txBox="1"/>
-          <p:nvPr/>
-        </p:nvSpPr>
-        <p:spPr>
-          <a:xfrm>
-            <a:off x="3505200" y="3581400"/>
-            <a:ext cx="1945101" cy="646331"/>
-          </a:xfrm>
-          <a:prstGeom prst="rect">
-            <a:avLst/>
-          </a:prstGeom>
-          <a:noFill/>
-        </p:spPr>
-        <p:txBody>
-          <a:bodyPr wrap="none" rtlCol="0">
-            <a:spAutoFit/>
-          </a:bodyPr>
-          <a:lstStyle/>
-          <a:p>
-            <a:r>
-              <a:rPr lang="en-US" dirty="0" smtClean="0"/>
-              <a:t>Movement,</a:t>
-            </a:r>
-          </a:p>
-          <a:p>
-            <a:r>
-              <a:rPr lang="en-US" dirty="0" smtClean="0"/>
-              <a:t>Collision Detection</a:t>
-            </a:r>
-            <a:endParaRPr lang="en-US" dirty="0"/>
-          </a:p>
-        </p:txBody>
-      </p:sp>
-      <p:sp>
-        <p:nvSpPr>
-          <p:cNvPr id="17" name="TextBox 16"/>
-          <p:cNvSpPr txBox="1"/>
-          <p:nvPr/>
-        </p:nvSpPr>
-        <p:spPr>
-          <a:xfrm>
-            <a:off x="1219200" y="3581400"/>
-            <a:ext cx="1227469" cy="646331"/>
-          </a:xfrm>
-          <a:prstGeom prst="rect">
-            <a:avLst/>
-          </a:prstGeom>
-          <a:noFill/>
-        </p:spPr>
-        <p:txBody>
-          <a:bodyPr wrap="none" rtlCol="0">
-            <a:spAutoFit/>
-          </a:bodyPr>
-          <a:lstStyle/>
-          <a:p>
-            <a:r>
-              <a:rPr lang="en-US" dirty="0" smtClean="0"/>
-              <a:t>User Input,</a:t>
-            </a:r>
-          </a:p>
-          <a:p>
-            <a:r>
-              <a:rPr lang="en-US" dirty="0" smtClean="0"/>
-              <a:t>(keyboard)</a:t>
-            </a:r>
-            <a:endParaRPr lang="en-US" dirty="0"/>
-          </a:p>
-        </p:txBody>
-      </p:sp>
-      <p:sp>
-        <p:nvSpPr>
-          <p:cNvPr id="18" name="TextBox 17"/>
-          <p:cNvSpPr txBox="1"/>
-          <p:nvPr/>
-        </p:nvSpPr>
-        <p:spPr>
-          <a:xfrm>
-            <a:off x="6400800" y="3581400"/>
-            <a:ext cx="1841182" cy="923330"/>
-          </a:xfrm>
-          <a:prstGeom prst="rect">
-            <a:avLst/>
-          </a:prstGeom>
-          <a:noFill/>
-        </p:spPr>
-        <p:txBody>
-          <a:bodyPr wrap="none" rtlCol="0">
-            <a:spAutoFit/>
-          </a:bodyPr>
-          <a:lstStyle/>
-          <a:p>
-            <a:r>
-              <a:rPr lang="en-US" dirty="0" smtClean="0"/>
-              <a:t>Drawing Routines</a:t>
-            </a:r>
-          </a:p>
-          <a:p>
-            <a:r>
-              <a:rPr lang="en-US" dirty="0" smtClean="0"/>
-              <a:t>Display Lists</a:t>
-            </a:r>
-          </a:p>
-          <a:p>
-            <a:r>
-              <a:rPr lang="en-US" dirty="0" smtClean="0"/>
-              <a:t>Positioning</a:t>
-            </a:r>
-            <a:endParaRPr lang="en-US" dirty="0"/>
-          </a:p>
-        </p:txBody>
-      </p:sp>
-      <p:sp>
-        <p:nvSpPr>
-          <p:cNvPr id="19" name="TextBox 18"/>
-          <p:cNvSpPr txBox="1"/>
-          <p:nvPr/>
-        </p:nvSpPr>
-        <p:spPr>
-          <a:xfrm>
-            <a:off x="3886200" y="4724400"/>
-            <a:ext cx="864339" cy="369332"/>
-          </a:xfrm>
-          <a:prstGeom prst="rect">
-            <a:avLst/>
-          </a:prstGeom>
-          <a:noFill/>
-          <a:ln>
-            <a:solidFill>
-              <a:schemeClr val="tx1"/>
-            </a:solidFill>
-          </a:ln>
-        </p:spPr>
-        <p:txBody>
-          <a:bodyPr wrap="none" rtlCol="0">
-            <a:spAutoFit/>
-          </a:bodyPr>
-          <a:lstStyle/>
-          <a:p>
-            <a:r>
-              <a:rPr lang="en-US" dirty="0" smtClean="0"/>
-              <a:t>Physics</a:t>
-            </a:r>
-            <a:endParaRPr lang="en-US" dirty="0"/>
-          </a:p>
-        </p:txBody>
-      </p:sp>
-      <p:sp>
-        <p:nvSpPr>
-          <p:cNvPr id="20" name="TextBox 19"/>
-          <p:cNvSpPr txBox="1"/>
-          <p:nvPr/>
-        </p:nvSpPr>
-        <p:spPr>
-          <a:xfrm>
-            <a:off x="1295400" y="4419600"/>
-            <a:ext cx="1120820" cy="369332"/>
-          </a:xfrm>
-          <a:prstGeom prst="rect">
-            <a:avLst/>
-          </a:prstGeom>
-          <a:noFill/>
-          <a:ln>
-            <a:solidFill>
-              <a:schemeClr val="tx1"/>
-            </a:solidFill>
-          </a:ln>
-        </p:spPr>
-        <p:txBody>
-          <a:bodyPr wrap="none" rtlCol="0">
-            <a:spAutoFit/>
-          </a:bodyPr>
-          <a:lstStyle/>
-          <a:p>
-            <a:pPr algn="ctr"/>
-            <a:r>
-              <a:rPr lang="en-US" dirty="0" err="1" smtClean="0"/>
-              <a:t>UserInput</a:t>
-            </a:r>
-            <a:endParaRPr lang="en-US" dirty="0"/>
-          </a:p>
-        </p:txBody>
-      </p:sp>
-      <p:sp>
-        <p:nvSpPr>
-          <p:cNvPr id="21" name="TextBox 20"/>
-          <p:cNvSpPr txBox="1"/>
-          <p:nvPr/>
-        </p:nvSpPr>
-        <p:spPr>
-          <a:xfrm>
-            <a:off x="6477000" y="4724400"/>
-            <a:ext cx="1342773" cy="369332"/>
-          </a:xfrm>
-          <a:prstGeom prst="rect">
-            <a:avLst/>
-          </a:prstGeom>
-          <a:noFill/>
-          <a:ln>
-            <a:solidFill>
-              <a:schemeClr val="tx1"/>
-            </a:solidFill>
-          </a:ln>
-        </p:spPr>
-        <p:txBody>
-          <a:bodyPr wrap="none" rtlCol="0">
-            <a:spAutoFit/>
-          </a:bodyPr>
-          <a:lstStyle/>
-          <a:p>
-            <a:r>
-              <a:rPr lang="en-US" dirty="0" err="1" smtClean="0"/>
-              <a:t>CanvasDraw</a:t>
-            </a:r>
-            <a:endParaRPr lang="en-US" dirty="0"/>
-          </a:p>
-        </p:txBody>
-      </p:sp>
-      <p:sp>
-        <p:nvSpPr>
-          <p:cNvPr id="31" name="TextBox 30"/>
-          <p:cNvSpPr txBox="1"/>
-          <p:nvPr/>
-        </p:nvSpPr>
-        <p:spPr>
-          <a:xfrm>
-            <a:off x="3977411" y="5269468"/>
-            <a:ext cx="670789" cy="369332"/>
-          </a:xfrm>
-          <a:prstGeom prst="rect">
-            <a:avLst/>
-          </a:prstGeom>
-          <a:noFill/>
-          <a:ln>
-            <a:solidFill>
-              <a:schemeClr val="tx1"/>
-            </a:solidFill>
-          </a:ln>
-        </p:spPr>
-        <p:txBody>
-          <a:bodyPr wrap="none" rtlCol="0">
-            <a:spAutoFit/>
-          </a:bodyPr>
-          <a:lstStyle/>
-          <a:p>
-            <a:r>
-              <a:rPr lang="en-US" dirty="0" smtClean="0"/>
-              <a:t>State</a:t>
-            </a:r>
-            <a:endParaRPr lang="en-US" dirty="0"/>
-          </a:p>
-        </p:txBody>
-      </p:sp>
-      <p:sp>
-        <p:nvSpPr>
-          <p:cNvPr id="32" name="TextBox 31"/>
-          <p:cNvSpPr txBox="1"/>
-          <p:nvPr/>
-        </p:nvSpPr>
-        <p:spPr>
-          <a:xfrm>
-            <a:off x="1143000" y="5105400"/>
-            <a:ext cx="1364476" cy="369332"/>
-          </a:xfrm>
-          <a:prstGeom prst="rect">
-            <a:avLst/>
-          </a:prstGeom>
-          <a:noFill/>
-          <a:ln>
-            <a:solidFill>
-              <a:schemeClr val="tx1"/>
-            </a:solidFill>
-          </a:ln>
-        </p:spPr>
-        <p:txBody>
-          <a:bodyPr wrap="none" rtlCol="0">
-            <a:spAutoFit/>
-          </a:bodyPr>
-          <a:lstStyle/>
-          <a:p>
-            <a:pPr algn="ctr"/>
-            <a:r>
-              <a:rPr lang="en-US" dirty="0" err="1" smtClean="0"/>
-              <a:t>LoadScreens</a:t>
-            </a:r>
-            <a:endParaRPr lang="en-US" dirty="0"/>
-          </a:p>
-        </p:txBody>
-      </p:sp>
-      <p:sp>
-        <p:nvSpPr>
-          <p:cNvPr id="33" name="TextBox 32"/>
-          <p:cNvSpPr txBox="1"/>
-          <p:nvPr/>
-        </p:nvSpPr>
-        <p:spPr>
-          <a:xfrm>
-            <a:off x="1219200" y="5638800"/>
-            <a:ext cx="1201884" cy="369332"/>
-          </a:xfrm>
-          <a:prstGeom prst="rect">
-            <a:avLst/>
-          </a:prstGeom>
-          <a:noFill/>
-          <a:ln>
-            <a:solidFill>
-              <a:schemeClr val="tx1"/>
-            </a:solidFill>
-          </a:ln>
-        </p:spPr>
-        <p:txBody>
-          <a:bodyPr wrap="none" rtlCol="0">
-            <a:spAutoFit/>
-          </a:bodyPr>
-          <a:lstStyle/>
-          <a:p>
-            <a:pPr algn="ctr"/>
-            <a:r>
-              <a:rPr lang="en-US" dirty="0" err="1" smtClean="0"/>
-              <a:t>GameLoop</a:t>
-            </a:r>
-            <a:endParaRPr lang="en-US" dirty="0"/>
-          </a:p>
-        </p:txBody>
-      </p:sp>
-      <p:sp>
-        <p:nvSpPr>
-          <p:cNvPr id="34" name="TextBox 33"/>
-          <p:cNvSpPr txBox="1"/>
-          <p:nvPr/>
-        </p:nvSpPr>
-        <p:spPr>
-          <a:xfrm>
-            <a:off x="3657600" y="5791200"/>
-            <a:ext cx="1313180" cy="369332"/>
-          </a:xfrm>
-          <a:prstGeom prst="rect">
-            <a:avLst/>
-          </a:prstGeom>
-          <a:noFill/>
-          <a:ln>
-            <a:solidFill>
-              <a:schemeClr val="tx1"/>
-            </a:solidFill>
-          </a:ln>
-        </p:spPr>
-        <p:txBody>
-          <a:bodyPr wrap="none" rtlCol="0">
-            <a:spAutoFit/>
-          </a:bodyPr>
-          <a:lstStyle/>
-          <a:p>
-            <a:r>
-              <a:rPr lang="en-US" dirty="0" smtClean="0"/>
-              <a:t>Area Layout</a:t>
+              <a:t>Game - Compositing</a:t>
             </a:r>
             <a:endParaRPr lang="en-US" dirty="0"/>
           </a:p>
@@ -8841,7 +8433,7 @@
     </p:spTree>
     <p:extLst>
       <p:ext uri="{BB962C8B-B14F-4D97-AF65-F5344CB8AC3E}">
-        <p14:creationId xmlns:p14="http://schemas.microsoft.com/office/powerpoint/2010/main" val="3137774029"/>
+        <p14:creationId xmlns:p14="http://schemas.microsoft.com/office/powerpoint/2010/main" val="2425876082"/>
       </p:ext>
     </p:extLst>
   </p:cSld>
@@ -8885,7 +8477,7 @@
           <a:p>
             <a:r>
               <a:rPr lang="en-US" dirty="0" smtClean="0"/>
-              <a:t>Add JS Objects</a:t>
+              <a:t>Game Screen – Compositing 1</a:t>
             </a:r>
             <a:endParaRPr lang="en-US" dirty="0"/>
           </a:p>
@@ -8893,46 +8485,609 @@
       </p:sp>
       <p:sp>
         <p:nvSpPr>
-          <p:cNvPr id="3" name="Content Placeholder 2"/>
-          <p:cNvSpPr>
-            <a:spLocks noGrp="1"/>
-          </p:cNvSpPr>
-          <p:nvPr>
-            <p:ph idx="1"/>
-          </p:nvPr>
-        </p:nvSpPr>
-        <p:spPr/>
-        <p:txBody>
-          <a:bodyPr/>
+          <p:cNvPr id="4" name="TextBox 3"/>
+          <p:cNvSpPr txBox="1"/>
+          <p:nvPr/>
+        </p:nvSpPr>
+        <p:spPr>
+          <a:xfrm>
+            <a:off x="4038600" y="1447800"/>
+            <a:ext cx="740106" cy="369332"/>
+          </a:xfrm>
+          <a:prstGeom prst="rect">
+            <a:avLst/>
+          </a:prstGeom>
+          <a:noFill/>
+          <a:ln>
+            <a:solidFill>
+              <a:schemeClr val="tx1"/>
+            </a:solidFill>
+          </a:ln>
+        </p:spPr>
+        <p:txBody>
+          <a:bodyPr wrap="none" rtlCol="0">
+            <a:spAutoFit/>
+          </a:bodyPr>
           <a:lstStyle/>
           <a:p>
             <a:r>
               <a:rPr lang="en-US" dirty="0" smtClean="0"/>
-              <a:t>Use the consensus diagram as a starting point</a:t>
-            </a:r>
-          </a:p>
+              <a:t>Game</a:t>
+            </a:r>
+            <a:endParaRPr lang="en-US" dirty="0"/>
+          </a:p>
+        </p:txBody>
+      </p:sp>
+      <p:sp>
+        <p:nvSpPr>
+          <p:cNvPr id="5" name="TextBox 4"/>
+          <p:cNvSpPr txBox="1"/>
+          <p:nvPr/>
+        </p:nvSpPr>
+        <p:spPr>
+          <a:xfrm>
+            <a:off x="3657600" y="2743200"/>
+            <a:ext cx="1523336" cy="369332"/>
+          </a:xfrm>
+          <a:prstGeom prst="rect">
+            <a:avLst/>
+          </a:prstGeom>
+          <a:noFill/>
+          <a:ln>
+            <a:solidFill>
+              <a:schemeClr val="tx1"/>
+            </a:solidFill>
+          </a:ln>
+        </p:spPr>
+        <p:txBody>
+          <a:bodyPr wrap="none" rtlCol="0">
+            <a:spAutoFit/>
+          </a:bodyPr>
+          <a:lstStyle/>
           <a:p>
             <a:r>
               <a:rPr lang="en-US" dirty="0" smtClean="0"/>
-              <a:t>As you code in Week 06 – 11, list the JS objects involved in each scene</a:t>
-            </a:r>
-          </a:p>
+              <a:t>Game - Model</a:t>
+            </a:r>
+            <a:endParaRPr lang="en-US" dirty="0"/>
+          </a:p>
+        </p:txBody>
+      </p:sp>
+      <p:sp>
+        <p:nvSpPr>
+          <p:cNvPr id="6" name="TextBox 5"/>
+          <p:cNvSpPr txBox="1"/>
+          <p:nvPr/>
+        </p:nvSpPr>
+        <p:spPr>
+          <a:xfrm>
+            <a:off x="6477000" y="2743200"/>
+            <a:ext cx="1378953" cy="369332"/>
+          </a:xfrm>
+          <a:prstGeom prst="rect">
+            <a:avLst/>
+          </a:prstGeom>
+          <a:noFill/>
+          <a:ln>
+            <a:solidFill>
+              <a:schemeClr val="tx1"/>
+            </a:solidFill>
+          </a:ln>
+        </p:spPr>
+        <p:txBody>
+          <a:bodyPr wrap="none" rtlCol="0">
+            <a:spAutoFit/>
+          </a:bodyPr>
+          <a:lstStyle/>
           <a:p>
             <a:r>
               <a:rPr lang="en-US" dirty="0" smtClean="0"/>
-              <a:t>You can do this by hand, or electronically</a:t>
-            </a:r>
-          </a:p>
+              <a:t>Game - View</a:t>
+            </a:r>
+            <a:endParaRPr lang="en-US" dirty="0"/>
+          </a:p>
+        </p:txBody>
+      </p:sp>
+      <p:sp>
+        <p:nvSpPr>
+          <p:cNvPr id="7" name="TextBox 6"/>
+          <p:cNvSpPr txBox="1"/>
+          <p:nvPr/>
+        </p:nvSpPr>
+        <p:spPr>
+          <a:xfrm>
+            <a:off x="990600" y="2743200"/>
+            <a:ext cx="1864613" cy="369332"/>
+          </a:xfrm>
+          <a:prstGeom prst="rect">
+            <a:avLst/>
+          </a:prstGeom>
+          <a:noFill/>
+          <a:ln>
+            <a:solidFill>
+              <a:schemeClr val="tx1"/>
+            </a:solidFill>
+          </a:ln>
+        </p:spPr>
+        <p:txBody>
+          <a:bodyPr wrap="none" rtlCol="0">
+            <a:spAutoFit/>
+          </a:bodyPr>
+          <a:lstStyle/>
           <a:p>
             <a:r>
               <a:rPr lang="en-US" dirty="0" smtClean="0"/>
-              <a:t>You may need to “break out” scenes in greater detail</a:t>
-            </a:r>
-          </a:p>
+              <a:t>Game - Controller</a:t>
+            </a:r>
+            <a:endParaRPr lang="en-US" dirty="0"/>
+          </a:p>
+        </p:txBody>
+      </p:sp>
+      <p:cxnSp>
+        <p:nvCxnSpPr>
+          <p:cNvPr id="9" name="Straight Arrow Connector 8"/>
+          <p:cNvCxnSpPr>
+            <a:stCxn id="4" idx="2"/>
+            <a:endCxn id="5" idx="0"/>
+          </p:cNvCxnSpPr>
+          <p:nvPr/>
+        </p:nvCxnSpPr>
+        <p:spPr>
+          <a:xfrm>
+            <a:off x="4408653" y="1817132"/>
+            <a:ext cx="10615" cy="926068"/>
+          </a:xfrm>
+          <a:prstGeom prst="straightConnector1">
+            <a:avLst/>
+          </a:prstGeom>
+          <a:ln>
+            <a:tailEnd type="arrow"/>
+          </a:ln>
+        </p:spPr>
+        <p:style>
+          <a:lnRef idx="2">
+            <a:schemeClr val="accent1"/>
+          </a:lnRef>
+          <a:fillRef idx="0">
+            <a:schemeClr val="accent1"/>
+          </a:fillRef>
+          <a:effectRef idx="1">
+            <a:schemeClr val="accent1"/>
+          </a:effectRef>
+          <a:fontRef idx="minor">
+            <a:schemeClr val="tx1"/>
+          </a:fontRef>
+        </p:style>
+      </p:cxnSp>
+      <p:cxnSp>
+        <p:nvCxnSpPr>
+          <p:cNvPr id="11" name="Straight Arrow Connector 10"/>
+          <p:cNvCxnSpPr>
+            <a:stCxn id="4" idx="2"/>
+            <a:endCxn id="6" idx="1"/>
+          </p:cNvCxnSpPr>
+          <p:nvPr/>
+        </p:nvCxnSpPr>
+        <p:spPr>
+          <a:xfrm>
+            <a:off x="4408653" y="1817132"/>
+            <a:ext cx="2068347" cy="1110734"/>
+          </a:xfrm>
+          <a:prstGeom prst="straightConnector1">
+            <a:avLst/>
+          </a:prstGeom>
+          <a:ln>
+            <a:tailEnd type="arrow"/>
+          </a:ln>
+        </p:spPr>
+        <p:style>
+          <a:lnRef idx="2">
+            <a:schemeClr val="accent1"/>
+          </a:lnRef>
+          <a:fillRef idx="0">
+            <a:schemeClr val="accent1"/>
+          </a:fillRef>
+          <a:effectRef idx="1">
+            <a:schemeClr val="accent1"/>
+          </a:effectRef>
+          <a:fontRef idx="minor">
+            <a:schemeClr val="tx1"/>
+          </a:fontRef>
+        </p:style>
+      </p:cxnSp>
+      <p:cxnSp>
+        <p:nvCxnSpPr>
+          <p:cNvPr id="14" name="Straight Arrow Connector 13"/>
+          <p:cNvCxnSpPr>
+            <a:stCxn id="4" idx="2"/>
+            <a:endCxn id="7" idx="3"/>
+          </p:cNvCxnSpPr>
+          <p:nvPr/>
+        </p:nvCxnSpPr>
+        <p:spPr>
+          <a:xfrm flipH="1">
+            <a:off x="2855213" y="1817132"/>
+            <a:ext cx="1553440" cy="1110734"/>
+          </a:xfrm>
+          <a:prstGeom prst="straightConnector1">
+            <a:avLst/>
+          </a:prstGeom>
+          <a:ln>
+            <a:tailEnd type="arrow"/>
+          </a:ln>
+        </p:spPr>
+        <p:style>
+          <a:lnRef idx="2">
+            <a:schemeClr val="accent1"/>
+          </a:lnRef>
+          <a:fillRef idx="0">
+            <a:schemeClr val="accent1"/>
+          </a:fillRef>
+          <a:effectRef idx="1">
+            <a:schemeClr val="accent1"/>
+          </a:effectRef>
+          <a:fontRef idx="minor">
+            <a:schemeClr val="tx1"/>
+          </a:fontRef>
+        </p:style>
+      </p:cxnSp>
+      <p:sp>
+        <p:nvSpPr>
+          <p:cNvPr id="16" name="TextBox 15"/>
+          <p:cNvSpPr txBox="1"/>
+          <p:nvPr/>
+        </p:nvSpPr>
+        <p:spPr>
+          <a:xfrm>
+            <a:off x="3505200" y="3581400"/>
+            <a:ext cx="1945101" cy="646331"/>
+          </a:xfrm>
+          <a:prstGeom prst="rect">
+            <a:avLst/>
+          </a:prstGeom>
+          <a:noFill/>
+        </p:spPr>
+        <p:txBody>
+          <a:bodyPr wrap="none" rtlCol="0">
+            <a:spAutoFit/>
+          </a:bodyPr>
+          <a:lstStyle/>
           <a:p>
             <a:r>
               <a:rPr lang="en-US" dirty="0" smtClean="0"/>
-              <a:t>This will provide documentation for your project</a:t>
+              <a:t>Movement,</a:t>
+            </a:r>
+          </a:p>
+          <a:p>
+            <a:r>
+              <a:rPr lang="en-US" dirty="0" smtClean="0"/>
+              <a:t>Collision Detection</a:t>
+            </a:r>
+            <a:endParaRPr lang="en-US" dirty="0"/>
+          </a:p>
+        </p:txBody>
+      </p:sp>
+      <p:sp>
+        <p:nvSpPr>
+          <p:cNvPr id="17" name="TextBox 16"/>
+          <p:cNvSpPr txBox="1"/>
+          <p:nvPr/>
+        </p:nvSpPr>
+        <p:spPr>
+          <a:xfrm>
+            <a:off x="1219200" y="3581400"/>
+            <a:ext cx="1227469" cy="646331"/>
+          </a:xfrm>
+          <a:prstGeom prst="rect">
+            <a:avLst/>
+          </a:prstGeom>
+          <a:noFill/>
+        </p:spPr>
+        <p:txBody>
+          <a:bodyPr wrap="none" rtlCol="0">
+            <a:spAutoFit/>
+          </a:bodyPr>
+          <a:lstStyle/>
+          <a:p>
+            <a:r>
+              <a:rPr lang="en-US" dirty="0" smtClean="0"/>
+              <a:t>User Input,</a:t>
+            </a:r>
+          </a:p>
+          <a:p>
+            <a:r>
+              <a:rPr lang="en-US" dirty="0" smtClean="0"/>
+              <a:t>(keyboard)</a:t>
+            </a:r>
+            <a:endParaRPr lang="en-US" dirty="0"/>
+          </a:p>
+        </p:txBody>
+      </p:sp>
+      <p:sp>
+        <p:nvSpPr>
+          <p:cNvPr id="18" name="TextBox 17"/>
+          <p:cNvSpPr txBox="1"/>
+          <p:nvPr/>
+        </p:nvSpPr>
+        <p:spPr>
+          <a:xfrm>
+            <a:off x="6400800" y="3581400"/>
+            <a:ext cx="1841182" cy="923330"/>
+          </a:xfrm>
+          <a:prstGeom prst="rect">
+            <a:avLst/>
+          </a:prstGeom>
+          <a:noFill/>
+        </p:spPr>
+        <p:txBody>
+          <a:bodyPr wrap="none" rtlCol="0">
+            <a:spAutoFit/>
+          </a:bodyPr>
+          <a:lstStyle/>
+          <a:p>
+            <a:r>
+              <a:rPr lang="en-US" dirty="0" smtClean="0"/>
+              <a:t>Drawing Routines</a:t>
+            </a:r>
+          </a:p>
+          <a:p>
+            <a:r>
+              <a:rPr lang="en-US" dirty="0" smtClean="0"/>
+              <a:t>Display Lists</a:t>
+            </a:r>
+          </a:p>
+          <a:p>
+            <a:r>
+              <a:rPr lang="en-US" dirty="0" smtClean="0"/>
+              <a:t>Positioning</a:t>
+            </a:r>
+            <a:endParaRPr lang="en-US" dirty="0"/>
+          </a:p>
+        </p:txBody>
+      </p:sp>
+      <p:sp>
+        <p:nvSpPr>
+          <p:cNvPr id="19" name="TextBox 18"/>
+          <p:cNvSpPr txBox="1"/>
+          <p:nvPr/>
+        </p:nvSpPr>
+        <p:spPr>
+          <a:xfrm>
+            <a:off x="3886200" y="4724400"/>
+            <a:ext cx="864339" cy="369332"/>
+          </a:xfrm>
+          <a:prstGeom prst="rect">
+            <a:avLst/>
+          </a:prstGeom>
+          <a:noFill/>
+          <a:ln>
+            <a:solidFill>
+              <a:schemeClr val="tx1"/>
+            </a:solidFill>
+          </a:ln>
+        </p:spPr>
+        <p:txBody>
+          <a:bodyPr wrap="none" rtlCol="0">
+            <a:spAutoFit/>
+          </a:bodyPr>
+          <a:lstStyle/>
+          <a:p>
+            <a:r>
+              <a:rPr lang="en-US" dirty="0" smtClean="0"/>
+              <a:t>Physics</a:t>
+            </a:r>
+            <a:endParaRPr lang="en-US" dirty="0"/>
+          </a:p>
+        </p:txBody>
+      </p:sp>
+      <p:sp>
+        <p:nvSpPr>
+          <p:cNvPr id="20" name="TextBox 19"/>
+          <p:cNvSpPr txBox="1"/>
+          <p:nvPr/>
+        </p:nvSpPr>
+        <p:spPr>
+          <a:xfrm>
+            <a:off x="1295400" y="4419600"/>
+            <a:ext cx="1120820" cy="369332"/>
+          </a:xfrm>
+          <a:prstGeom prst="rect">
+            <a:avLst/>
+          </a:prstGeom>
+          <a:noFill/>
+          <a:ln>
+            <a:solidFill>
+              <a:schemeClr val="tx1"/>
+            </a:solidFill>
+          </a:ln>
+        </p:spPr>
+        <p:txBody>
+          <a:bodyPr wrap="none" rtlCol="0">
+            <a:spAutoFit/>
+          </a:bodyPr>
+          <a:lstStyle/>
+          <a:p>
+            <a:pPr algn="ctr"/>
+            <a:r>
+              <a:rPr lang="en-US" dirty="0" err="1" smtClean="0"/>
+              <a:t>UserInput</a:t>
+            </a:r>
+            <a:endParaRPr lang="en-US" dirty="0"/>
+          </a:p>
+        </p:txBody>
+      </p:sp>
+      <p:sp>
+        <p:nvSpPr>
+          <p:cNvPr id="21" name="TextBox 20"/>
+          <p:cNvSpPr txBox="1"/>
+          <p:nvPr/>
+        </p:nvSpPr>
+        <p:spPr>
+          <a:xfrm>
+            <a:off x="6477000" y="4724400"/>
+            <a:ext cx="1342773" cy="369332"/>
+          </a:xfrm>
+          <a:prstGeom prst="rect">
+            <a:avLst/>
+          </a:prstGeom>
+          <a:noFill/>
+          <a:ln>
+            <a:solidFill>
+              <a:schemeClr val="tx1"/>
+            </a:solidFill>
+          </a:ln>
+        </p:spPr>
+        <p:txBody>
+          <a:bodyPr wrap="none" rtlCol="0">
+            <a:spAutoFit/>
+          </a:bodyPr>
+          <a:lstStyle/>
+          <a:p>
+            <a:r>
+              <a:rPr lang="en-US" dirty="0" err="1" smtClean="0"/>
+              <a:t>CanvasDraw</a:t>
+            </a:r>
+            <a:endParaRPr lang="en-US" dirty="0"/>
+          </a:p>
+        </p:txBody>
+      </p:sp>
+      <p:sp>
+        <p:nvSpPr>
+          <p:cNvPr id="31" name="TextBox 30"/>
+          <p:cNvSpPr txBox="1"/>
+          <p:nvPr/>
+        </p:nvSpPr>
+        <p:spPr>
+          <a:xfrm>
+            <a:off x="3977411" y="5269468"/>
+            <a:ext cx="670789" cy="369332"/>
+          </a:xfrm>
+          <a:prstGeom prst="rect">
+            <a:avLst/>
+          </a:prstGeom>
+          <a:noFill/>
+          <a:ln>
+            <a:solidFill>
+              <a:schemeClr val="tx1"/>
+            </a:solidFill>
+          </a:ln>
+        </p:spPr>
+        <p:txBody>
+          <a:bodyPr wrap="none" rtlCol="0">
+            <a:spAutoFit/>
+          </a:bodyPr>
+          <a:lstStyle/>
+          <a:p>
+            <a:r>
+              <a:rPr lang="en-US" dirty="0" smtClean="0"/>
+              <a:t>State</a:t>
+            </a:r>
+            <a:endParaRPr lang="en-US" dirty="0"/>
+          </a:p>
+        </p:txBody>
+      </p:sp>
+      <p:sp>
+        <p:nvSpPr>
+          <p:cNvPr id="32" name="TextBox 31"/>
+          <p:cNvSpPr txBox="1"/>
+          <p:nvPr/>
+        </p:nvSpPr>
+        <p:spPr>
+          <a:xfrm>
+            <a:off x="1143000" y="5105400"/>
+            <a:ext cx="1364476" cy="369332"/>
+          </a:xfrm>
+          <a:prstGeom prst="rect">
+            <a:avLst/>
+          </a:prstGeom>
+          <a:noFill/>
+          <a:ln>
+            <a:solidFill>
+              <a:schemeClr val="tx1"/>
+            </a:solidFill>
+          </a:ln>
+        </p:spPr>
+        <p:txBody>
+          <a:bodyPr wrap="none" rtlCol="0">
+            <a:spAutoFit/>
+          </a:bodyPr>
+          <a:lstStyle/>
+          <a:p>
+            <a:pPr algn="ctr"/>
+            <a:r>
+              <a:rPr lang="en-US" dirty="0" err="1" smtClean="0"/>
+              <a:t>LoadScreens</a:t>
+            </a:r>
+            <a:endParaRPr lang="en-US" dirty="0"/>
+          </a:p>
+        </p:txBody>
+      </p:sp>
+      <p:sp>
+        <p:nvSpPr>
+          <p:cNvPr id="33" name="TextBox 32"/>
+          <p:cNvSpPr txBox="1"/>
+          <p:nvPr/>
+        </p:nvSpPr>
+        <p:spPr>
+          <a:xfrm>
+            <a:off x="1219200" y="5638800"/>
+            <a:ext cx="1201884" cy="369332"/>
+          </a:xfrm>
+          <a:prstGeom prst="rect">
+            <a:avLst/>
+          </a:prstGeom>
+          <a:noFill/>
+          <a:ln>
+            <a:solidFill>
+              <a:schemeClr val="tx1"/>
+            </a:solidFill>
+          </a:ln>
+        </p:spPr>
+        <p:txBody>
+          <a:bodyPr wrap="none" rtlCol="0">
+            <a:spAutoFit/>
+          </a:bodyPr>
+          <a:lstStyle/>
+          <a:p>
+            <a:pPr algn="ctr"/>
+            <a:r>
+              <a:rPr lang="en-US" dirty="0" err="1" smtClean="0"/>
+              <a:t>GameLoop</a:t>
+            </a:r>
+            <a:endParaRPr lang="en-US" dirty="0"/>
+          </a:p>
+        </p:txBody>
+      </p:sp>
+      <p:sp>
+        <p:nvSpPr>
+          <p:cNvPr id="34" name="TextBox 33"/>
+          <p:cNvSpPr txBox="1"/>
+          <p:nvPr/>
+        </p:nvSpPr>
+        <p:spPr>
+          <a:xfrm>
+            <a:off x="3657600" y="5791200"/>
+            <a:ext cx="1313180" cy="369332"/>
+          </a:xfrm>
+          <a:prstGeom prst="rect">
+            <a:avLst/>
+          </a:prstGeom>
+          <a:noFill/>
+          <a:ln>
+            <a:solidFill>
+              <a:schemeClr val="tx1"/>
+            </a:solidFill>
+          </a:ln>
+        </p:spPr>
+        <p:txBody>
+          <a:bodyPr wrap="none" rtlCol="0">
+            <a:spAutoFit/>
+          </a:bodyPr>
+          <a:lstStyle/>
+          <a:p>
+            <a:r>
+              <a:rPr lang="en-US" dirty="0" smtClean="0"/>
+              <a:t>Area Layout</a:t>
             </a:r>
             <a:endParaRPr lang="en-US" dirty="0"/>
           </a:p>
@@ -8941,7 +9096,7 @@
     </p:spTree>
     <p:extLst>
       <p:ext uri="{BB962C8B-B14F-4D97-AF65-F5344CB8AC3E}">
-        <p14:creationId xmlns:p14="http://schemas.microsoft.com/office/powerpoint/2010/main" val="2481173857"/>
+        <p14:creationId xmlns:p14="http://schemas.microsoft.com/office/powerpoint/2010/main" val="3137774029"/>
       </p:ext>
     </p:extLst>
   </p:cSld>
@@ -8985,7 +9140,7 @@
           <a:p>
             <a:r>
               <a:rPr lang="en-US" dirty="0" smtClean="0"/>
-              <a:t>Base Objects - Compositing</a:t>
+              <a:t>Add JS Objects</a:t>
             </a:r>
             <a:endParaRPr lang="en-US" dirty="0"/>
           </a:p>
@@ -8993,742 +9148,55 @@
       </p:sp>
       <p:sp>
         <p:nvSpPr>
-          <p:cNvPr id="4" name="Snip Diagonal Corner Rectangle 3"/>
-          <p:cNvSpPr/>
-          <p:nvPr/>
-        </p:nvSpPr>
-        <p:spPr>
-          <a:xfrm>
-            <a:off x="1143000" y="1371600"/>
-            <a:ext cx="1600200" cy="1524000"/>
-          </a:xfrm>
-          <a:prstGeom prst="snip2DiagRect">
-            <a:avLst/>
-          </a:prstGeom>
-          <a:solidFill>
-            <a:schemeClr val="bg1"/>
-          </a:solidFill>
-          <a:ln>
-            <a:solidFill>
-              <a:schemeClr val="tx1"/>
-            </a:solidFill>
-          </a:ln>
-        </p:spPr>
-        <p:style>
-          <a:lnRef idx="1">
-            <a:schemeClr val="accent1"/>
-          </a:lnRef>
-          <a:fillRef idx="3">
-            <a:schemeClr val="accent1"/>
-          </a:fillRef>
-          <a:effectRef idx="2">
-            <a:schemeClr val="accent1"/>
-          </a:effectRef>
-          <a:fontRef idx="minor">
-            <a:schemeClr val="lt1"/>
-          </a:fontRef>
-        </p:style>
-        <p:txBody>
-          <a:bodyPr rtlCol="0" anchor="ctr"/>
-          <a:lstStyle/>
-          <a:p>
-            <a:pPr algn="ctr"/>
-            <a:r>
-              <a:rPr lang="en-US" dirty="0" smtClean="0">
-                <a:solidFill>
-                  <a:schemeClr val="tx1"/>
-                </a:solidFill>
-              </a:rPr>
-              <a:t>Animal</a:t>
-            </a:r>
-            <a:endParaRPr lang="en-US" dirty="0">
-              <a:solidFill>
-                <a:schemeClr val="tx1"/>
-              </a:solidFill>
-            </a:endParaRPr>
-          </a:p>
-        </p:txBody>
-      </p:sp>
-      <p:sp>
-        <p:nvSpPr>
-          <p:cNvPr id="5" name="Snip Diagonal Corner Rectangle 4"/>
-          <p:cNvSpPr/>
-          <p:nvPr/>
-        </p:nvSpPr>
-        <p:spPr>
-          <a:xfrm>
-            <a:off x="3505200" y="1371600"/>
-            <a:ext cx="1600200" cy="1524000"/>
-          </a:xfrm>
-          <a:prstGeom prst="snip2DiagRect">
-            <a:avLst/>
-          </a:prstGeom>
-          <a:solidFill>
-            <a:schemeClr val="bg1"/>
-          </a:solidFill>
-          <a:ln>
-            <a:solidFill>
-              <a:schemeClr val="tx1"/>
-            </a:solidFill>
-          </a:ln>
-        </p:spPr>
-        <p:style>
-          <a:lnRef idx="1">
-            <a:schemeClr val="accent1"/>
-          </a:lnRef>
-          <a:fillRef idx="3">
-            <a:schemeClr val="accent1"/>
-          </a:fillRef>
-          <a:effectRef idx="2">
-            <a:schemeClr val="accent1"/>
-          </a:effectRef>
-          <a:fontRef idx="minor">
-            <a:schemeClr val="lt1"/>
-          </a:fontRef>
-        </p:style>
-        <p:txBody>
-          <a:bodyPr rtlCol="0" anchor="ctr"/>
-          <a:lstStyle/>
-          <a:p>
-            <a:pPr algn="ctr"/>
-            <a:r>
-              <a:rPr lang="en-US" dirty="0" smtClean="0">
-                <a:solidFill>
-                  <a:schemeClr val="tx1"/>
-                </a:solidFill>
-              </a:rPr>
-              <a:t>Player</a:t>
-            </a:r>
-            <a:endParaRPr lang="en-US" dirty="0">
-              <a:solidFill>
-                <a:schemeClr val="tx1"/>
-              </a:solidFill>
-            </a:endParaRPr>
-          </a:p>
-        </p:txBody>
-      </p:sp>
-      <p:sp>
-        <p:nvSpPr>
-          <p:cNvPr id="6" name="Snip Diagonal Corner Rectangle 5"/>
-          <p:cNvSpPr/>
-          <p:nvPr/>
-        </p:nvSpPr>
-        <p:spPr>
-          <a:xfrm>
-            <a:off x="5867400" y="1371600"/>
-            <a:ext cx="1600200" cy="1524000"/>
-          </a:xfrm>
-          <a:prstGeom prst="snip2DiagRect">
-            <a:avLst/>
-          </a:prstGeom>
-          <a:solidFill>
-            <a:schemeClr val="bg1"/>
-          </a:solidFill>
-          <a:ln>
-            <a:solidFill>
-              <a:schemeClr val="tx1"/>
-            </a:solidFill>
-          </a:ln>
-        </p:spPr>
-        <p:style>
-          <a:lnRef idx="1">
-            <a:schemeClr val="accent1"/>
-          </a:lnRef>
-          <a:fillRef idx="3">
-            <a:schemeClr val="accent1"/>
-          </a:fillRef>
-          <a:effectRef idx="2">
-            <a:schemeClr val="accent1"/>
-          </a:effectRef>
-          <a:fontRef idx="minor">
-            <a:schemeClr val="lt1"/>
-          </a:fontRef>
-        </p:style>
-        <p:txBody>
-          <a:bodyPr rtlCol="0" anchor="ctr"/>
-          <a:lstStyle/>
-          <a:p>
-            <a:pPr algn="ctr"/>
-            <a:r>
-              <a:rPr lang="en-US" dirty="0" smtClean="0">
-                <a:solidFill>
-                  <a:schemeClr val="tx1"/>
-                </a:solidFill>
-              </a:rPr>
-              <a:t>Trump</a:t>
-            </a:r>
-            <a:endParaRPr lang="en-US" dirty="0">
-              <a:solidFill>
-                <a:schemeClr val="tx1"/>
-              </a:solidFill>
-            </a:endParaRPr>
-          </a:p>
-        </p:txBody>
-      </p:sp>
-      <p:sp>
-        <p:nvSpPr>
-          <p:cNvPr id="7" name="Snip Diagonal Corner Rectangle 6"/>
-          <p:cNvSpPr/>
-          <p:nvPr/>
-        </p:nvSpPr>
-        <p:spPr>
-          <a:xfrm>
-            <a:off x="3505200" y="3048000"/>
-            <a:ext cx="1600200" cy="1524000"/>
-          </a:xfrm>
-          <a:prstGeom prst="snip2DiagRect">
-            <a:avLst/>
-          </a:prstGeom>
-          <a:solidFill>
-            <a:schemeClr val="bg1"/>
-          </a:solidFill>
-          <a:ln>
-            <a:solidFill>
-              <a:schemeClr val="tx1"/>
-            </a:solidFill>
-          </a:ln>
-        </p:spPr>
-        <p:style>
-          <a:lnRef idx="1">
-            <a:schemeClr val="accent1"/>
-          </a:lnRef>
-          <a:fillRef idx="3">
-            <a:schemeClr val="accent1"/>
-          </a:fillRef>
-          <a:effectRef idx="2">
-            <a:schemeClr val="accent1"/>
-          </a:effectRef>
-          <a:fontRef idx="minor">
-            <a:schemeClr val="lt1"/>
-          </a:fontRef>
-        </p:style>
-        <p:txBody>
-          <a:bodyPr rtlCol="0" anchor="ctr"/>
-          <a:lstStyle/>
-          <a:p>
-            <a:pPr algn="ctr"/>
-            <a:r>
-              <a:rPr lang="en-US" dirty="0" smtClean="0">
-                <a:solidFill>
-                  <a:schemeClr val="tx1"/>
-                </a:solidFill>
-              </a:rPr>
-              <a:t>Cages</a:t>
-            </a:r>
-            <a:endParaRPr lang="en-US" dirty="0">
-              <a:solidFill>
-                <a:schemeClr val="tx1"/>
-              </a:solidFill>
-            </a:endParaRPr>
-          </a:p>
-        </p:txBody>
-      </p:sp>
-      <p:sp>
-        <p:nvSpPr>
-          <p:cNvPr id="8" name="Snip Diagonal Corner Rectangle 7"/>
-          <p:cNvSpPr/>
-          <p:nvPr/>
-        </p:nvSpPr>
-        <p:spPr>
-          <a:xfrm>
-            <a:off x="1143000" y="3048000"/>
-            <a:ext cx="1600200" cy="1524000"/>
-          </a:xfrm>
-          <a:prstGeom prst="snip2DiagRect">
-            <a:avLst/>
-          </a:prstGeom>
-          <a:solidFill>
-            <a:schemeClr val="bg1"/>
-          </a:solidFill>
-          <a:ln>
-            <a:solidFill>
-              <a:schemeClr val="tx1"/>
-            </a:solidFill>
-          </a:ln>
-        </p:spPr>
-        <p:style>
-          <a:lnRef idx="1">
-            <a:schemeClr val="accent1"/>
-          </a:lnRef>
-          <a:fillRef idx="3">
-            <a:schemeClr val="accent1"/>
-          </a:fillRef>
-          <a:effectRef idx="2">
-            <a:schemeClr val="accent1"/>
-          </a:effectRef>
-          <a:fontRef idx="minor">
-            <a:schemeClr val="lt1"/>
-          </a:fontRef>
-        </p:style>
-        <p:txBody>
-          <a:bodyPr rtlCol="0" anchor="ctr"/>
-          <a:lstStyle/>
-          <a:p>
-            <a:pPr algn="ctr"/>
-            <a:r>
-              <a:rPr lang="en-US" dirty="0" smtClean="0">
-                <a:solidFill>
-                  <a:schemeClr val="tx1"/>
-                </a:solidFill>
-              </a:rPr>
-              <a:t>Zoo</a:t>
-            </a:r>
-            <a:endParaRPr lang="en-US" dirty="0">
-              <a:solidFill>
-                <a:schemeClr val="tx1"/>
-              </a:solidFill>
-            </a:endParaRPr>
-          </a:p>
-        </p:txBody>
-      </p:sp>
-      <p:sp>
-        <p:nvSpPr>
-          <p:cNvPr id="9" name="Snip Diagonal Corner Rectangle 8"/>
-          <p:cNvSpPr/>
-          <p:nvPr/>
-        </p:nvSpPr>
-        <p:spPr>
-          <a:xfrm>
-            <a:off x="5867400" y="3048000"/>
-            <a:ext cx="1600200" cy="1524000"/>
-          </a:xfrm>
-          <a:prstGeom prst="snip2DiagRect">
-            <a:avLst/>
-          </a:prstGeom>
-          <a:solidFill>
-            <a:schemeClr val="bg1"/>
-          </a:solidFill>
-          <a:ln>
-            <a:solidFill>
-              <a:schemeClr val="tx1"/>
-            </a:solidFill>
-          </a:ln>
-        </p:spPr>
-        <p:style>
-          <a:lnRef idx="1">
-            <a:schemeClr val="accent1"/>
-          </a:lnRef>
-          <a:fillRef idx="3">
-            <a:schemeClr val="accent1"/>
-          </a:fillRef>
-          <a:effectRef idx="2">
-            <a:schemeClr val="accent1"/>
-          </a:effectRef>
-          <a:fontRef idx="minor">
-            <a:schemeClr val="lt1"/>
-          </a:fontRef>
-        </p:style>
-        <p:txBody>
-          <a:bodyPr rtlCol="0" anchor="ctr"/>
-          <a:lstStyle/>
-          <a:p>
-            <a:pPr algn="ctr"/>
-            <a:r>
-              <a:rPr lang="en-US" dirty="0" smtClean="0">
-                <a:solidFill>
-                  <a:schemeClr val="tx1"/>
-                </a:solidFill>
-              </a:rPr>
-              <a:t>Score</a:t>
-            </a:r>
-            <a:endParaRPr lang="en-US" dirty="0">
-              <a:solidFill>
-                <a:schemeClr val="tx1"/>
-              </a:solidFill>
-            </a:endParaRPr>
-          </a:p>
-        </p:txBody>
-      </p:sp>
-      <p:sp>
-        <p:nvSpPr>
-          <p:cNvPr id="10" name="Snip Diagonal Corner Rectangle 9"/>
-          <p:cNvSpPr/>
-          <p:nvPr/>
-        </p:nvSpPr>
-        <p:spPr>
-          <a:xfrm>
-            <a:off x="1219200" y="4724400"/>
-            <a:ext cx="1600200" cy="1524000"/>
-          </a:xfrm>
-          <a:prstGeom prst="snip2DiagRect">
-            <a:avLst/>
-          </a:prstGeom>
-          <a:solidFill>
-            <a:schemeClr val="bg1"/>
-          </a:solidFill>
-          <a:ln>
-            <a:solidFill>
-              <a:schemeClr val="tx1"/>
-            </a:solidFill>
-          </a:ln>
-        </p:spPr>
-        <p:style>
-          <a:lnRef idx="1">
-            <a:schemeClr val="accent1"/>
-          </a:lnRef>
-          <a:fillRef idx="3">
-            <a:schemeClr val="accent1"/>
-          </a:fillRef>
-          <a:effectRef idx="2">
-            <a:schemeClr val="accent1"/>
-          </a:effectRef>
-          <a:fontRef idx="minor">
-            <a:schemeClr val="lt1"/>
-          </a:fontRef>
-        </p:style>
-        <p:txBody>
-          <a:bodyPr rtlCol="0" anchor="ctr"/>
-          <a:lstStyle/>
-          <a:p>
-            <a:pPr algn="ctr"/>
-            <a:r>
-              <a:rPr lang="en-US" dirty="0" err="1" smtClean="0">
-                <a:solidFill>
-                  <a:schemeClr val="tx1"/>
-                </a:solidFill>
-              </a:rPr>
-              <a:t>StartScreen</a:t>
-            </a:r>
-            <a:endParaRPr lang="en-US" dirty="0">
-              <a:solidFill>
-                <a:schemeClr val="tx1"/>
-              </a:solidFill>
-            </a:endParaRPr>
-          </a:p>
-        </p:txBody>
-      </p:sp>
-      <p:sp>
-        <p:nvSpPr>
-          <p:cNvPr id="11" name="Snip Diagonal Corner Rectangle 10"/>
-          <p:cNvSpPr/>
-          <p:nvPr/>
-        </p:nvSpPr>
-        <p:spPr>
-          <a:xfrm>
-            <a:off x="3505200" y="4724400"/>
-            <a:ext cx="1600200" cy="1524000"/>
-          </a:xfrm>
-          <a:prstGeom prst="snip2DiagRect">
-            <a:avLst/>
-          </a:prstGeom>
-          <a:solidFill>
-            <a:schemeClr val="bg1"/>
-          </a:solidFill>
-          <a:ln>
-            <a:solidFill>
-              <a:schemeClr val="tx1"/>
-            </a:solidFill>
-          </a:ln>
-        </p:spPr>
-        <p:style>
-          <a:lnRef idx="1">
-            <a:schemeClr val="accent1"/>
-          </a:lnRef>
-          <a:fillRef idx="3">
-            <a:schemeClr val="accent1"/>
-          </a:fillRef>
-          <a:effectRef idx="2">
-            <a:schemeClr val="accent1"/>
-          </a:effectRef>
-          <a:fontRef idx="minor">
-            <a:schemeClr val="lt1"/>
-          </a:fontRef>
-        </p:style>
-        <p:txBody>
-          <a:bodyPr rtlCol="0" anchor="ctr"/>
-          <a:lstStyle/>
-          <a:p>
-            <a:pPr algn="ctr"/>
-            <a:r>
-              <a:rPr lang="en-US" dirty="0" err="1" smtClean="0">
-                <a:solidFill>
-                  <a:schemeClr val="tx1"/>
-                </a:solidFill>
-              </a:rPr>
-              <a:t>EndScreen</a:t>
-            </a:r>
-            <a:endParaRPr lang="en-US" dirty="0">
-              <a:solidFill>
-                <a:schemeClr val="tx1"/>
-              </a:solidFill>
-            </a:endParaRPr>
-          </a:p>
-        </p:txBody>
-      </p:sp>
-      <p:sp>
-        <p:nvSpPr>
-          <p:cNvPr id="12" name="Snip Diagonal Corner Rectangle 11"/>
-          <p:cNvSpPr/>
-          <p:nvPr/>
-        </p:nvSpPr>
-        <p:spPr>
-          <a:xfrm>
-            <a:off x="5867400" y="4724400"/>
-            <a:ext cx="1600200" cy="1524000"/>
-          </a:xfrm>
-          <a:prstGeom prst="snip2DiagRect">
-            <a:avLst/>
-          </a:prstGeom>
-          <a:solidFill>
-            <a:schemeClr val="bg1"/>
-          </a:solidFill>
-          <a:ln>
-            <a:solidFill>
-              <a:schemeClr val="tx1"/>
-            </a:solidFill>
-          </a:ln>
-        </p:spPr>
-        <p:style>
-          <a:lnRef idx="1">
-            <a:schemeClr val="accent1"/>
-          </a:lnRef>
-          <a:fillRef idx="3">
-            <a:schemeClr val="accent1"/>
-          </a:fillRef>
-          <a:effectRef idx="2">
-            <a:schemeClr val="accent1"/>
-          </a:effectRef>
-          <a:fontRef idx="minor">
-            <a:schemeClr val="lt1"/>
-          </a:fontRef>
-        </p:style>
-        <p:txBody>
-          <a:bodyPr rtlCol="0" anchor="ctr"/>
-          <a:lstStyle/>
-          <a:p>
-            <a:pPr algn="ctr"/>
-            <a:r>
-              <a:rPr lang="en-US" dirty="0" smtClean="0">
-                <a:solidFill>
-                  <a:schemeClr val="tx1"/>
-                </a:solidFill>
-              </a:rPr>
-              <a:t>Game</a:t>
-            </a:r>
-            <a:endParaRPr lang="en-US" dirty="0">
-              <a:solidFill>
-                <a:schemeClr val="tx1"/>
-              </a:solidFill>
-            </a:endParaRPr>
-          </a:p>
-        </p:txBody>
-      </p:sp>
-      <p:sp>
-        <p:nvSpPr>
-          <p:cNvPr id="13" name="TextBox 12"/>
-          <p:cNvSpPr txBox="1"/>
-          <p:nvPr/>
-        </p:nvSpPr>
-        <p:spPr>
-          <a:xfrm>
-            <a:off x="1969623" y="6400800"/>
-            <a:ext cx="4888377" cy="338554"/>
-          </a:xfrm>
-          <a:prstGeom prst="rect">
-            <a:avLst/>
-          </a:prstGeom>
-          <a:noFill/>
-        </p:spPr>
-        <p:txBody>
-          <a:bodyPr wrap="none" rtlCol="0">
-            <a:spAutoFit/>
-          </a:bodyPr>
-          <a:lstStyle/>
-          <a:p>
-            <a:r>
-              <a:rPr lang="en-US" sz="1600" dirty="0" smtClean="0">
-                <a:solidFill>
-                  <a:srgbClr val="FF0000"/>
-                </a:solidFill>
-              </a:rPr>
-              <a:t>Which of these objects need to be INSIDE other objects?</a:t>
-            </a:r>
-            <a:endParaRPr lang="en-US" sz="1600" dirty="0">
-              <a:solidFill>
-                <a:srgbClr val="FF0000"/>
-              </a:solidFill>
-            </a:endParaRPr>
-          </a:p>
-        </p:txBody>
-      </p:sp>
-      <p:sp>
-        <p:nvSpPr>
-          <p:cNvPr id="14" name="Snip Diagonal Corner Rectangle 13"/>
-          <p:cNvSpPr/>
-          <p:nvPr/>
-        </p:nvSpPr>
-        <p:spPr>
-          <a:xfrm>
-            <a:off x="0" y="1143000"/>
-            <a:ext cx="876300" cy="533400"/>
-          </a:xfrm>
-          <a:prstGeom prst="snip2DiagRect">
-            <a:avLst/>
-          </a:prstGeom>
-          <a:solidFill>
-            <a:schemeClr val="bg1"/>
-          </a:solidFill>
-          <a:ln>
-            <a:solidFill>
-              <a:schemeClr val="tx1"/>
-            </a:solidFill>
-          </a:ln>
-        </p:spPr>
-        <p:style>
-          <a:lnRef idx="1">
-            <a:schemeClr val="accent1"/>
-          </a:lnRef>
-          <a:fillRef idx="3">
-            <a:schemeClr val="accent1"/>
-          </a:fillRef>
-          <a:effectRef idx="2">
-            <a:schemeClr val="accent1"/>
-          </a:effectRef>
-          <a:fontRef idx="minor">
-            <a:schemeClr val="lt1"/>
-          </a:fontRef>
-        </p:style>
-        <p:txBody>
-          <a:bodyPr rtlCol="0" anchor="ctr"/>
-          <a:lstStyle/>
-          <a:p>
-            <a:pPr algn="ctr"/>
-            <a:r>
-              <a:rPr lang="en-US" dirty="0" smtClean="0">
-                <a:solidFill>
-                  <a:schemeClr val="tx1"/>
-                </a:solidFill>
-              </a:rPr>
-              <a:t>Lion</a:t>
-            </a:r>
-            <a:endParaRPr lang="en-US" dirty="0">
-              <a:solidFill>
-                <a:schemeClr val="tx1"/>
-              </a:solidFill>
-            </a:endParaRPr>
-          </a:p>
-        </p:txBody>
-      </p:sp>
-      <p:sp>
-        <p:nvSpPr>
-          <p:cNvPr id="15" name="Snip Diagonal Corner Rectangle 14"/>
-          <p:cNvSpPr/>
-          <p:nvPr/>
-        </p:nvSpPr>
-        <p:spPr>
-          <a:xfrm>
-            <a:off x="0" y="1828800"/>
-            <a:ext cx="876300" cy="533400"/>
-          </a:xfrm>
-          <a:prstGeom prst="snip2DiagRect">
-            <a:avLst/>
-          </a:prstGeom>
-          <a:solidFill>
-            <a:schemeClr val="bg1"/>
-          </a:solidFill>
-          <a:ln>
-            <a:solidFill>
-              <a:schemeClr val="tx1"/>
-            </a:solidFill>
-          </a:ln>
-        </p:spPr>
-        <p:style>
-          <a:lnRef idx="1">
-            <a:schemeClr val="accent1"/>
-          </a:lnRef>
-          <a:fillRef idx="3">
-            <a:schemeClr val="accent1"/>
-          </a:fillRef>
-          <a:effectRef idx="2">
-            <a:schemeClr val="accent1"/>
-          </a:effectRef>
-          <a:fontRef idx="minor">
-            <a:schemeClr val="lt1"/>
-          </a:fontRef>
-        </p:style>
-        <p:txBody>
-          <a:bodyPr rtlCol="0" anchor="ctr"/>
-          <a:lstStyle/>
-          <a:p>
-            <a:pPr algn="ctr"/>
-            <a:r>
-              <a:rPr lang="en-US" dirty="0" smtClean="0">
-                <a:solidFill>
-                  <a:schemeClr val="tx1"/>
-                </a:solidFill>
-              </a:rPr>
-              <a:t>Tiger</a:t>
-            </a:r>
-            <a:endParaRPr lang="en-US" dirty="0">
-              <a:solidFill>
-                <a:schemeClr val="tx1"/>
-              </a:solidFill>
-            </a:endParaRPr>
-          </a:p>
-        </p:txBody>
-      </p:sp>
-      <p:sp>
-        <p:nvSpPr>
-          <p:cNvPr id="16" name="Snip Diagonal Corner Rectangle 15"/>
-          <p:cNvSpPr/>
-          <p:nvPr/>
-        </p:nvSpPr>
-        <p:spPr>
-          <a:xfrm>
-            <a:off x="0" y="2514600"/>
-            <a:ext cx="876300" cy="533400"/>
-          </a:xfrm>
-          <a:prstGeom prst="snip2DiagRect">
-            <a:avLst/>
-          </a:prstGeom>
-          <a:solidFill>
-            <a:schemeClr val="bg1"/>
-          </a:solidFill>
-          <a:ln>
-            <a:solidFill>
-              <a:schemeClr val="tx1"/>
-            </a:solidFill>
-          </a:ln>
-        </p:spPr>
-        <p:style>
-          <a:lnRef idx="1">
-            <a:schemeClr val="accent1"/>
-          </a:lnRef>
-          <a:fillRef idx="3">
-            <a:schemeClr val="accent1"/>
-          </a:fillRef>
-          <a:effectRef idx="2">
-            <a:schemeClr val="accent1"/>
-          </a:effectRef>
-          <a:fontRef idx="minor">
-            <a:schemeClr val="lt1"/>
-          </a:fontRef>
-        </p:style>
-        <p:txBody>
-          <a:bodyPr rtlCol="0" anchor="ctr"/>
-          <a:lstStyle/>
-          <a:p>
-            <a:pPr algn="ctr"/>
-            <a:r>
-              <a:rPr lang="en-US" dirty="0" smtClean="0">
-                <a:solidFill>
-                  <a:schemeClr val="tx1"/>
-                </a:solidFill>
-              </a:rPr>
-              <a:t>Bear</a:t>
-            </a:r>
-            <a:endParaRPr lang="en-US" dirty="0">
-              <a:solidFill>
-                <a:schemeClr val="tx1"/>
-              </a:solidFill>
-            </a:endParaRPr>
+          <p:cNvPr id="3" name="Content Placeholder 2"/>
+          <p:cNvSpPr>
+            <a:spLocks noGrp="1"/>
+          </p:cNvSpPr>
+          <p:nvPr>
+            <p:ph idx="1"/>
+          </p:nvPr>
+        </p:nvSpPr>
+        <p:spPr/>
+        <p:txBody>
+          <a:bodyPr/>
+          <a:lstStyle/>
+          <a:p>
+            <a:r>
+              <a:rPr lang="en-US" dirty="0" smtClean="0"/>
+              <a:t>Use the consensus diagram as a starting point</a:t>
+            </a:r>
+          </a:p>
+          <a:p>
+            <a:r>
+              <a:rPr lang="en-US" dirty="0" smtClean="0"/>
+              <a:t>As you code in Week 06 – 11, list the JS objects involved in each scene</a:t>
+            </a:r>
+          </a:p>
+          <a:p>
+            <a:r>
+              <a:rPr lang="en-US" dirty="0" smtClean="0"/>
+              <a:t>You can do this by hand, or electronically</a:t>
+            </a:r>
+          </a:p>
+          <a:p>
+            <a:r>
+              <a:rPr lang="en-US" dirty="0" smtClean="0"/>
+              <a:t>You may need to “break out” scenes in greater detail</a:t>
+            </a:r>
+          </a:p>
+          <a:p>
+            <a:r>
+              <a:rPr lang="en-US" dirty="0" smtClean="0"/>
+              <a:t>This will provide documentation for your project</a:t>
+            </a:r>
+            <a:endParaRPr lang="en-US" dirty="0"/>
           </a:p>
         </p:txBody>
       </p:sp>
     </p:spTree>
     <p:extLst>
       <p:ext uri="{BB962C8B-B14F-4D97-AF65-F5344CB8AC3E}">
-        <p14:creationId xmlns:p14="http://schemas.microsoft.com/office/powerpoint/2010/main" val="3548558861"/>
+        <p14:creationId xmlns:p14="http://schemas.microsoft.com/office/powerpoint/2010/main" val="2481173857"/>
       </p:ext>
     </p:extLst>
   </p:cSld>
@@ -9772,7 +9240,7 @@
           <a:p>
             <a:r>
               <a:rPr lang="en-US" dirty="0" smtClean="0"/>
-              <a:t>Animal - Inheritance</a:t>
+              <a:t>Base Objects - Compositing</a:t>
             </a:r>
             <a:endParaRPr lang="en-US" dirty="0"/>
           </a:p>
@@ -9786,7 +9254,7 @@
         </p:nvSpPr>
         <p:spPr>
           <a:xfrm>
-            <a:off x="4495800" y="2743200"/>
+            <a:off x="1143000" y="1371600"/>
             <a:ext cx="1600200" cy="1524000"/>
           </a:xfrm>
           <a:prstGeom prst="snip2DiagRect">
@@ -9838,16 +9306,16 @@
       </p:sp>
       <p:sp>
         <p:nvSpPr>
-          <p:cNvPr id="5" name="Right Arrow 4"/>
+          <p:cNvPr id="5" name="Snip Diagonal Corner Rectangle 4"/>
           <p:cNvSpPr/>
           <p:nvPr/>
         </p:nvSpPr>
         <p:spPr>
           <a:xfrm>
-            <a:off x="3276600" y="3276600"/>
-            <a:ext cx="1143000" cy="457200"/>
-          </a:xfrm>
-          <a:prstGeom prst="rightArrow">
+            <a:off x="3505200" y="1371600"/>
+            <a:ext cx="1600200" cy="1524000"/>
+          </a:xfrm>
+          <a:prstGeom prst="snip2DiagRect">
             <a:avLst/>
           </a:prstGeom>
           <a:solidFill>
@@ -9878,22 +9346,34 @@
           <a:lstStyle/>
           <a:p>
             <a:pPr algn="ctr"/>
-            <a:endParaRPr lang="en-US"/>
-          </a:p>
-        </p:txBody>
-      </p:sp>
-      <p:sp>
-        <p:nvSpPr>
-          <p:cNvPr id="6" name="Right Arrow 5"/>
+            <a:r>
+              <a:rPr lang="en-US" dirty="0" smtClean="0">
+                <a:solidFill>
+                  <a:schemeClr val="tx1"/>
+                </a:solidFill>
+              </a:rPr>
+              <a:t>Player</a:t>
+            </a:r>
+            <a:endParaRPr lang="en-US" dirty="0">
+              <a:solidFill>
+                <a:schemeClr val="tx1"/>
+              </a:solidFill>
+            </a:endParaRPr>
+          </a:p>
+        </p:txBody>
+      </p:sp>
+      <p:sp>
+        <p:nvSpPr>
+          <p:cNvPr id="6" name="Snip Diagonal Corner Rectangle 5"/>
           <p:cNvSpPr/>
           <p:nvPr/>
         </p:nvSpPr>
         <p:spPr>
-          <a:xfrm rot="20029920">
-            <a:off x="6214438" y="2667003"/>
-            <a:ext cx="1143000" cy="457200"/>
-          </a:xfrm>
-          <a:prstGeom prst="rightArrow">
+          <a:xfrm>
+            <a:off x="5867400" y="1371600"/>
+            <a:ext cx="1600200" cy="1524000"/>
+          </a:xfrm>
+          <a:prstGeom prst="snip2DiagRect">
             <a:avLst/>
           </a:prstGeom>
           <a:solidFill>
@@ -9924,22 +9404,34 @@
           <a:lstStyle/>
           <a:p>
             <a:pPr algn="ctr"/>
-            <a:endParaRPr lang="en-US"/>
-          </a:p>
-        </p:txBody>
-      </p:sp>
-      <p:sp>
-        <p:nvSpPr>
-          <p:cNvPr id="8" name="Right Arrow 7"/>
+            <a:r>
+              <a:rPr lang="en-US" dirty="0" smtClean="0">
+                <a:solidFill>
+                  <a:schemeClr val="tx1"/>
+                </a:solidFill>
+              </a:rPr>
+              <a:t>Trump</a:t>
+            </a:r>
+            <a:endParaRPr lang="en-US" dirty="0">
+              <a:solidFill>
+                <a:schemeClr val="tx1"/>
+              </a:solidFill>
+            </a:endParaRPr>
+          </a:p>
+        </p:txBody>
+      </p:sp>
+      <p:sp>
+        <p:nvSpPr>
+          <p:cNvPr id="7" name="Snip Diagonal Corner Rectangle 6"/>
           <p:cNvSpPr/>
           <p:nvPr/>
         </p:nvSpPr>
         <p:spPr>
           <a:xfrm>
-            <a:off x="1524000" y="3276600"/>
-            <a:ext cx="1143000" cy="457200"/>
-          </a:xfrm>
-          <a:prstGeom prst="rightArrow">
+            <a:off x="3505200" y="3048000"/>
+            <a:ext cx="1600200" cy="1524000"/>
+          </a:xfrm>
+          <a:prstGeom prst="snip2DiagRect">
             <a:avLst/>
           </a:prstGeom>
           <a:solidFill>
@@ -9970,82 +9462,34 @@
           <a:lstStyle/>
           <a:p>
             <a:pPr algn="ctr"/>
-            <a:endParaRPr lang="en-US"/>
-          </a:p>
-        </p:txBody>
-      </p:sp>
-      <p:sp>
-        <p:nvSpPr>
-          <p:cNvPr id="9" name="TextBox 8"/>
-          <p:cNvSpPr txBox="1"/>
-          <p:nvPr/>
-        </p:nvSpPr>
-        <p:spPr>
-          <a:xfrm>
-            <a:off x="2743200" y="3039070"/>
-            <a:ext cx="505555" cy="923330"/>
-          </a:xfrm>
-          <a:prstGeom prst="rect">
-            <a:avLst/>
-          </a:prstGeom>
-          <a:noFill/>
-        </p:spPr>
-        <p:txBody>
-          <a:bodyPr wrap="none" rtlCol="0">
-            <a:spAutoFit/>
-          </a:bodyPr>
-          <a:lstStyle/>
-          <a:p>
-            <a:r>
-              <a:rPr lang="en-US" sz="5400" dirty="0" smtClean="0"/>
-              <a:t>?</a:t>
-            </a:r>
-            <a:endParaRPr lang="en-US" sz="5400" dirty="0"/>
-          </a:p>
-        </p:txBody>
-      </p:sp>
-      <p:sp>
-        <p:nvSpPr>
-          <p:cNvPr id="10" name="TextBox 9"/>
-          <p:cNvSpPr txBox="1"/>
-          <p:nvPr/>
-        </p:nvSpPr>
-        <p:spPr>
-          <a:xfrm>
-            <a:off x="914400" y="3039070"/>
-            <a:ext cx="505555" cy="923330"/>
-          </a:xfrm>
-          <a:prstGeom prst="rect">
-            <a:avLst/>
-          </a:prstGeom>
-          <a:noFill/>
-        </p:spPr>
-        <p:txBody>
-          <a:bodyPr wrap="none" rtlCol="0">
-            <a:spAutoFit/>
-          </a:bodyPr>
-          <a:lstStyle/>
-          <a:p>
-            <a:r>
-              <a:rPr lang="en-US" sz="5400" dirty="0" smtClean="0"/>
-              <a:t>?</a:t>
-            </a:r>
-            <a:endParaRPr lang="en-US" sz="5400" dirty="0"/>
-          </a:p>
-        </p:txBody>
-      </p:sp>
-      <p:sp>
-        <p:nvSpPr>
-          <p:cNvPr id="11" name="Right Arrow 10"/>
+            <a:r>
+              <a:rPr lang="en-US" dirty="0" smtClean="0">
+                <a:solidFill>
+                  <a:schemeClr val="tx1"/>
+                </a:solidFill>
+              </a:rPr>
+              <a:t>Cages</a:t>
+            </a:r>
+            <a:endParaRPr lang="en-US" dirty="0">
+              <a:solidFill>
+                <a:schemeClr val="tx1"/>
+              </a:solidFill>
+            </a:endParaRPr>
+          </a:p>
+        </p:txBody>
+      </p:sp>
+      <p:sp>
+        <p:nvSpPr>
+          <p:cNvPr id="8" name="Snip Diagonal Corner Rectangle 7"/>
           <p:cNvSpPr/>
           <p:nvPr/>
         </p:nvSpPr>
         <p:spPr>
-          <a:xfrm rot="1141928">
-            <a:off x="6291705" y="3907669"/>
-            <a:ext cx="1143000" cy="457200"/>
-          </a:xfrm>
-          <a:prstGeom prst="rightArrow">
+          <a:xfrm>
+            <a:off x="1143000" y="3048000"/>
+            <a:ext cx="1600200" cy="1524000"/>
+          </a:xfrm>
+          <a:prstGeom prst="snip2DiagRect">
             <a:avLst/>
           </a:prstGeom>
           <a:solidFill>
@@ -10076,22 +9520,34 @@
           <a:lstStyle/>
           <a:p>
             <a:pPr algn="ctr"/>
-            <a:endParaRPr lang="en-US"/>
-          </a:p>
-        </p:txBody>
-      </p:sp>
-      <p:sp>
-        <p:nvSpPr>
-          <p:cNvPr id="12" name="Right Arrow 11"/>
+            <a:r>
+              <a:rPr lang="en-US" dirty="0" smtClean="0">
+                <a:solidFill>
+                  <a:schemeClr val="tx1"/>
+                </a:solidFill>
+              </a:rPr>
+              <a:t>Zoo</a:t>
+            </a:r>
+            <a:endParaRPr lang="en-US" dirty="0">
+              <a:solidFill>
+                <a:schemeClr val="tx1"/>
+              </a:solidFill>
+            </a:endParaRPr>
+          </a:p>
+        </p:txBody>
+      </p:sp>
+      <p:sp>
+        <p:nvSpPr>
+          <p:cNvPr id="9" name="Snip Diagonal Corner Rectangle 8"/>
           <p:cNvSpPr/>
           <p:nvPr/>
         </p:nvSpPr>
         <p:spPr>
           <a:xfrm>
-            <a:off x="6400800" y="3276600"/>
-            <a:ext cx="1143000" cy="457200"/>
-          </a:xfrm>
-          <a:prstGeom prst="rightArrow">
+            <a:off x="5867400" y="3048000"/>
+            <a:ext cx="1600200" cy="1524000"/>
+          </a:xfrm>
+          <a:prstGeom prst="snip2DiagRect">
             <a:avLst/>
           </a:prstGeom>
           <a:solidFill>
@@ -10122,19 +9578,243 @@
           <a:lstStyle/>
           <a:p>
             <a:pPr algn="ctr"/>
-            <a:endParaRPr lang="en-US"/>
-          </a:p>
-        </p:txBody>
-      </p:sp>
-      <p:sp>
-        <p:nvSpPr>
-          <p:cNvPr id="13" name="Snip Diagonal Corner Rectangle 12"/>
+            <a:r>
+              <a:rPr lang="en-US" dirty="0" smtClean="0">
+                <a:solidFill>
+                  <a:schemeClr val="tx1"/>
+                </a:solidFill>
+              </a:rPr>
+              <a:t>Score</a:t>
+            </a:r>
+            <a:endParaRPr lang="en-US" dirty="0">
+              <a:solidFill>
+                <a:schemeClr val="tx1"/>
+              </a:solidFill>
+            </a:endParaRPr>
+          </a:p>
+        </p:txBody>
+      </p:sp>
+      <p:sp>
+        <p:nvSpPr>
+          <p:cNvPr id="10" name="Snip Diagonal Corner Rectangle 9"/>
           <p:cNvSpPr/>
           <p:nvPr/>
         </p:nvSpPr>
         <p:spPr>
           <a:xfrm>
-            <a:off x="7391400" y="2133600"/>
+            <a:off x="1219200" y="4724400"/>
+            <a:ext cx="1600200" cy="1524000"/>
+          </a:xfrm>
+          <a:prstGeom prst="snip2DiagRect">
+            <a:avLst/>
+          </a:prstGeom>
+          <a:solidFill>
+            <a:schemeClr val="bg1"/>
+          </a:solidFill>
+          <a:ln>
+            <a:solidFill>
+              <a:schemeClr val="tx1"/>
+            </a:solidFill>
+          </a:ln>
+        </p:spPr>
+        <p:style>
+          <a:lnRef idx="1">
+            <a:schemeClr val="accent1"/>
+          </a:lnRef>
+          <a:fillRef idx="3">
+            <a:schemeClr val="accent1"/>
+          </a:fillRef>
+          <a:effectRef idx="2">
+            <a:schemeClr val="accent1"/>
+          </a:effectRef>
+          <a:fontRef idx="minor">
+            <a:schemeClr val="lt1"/>
+          </a:fontRef>
+        </p:style>
+        <p:txBody>
+          <a:bodyPr rtlCol="0" anchor="ctr"/>
+          <a:lstStyle/>
+          <a:p>
+            <a:pPr algn="ctr"/>
+            <a:r>
+              <a:rPr lang="en-US" dirty="0" err="1" smtClean="0">
+                <a:solidFill>
+                  <a:schemeClr val="tx1"/>
+                </a:solidFill>
+              </a:rPr>
+              <a:t>StartScreen</a:t>
+            </a:r>
+            <a:endParaRPr lang="en-US" dirty="0">
+              <a:solidFill>
+                <a:schemeClr val="tx1"/>
+              </a:solidFill>
+            </a:endParaRPr>
+          </a:p>
+        </p:txBody>
+      </p:sp>
+      <p:sp>
+        <p:nvSpPr>
+          <p:cNvPr id="11" name="Snip Diagonal Corner Rectangle 10"/>
+          <p:cNvSpPr/>
+          <p:nvPr/>
+        </p:nvSpPr>
+        <p:spPr>
+          <a:xfrm>
+            <a:off x="3505200" y="4724400"/>
+            <a:ext cx="1600200" cy="1524000"/>
+          </a:xfrm>
+          <a:prstGeom prst="snip2DiagRect">
+            <a:avLst/>
+          </a:prstGeom>
+          <a:solidFill>
+            <a:schemeClr val="bg1"/>
+          </a:solidFill>
+          <a:ln>
+            <a:solidFill>
+              <a:schemeClr val="tx1"/>
+            </a:solidFill>
+          </a:ln>
+        </p:spPr>
+        <p:style>
+          <a:lnRef idx="1">
+            <a:schemeClr val="accent1"/>
+          </a:lnRef>
+          <a:fillRef idx="3">
+            <a:schemeClr val="accent1"/>
+          </a:fillRef>
+          <a:effectRef idx="2">
+            <a:schemeClr val="accent1"/>
+          </a:effectRef>
+          <a:fontRef idx="minor">
+            <a:schemeClr val="lt1"/>
+          </a:fontRef>
+        </p:style>
+        <p:txBody>
+          <a:bodyPr rtlCol="0" anchor="ctr"/>
+          <a:lstStyle/>
+          <a:p>
+            <a:pPr algn="ctr"/>
+            <a:r>
+              <a:rPr lang="en-US" dirty="0" err="1" smtClean="0">
+                <a:solidFill>
+                  <a:schemeClr val="tx1"/>
+                </a:solidFill>
+              </a:rPr>
+              <a:t>EndScreen</a:t>
+            </a:r>
+            <a:endParaRPr lang="en-US" dirty="0">
+              <a:solidFill>
+                <a:schemeClr val="tx1"/>
+              </a:solidFill>
+            </a:endParaRPr>
+          </a:p>
+        </p:txBody>
+      </p:sp>
+      <p:sp>
+        <p:nvSpPr>
+          <p:cNvPr id="12" name="Snip Diagonal Corner Rectangle 11"/>
+          <p:cNvSpPr/>
+          <p:nvPr/>
+        </p:nvSpPr>
+        <p:spPr>
+          <a:xfrm>
+            <a:off x="5867400" y="4724400"/>
+            <a:ext cx="1600200" cy="1524000"/>
+          </a:xfrm>
+          <a:prstGeom prst="snip2DiagRect">
+            <a:avLst/>
+          </a:prstGeom>
+          <a:solidFill>
+            <a:schemeClr val="bg1"/>
+          </a:solidFill>
+          <a:ln>
+            <a:solidFill>
+              <a:schemeClr val="tx1"/>
+            </a:solidFill>
+          </a:ln>
+        </p:spPr>
+        <p:style>
+          <a:lnRef idx="1">
+            <a:schemeClr val="accent1"/>
+          </a:lnRef>
+          <a:fillRef idx="3">
+            <a:schemeClr val="accent1"/>
+          </a:fillRef>
+          <a:effectRef idx="2">
+            <a:schemeClr val="accent1"/>
+          </a:effectRef>
+          <a:fontRef idx="minor">
+            <a:schemeClr val="lt1"/>
+          </a:fontRef>
+        </p:style>
+        <p:txBody>
+          <a:bodyPr rtlCol="0" anchor="ctr"/>
+          <a:lstStyle/>
+          <a:p>
+            <a:pPr algn="ctr"/>
+            <a:r>
+              <a:rPr lang="en-US" dirty="0" smtClean="0">
+                <a:solidFill>
+                  <a:schemeClr val="tx1"/>
+                </a:solidFill>
+              </a:rPr>
+              <a:t>Game</a:t>
+            </a:r>
+            <a:endParaRPr lang="en-US" dirty="0">
+              <a:solidFill>
+                <a:schemeClr val="tx1"/>
+              </a:solidFill>
+            </a:endParaRPr>
+          </a:p>
+        </p:txBody>
+      </p:sp>
+      <p:sp>
+        <p:nvSpPr>
+          <p:cNvPr id="13" name="TextBox 12"/>
+          <p:cNvSpPr txBox="1"/>
+          <p:nvPr/>
+        </p:nvSpPr>
+        <p:spPr>
+          <a:xfrm>
+            <a:off x="1969623" y="6400800"/>
+            <a:ext cx="4888377" cy="338554"/>
+          </a:xfrm>
+          <a:prstGeom prst="rect">
+            <a:avLst/>
+          </a:prstGeom>
+          <a:noFill/>
+        </p:spPr>
+        <p:txBody>
+          <a:bodyPr wrap="none" rtlCol="0">
+            <a:spAutoFit/>
+          </a:bodyPr>
+          <a:lstStyle/>
+          <a:p>
+            <a:r>
+              <a:rPr lang="en-US" sz="1600" dirty="0" smtClean="0">
+                <a:solidFill>
+                  <a:srgbClr val="FF0000"/>
+                </a:solidFill>
+              </a:rPr>
+              <a:t>Which of these objects need to be INSIDE other objects?</a:t>
+            </a:r>
+            <a:endParaRPr lang="en-US" sz="1600" dirty="0">
+              <a:solidFill>
+                <a:srgbClr val="FF0000"/>
+              </a:solidFill>
+            </a:endParaRPr>
+          </a:p>
+        </p:txBody>
+      </p:sp>
+      <p:sp>
+        <p:nvSpPr>
+          <p:cNvPr id="14" name="Snip Diagonal Corner Rectangle 13"/>
+          <p:cNvSpPr/>
+          <p:nvPr/>
+        </p:nvSpPr>
+        <p:spPr>
+          <a:xfrm>
+            <a:off x="0" y="1143000"/>
             <a:ext cx="876300" cy="533400"/>
           </a:xfrm>
           <a:prstGeom prst="snip2DiagRect">
@@ -10186,13 +9866,13 @@
       </p:sp>
       <p:sp>
         <p:nvSpPr>
-          <p:cNvPr id="14" name="Snip Diagonal Corner Rectangle 13"/>
+          <p:cNvPr id="15" name="Snip Diagonal Corner Rectangle 14"/>
           <p:cNvSpPr/>
           <p:nvPr/>
         </p:nvSpPr>
         <p:spPr>
           <a:xfrm>
-            <a:off x="7620000" y="3276600"/>
+            <a:off x="0" y="1828800"/>
             <a:ext cx="876300" cy="533400"/>
           </a:xfrm>
           <a:prstGeom prst="snip2DiagRect">
@@ -10244,13 +9924,13 @@
       </p:sp>
       <p:sp>
         <p:nvSpPr>
-          <p:cNvPr id="15" name="Snip Diagonal Corner Rectangle 14"/>
+          <p:cNvPr id="16" name="Snip Diagonal Corner Rectangle 15"/>
           <p:cNvSpPr/>
           <p:nvPr/>
         </p:nvSpPr>
         <p:spPr>
           <a:xfrm>
-            <a:off x="7467600" y="4343400"/>
+            <a:off x="0" y="2514600"/>
             <a:ext cx="876300" cy="533400"/>
           </a:xfrm>
           <a:prstGeom prst="snip2DiagRect">
@@ -10300,48 +9980,10 @@
           </a:p>
         </p:txBody>
       </p:sp>
-      <p:sp>
-        <p:nvSpPr>
-          <p:cNvPr id="16" name="TextBox 15"/>
-          <p:cNvSpPr txBox="1"/>
-          <p:nvPr/>
-        </p:nvSpPr>
-        <p:spPr>
-          <a:xfrm>
-            <a:off x="762000" y="4876800"/>
-            <a:ext cx="4539624" cy="338554"/>
-          </a:xfrm>
-          <a:prstGeom prst="rect">
-            <a:avLst/>
-          </a:prstGeom>
-          <a:noFill/>
-        </p:spPr>
-        <p:txBody>
-          <a:bodyPr wrap="none" rtlCol="0">
-            <a:spAutoFit/>
-          </a:bodyPr>
-          <a:lstStyle/>
-          <a:p>
-            <a:r>
-              <a:rPr lang="en-US" sz="1600" dirty="0" smtClean="0">
-                <a:solidFill>
-                  <a:srgbClr val="FF0000"/>
-                </a:solidFill>
-              </a:rPr>
-              <a:t>What more general objects do I build a “Lion” from?</a:t>
-            </a:r>
-            <a:endParaRPr lang="en-US" sz="1600" dirty="0">
-              <a:solidFill>
-                <a:srgbClr val="FF0000"/>
-              </a:solidFill>
-            </a:endParaRPr>
-          </a:p>
-        </p:txBody>
-      </p:sp>
     </p:spTree>
     <p:extLst>
       <p:ext uri="{BB962C8B-B14F-4D97-AF65-F5344CB8AC3E}">
-        <p14:creationId xmlns:p14="http://schemas.microsoft.com/office/powerpoint/2010/main" val="1201213962"/>
+        <p14:creationId xmlns:p14="http://schemas.microsoft.com/office/powerpoint/2010/main" val="3548558861"/>
       </p:ext>
     </p:extLst>
   </p:cSld>
@@ -10487,7 +10129,7 @@
           <a:p>
             <a:r>
               <a:rPr lang="en-US" dirty="0" smtClean="0"/>
-              <a:t>Player - Inheritance</a:t>
+              <a:t>Animal - Inheritance</a:t>
             </a:r>
             <a:endParaRPr lang="en-US" dirty="0"/>
           </a:p>
@@ -10501,7 +10143,7 @@
         </p:nvSpPr>
         <p:spPr>
           <a:xfrm>
-            <a:off x="6477000" y="2743200"/>
+            <a:off x="4495800" y="2743200"/>
             <a:ext cx="1600200" cy="1524000"/>
           </a:xfrm>
           <a:prstGeom prst="snip2DiagRect">
@@ -10541,7 +10183,7 @@
                   <a:schemeClr val="tx1"/>
                 </a:solidFill>
               </a:rPr>
-              <a:t>Player</a:t>
+              <a:t>Animal</a:t>
             </a:r>
             <a:endParaRPr lang="en-US" dirty="0">
               <a:solidFill>
@@ -10559,7 +10201,7 @@
         </p:nvSpPr>
         <p:spPr>
           <a:xfrm>
-            <a:off x="5105400" y="3276600"/>
+            <a:off x="3276600" y="3276600"/>
             <a:ext cx="1143000" cy="457200"/>
           </a:xfrm>
           <a:prstGeom prst="rightArrow">
@@ -10604,8 +10246,8 @@
           <p:nvPr/>
         </p:nvSpPr>
         <p:spPr>
-          <a:xfrm>
-            <a:off x="3352800" y="3276600"/>
+          <a:xfrm rot="20029920">
+            <a:off x="6214438" y="2667003"/>
             <a:ext cx="1143000" cy="457200"/>
           </a:xfrm>
           <a:prstGeom prst="rightArrow">
@@ -10645,43 +10287,13 @@
       </p:sp>
       <p:sp>
         <p:nvSpPr>
-          <p:cNvPr id="7" name="TextBox 6"/>
-          <p:cNvSpPr txBox="1"/>
-          <p:nvPr/>
-        </p:nvSpPr>
-        <p:spPr>
-          <a:xfrm>
-            <a:off x="4495800" y="3048000"/>
-            <a:ext cx="505555" cy="923330"/>
-          </a:xfrm>
-          <a:prstGeom prst="rect">
-            <a:avLst/>
-          </a:prstGeom>
-          <a:noFill/>
-        </p:spPr>
-        <p:txBody>
-          <a:bodyPr wrap="none" rtlCol="0">
-            <a:spAutoFit/>
-          </a:bodyPr>
-          <a:lstStyle/>
-          <a:p>
-            <a:r>
-              <a:rPr lang="en-US" sz="5400" dirty="0" smtClean="0"/>
-              <a:t>?</a:t>
-            </a:r>
-            <a:endParaRPr lang="en-US" sz="5400" dirty="0"/>
-          </a:p>
-        </p:txBody>
-      </p:sp>
-      <p:sp>
-        <p:nvSpPr>
           <p:cNvPr id="8" name="Right Arrow 7"/>
           <p:cNvSpPr/>
           <p:nvPr/>
         </p:nvSpPr>
         <p:spPr>
           <a:xfrm>
-            <a:off x="1600200" y="3276600"/>
+            <a:off x="1524000" y="3276600"/>
             <a:ext cx="1143000" cy="457200"/>
           </a:xfrm>
           <a:prstGeom prst="rightArrow">
@@ -10727,7 +10339,7 @@
         </p:nvSpPr>
         <p:spPr>
           <a:xfrm>
-            <a:off x="2819400" y="3039070"/>
+            <a:off x="2743200" y="3039070"/>
             <a:ext cx="505555" cy="923330"/>
           </a:xfrm>
           <a:prstGeom prst="rect">
@@ -10779,10 +10391,314 @@
           </a:p>
         </p:txBody>
       </p:sp>
+      <p:sp>
+        <p:nvSpPr>
+          <p:cNvPr id="11" name="Right Arrow 10"/>
+          <p:cNvSpPr/>
+          <p:nvPr/>
+        </p:nvSpPr>
+        <p:spPr>
+          <a:xfrm rot="1141928">
+            <a:off x="6291705" y="3907669"/>
+            <a:ext cx="1143000" cy="457200"/>
+          </a:xfrm>
+          <a:prstGeom prst="rightArrow">
+            <a:avLst/>
+          </a:prstGeom>
+          <a:solidFill>
+            <a:schemeClr val="bg1"/>
+          </a:solidFill>
+          <a:ln>
+            <a:solidFill>
+              <a:schemeClr val="tx1"/>
+            </a:solidFill>
+          </a:ln>
+        </p:spPr>
+        <p:style>
+          <a:lnRef idx="1">
+            <a:schemeClr val="accent1"/>
+          </a:lnRef>
+          <a:fillRef idx="3">
+            <a:schemeClr val="accent1"/>
+          </a:fillRef>
+          <a:effectRef idx="2">
+            <a:schemeClr val="accent1"/>
+          </a:effectRef>
+          <a:fontRef idx="minor">
+            <a:schemeClr val="lt1"/>
+          </a:fontRef>
+        </p:style>
+        <p:txBody>
+          <a:bodyPr rtlCol="0" anchor="ctr"/>
+          <a:lstStyle/>
+          <a:p>
+            <a:pPr algn="ctr"/>
+            <a:endParaRPr lang="en-US"/>
+          </a:p>
+        </p:txBody>
+      </p:sp>
+      <p:sp>
+        <p:nvSpPr>
+          <p:cNvPr id="12" name="Right Arrow 11"/>
+          <p:cNvSpPr/>
+          <p:nvPr/>
+        </p:nvSpPr>
+        <p:spPr>
+          <a:xfrm>
+            <a:off x="6400800" y="3276600"/>
+            <a:ext cx="1143000" cy="457200"/>
+          </a:xfrm>
+          <a:prstGeom prst="rightArrow">
+            <a:avLst/>
+          </a:prstGeom>
+          <a:solidFill>
+            <a:schemeClr val="bg1"/>
+          </a:solidFill>
+          <a:ln>
+            <a:solidFill>
+              <a:schemeClr val="tx1"/>
+            </a:solidFill>
+          </a:ln>
+        </p:spPr>
+        <p:style>
+          <a:lnRef idx="1">
+            <a:schemeClr val="accent1"/>
+          </a:lnRef>
+          <a:fillRef idx="3">
+            <a:schemeClr val="accent1"/>
+          </a:fillRef>
+          <a:effectRef idx="2">
+            <a:schemeClr val="accent1"/>
+          </a:effectRef>
+          <a:fontRef idx="minor">
+            <a:schemeClr val="lt1"/>
+          </a:fontRef>
+        </p:style>
+        <p:txBody>
+          <a:bodyPr rtlCol="0" anchor="ctr"/>
+          <a:lstStyle/>
+          <a:p>
+            <a:pPr algn="ctr"/>
+            <a:endParaRPr lang="en-US"/>
+          </a:p>
+        </p:txBody>
+      </p:sp>
+      <p:sp>
+        <p:nvSpPr>
+          <p:cNvPr id="13" name="Snip Diagonal Corner Rectangle 12"/>
+          <p:cNvSpPr/>
+          <p:nvPr/>
+        </p:nvSpPr>
+        <p:spPr>
+          <a:xfrm>
+            <a:off x="7391400" y="2133600"/>
+            <a:ext cx="876300" cy="533400"/>
+          </a:xfrm>
+          <a:prstGeom prst="snip2DiagRect">
+            <a:avLst/>
+          </a:prstGeom>
+          <a:solidFill>
+            <a:schemeClr val="bg1"/>
+          </a:solidFill>
+          <a:ln>
+            <a:solidFill>
+              <a:schemeClr val="tx1"/>
+            </a:solidFill>
+          </a:ln>
+        </p:spPr>
+        <p:style>
+          <a:lnRef idx="1">
+            <a:schemeClr val="accent1"/>
+          </a:lnRef>
+          <a:fillRef idx="3">
+            <a:schemeClr val="accent1"/>
+          </a:fillRef>
+          <a:effectRef idx="2">
+            <a:schemeClr val="accent1"/>
+          </a:effectRef>
+          <a:fontRef idx="minor">
+            <a:schemeClr val="lt1"/>
+          </a:fontRef>
+        </p:style>
+        <p:txBody>
+          <a:bodyPr rtlCol="0" anchor="ctr"/>
+          <a:lstStyle/>
+          <a:p>
+            <a:pPr algn="ctr"/>
+            <a:r>
+              <a:rPr lang="en-US" dirty="0" smtClean="0">
+                <a:solidFill>
+                  <a:schemeClr val="tx1"/>
+                </a:solidFill>
+              </a:rPr>
+              <a:t>Lion</a:t>
+            </a:r>
+            <a:endParaRPr lang="en-US" dirty="0">
+              <a:solidFill>
+                <a:schemeClr val="tx1"/>
+              </a:solidFill>
+            </a:endParaRPr>
+          </a:p>
+        </p:txBody>
+      </p:sp>
+      <p:sp>
+        <p:nvSpPr>
+          <p:cNvPr id="14" name="Snip Diagonal Corner Rectangle 13"/>
+          <p:cNvSpPr/>
+          <p:nvPr/>
+        </p:nvSpPr>
+        <p:spPr>
+          <a:xfrm>
+            <a:off x="7620000" y="3276600"/>
+            <a:ext cx="876300" cy="533400"/>
+          </a:xfrm>
+          <a:prstGeom prst="snip2DiagRect">
+            <a:avLst/>
+          </a:prstGeom>
+          <a:solidFill>
+            <a:schemeClr val="bg1"/>
+          </a:solidFill>
+          <a:ln>
+            <a:solidFill>
+              <a:schemeClr val="tx1"/>
+            </a:solidFill>
+          </a:ln>
+        </p:spPr>
+        <p:style>
+          <a:lnRef idx="1">
+            <a:schemeClr val="accent1"/>
+          </a:lnRef>
+          <a:fillRef idx="3">
+            <a:schemeClr val="accent1"/>
+          </a:fillRef>
+          <a:effectRef idx="2">
+            <a:schemeClr val="accent1"/>
+          </a:effectRef>
+          <a:fontRef idx="minor">
+            <a:schemeClr val="lt1"/>
+          </a:fontRef>
+        </p:style>
+        <p:txBody>
+          <a:bodyPr rtlCol="0" anchor="ctr"/>
+          <a:lstStyle/>
+          <a:p>
+            <a:pPr algn="ctr"/>
+            <a:r>
+              <a:rPr lang="en-US" dirty="0" smtClean="0">
+                <a:solidFill>
+                  <a:schemeClr val="tx1"/>
+                </a:solidFill>
+              </a:rPr>
+              <a:t>Tiger</a:t>
+            </a:r>
+            <a:endParaRPr lang="en-US" dirty="0">
+              <a:solidFill>
+                <a:schemeClr val="tx1"/>
+              </a:solidFill>
+            </a:endParaRPr>
+          </a:p>
+        </p:txBody>
+      </p:sp>
+      <p:sp>
+        <p:nvSpPr>
+          <p:cNvPr id="15" name="Snip Diagonal Corner Rectangle 14"/>
+          <p:cNvSpPr/>
+          <p:nvPr/>
+        </p:nvSpPr>
+        <p:spPr>
+          <a:xfrm>
+            <a:off x="7467600" y="4343400"/>
+            <a:ext cx="876300" cy="533400"/>
+          </a:xfrm>
+          <a:prstGeom prst="snip2DiagRect">
+            <a:avLst/>
+          </a:prstGeom>
+          <a:solidFill>
+            <a:schemeClr val="bg1"/>
+          </a:solidFill>
+          <a:ln>
+            <a:solidFill>
+              <a:schemeClr val="tx1"/>
+            </a:solidFill>
+          </a:ln>
+        </p:spPr>
+        <p:style>
+          <a:lnRef idx="1">
+            <a:schemeClr val="accent1"/>
+          </a:lnRef>
+          <a:fillRef idx="3">
+            <a:schemeClr val="accent1"/>
+          </a:fillRef>
+          <a:effectRef idx="2">
+            <a:schemeClr val="accent1"/>
+          </a:effectRef>
+          <a:fontRef idx="minor">
+            <a:schemeClr val="lt1"/>
+          </a:fontRef>
+        </p:style>
+        <p:txBody>
+          <a:bodyPr rtlCol="0" anchor="ctr"/>
+          <a:lstStyle/>
+          <a:p>
+            <a:pPr algn="ctr"/>
+            <a:r>
+              <a:rPr lang="en-US" dirty="0" smtClean="0">
+                <a:solidFill>
+                  <a:schemeClr val="tx1"/>
+                </a:solidFill>
+              </a:rPr>
+              <a:t>Bear</a:t>
+            </a:r>
+            <a:endParaRPr lang="en-US" dirty="0">
+              <a:solidFill>
+                <a:schemeClr val="tx1"/>
+              </a:solidFill>
+            </a:endParaRPr>
+          </a:p>
+        </p:txBody>
+      </p:sp>
+      <p:sp>
+        <p:nvSpPr>
+          <p:cNvPr id="16" name="TextBox 15"/>
+          <p:cNvSpPr txBox="1"/>
+          <p:nvPr/>
+        </p:nvSpPr>
+        <p:spPr>
+          <a:xfrm>
+            <a:off x="762000" y="4876800"/>
+            <a:ext cx="4539624" cy="338554"/>
+          </a:xfrm>
+          <a:prstGeom prst="rect">
+            <a:avLst/>
+          </a:prstGeom>
+          <a:noFill/>
+        </p:spPr>
+        <p:txBody>
+          <a:bodyPr wrap="none" rtlCol="0">
+            <a:spAutoFit/>
+          </a:bodyPr>
+          <a:lstStyle/>
+          <a:p>
+            <a:r>
+              <a:rPr lang="en-US" sz="1600" dirty="0" smtClean="0">
+                <a:solidFill>
+                  <a:srgbClr val="FF0000"/>
+                </a:solidFill>
+              </a:rPr>
+              <a:t>What more general objects do I build a “Lion” from?</a:t>
+            </a:r>
+            <a:endParaRPr lang="en-US" sz="1600" dirty="0">
+              <a:solidFill>
+                <a:srgbClr val="FF0000"/>
+              </a:solidFill>
+            </a:endParaRPr>
+          </a:p>
+        </p:txBody>
+      </p:sp>
     </p:spTree>
     <p:extLst>
       <p:ext uri="{BB962C8B-B14F-4D97-AF65-F5344CB8AC3E}">
-        <p14:creationId xmlns:p14="http://schemas.microsoft.com/office/powerpoint/2010/main" val="3578236200"/>
+        <p14:creationId xmlns:p14="http://schemas.microsoft.com/office/powerpoint/2010/main" val="1201213962"/>
       </p:ext>
     </p:extLst>
   </p:cSld>
@@ -10826,7 +10742,7 @@
           <a:p>
             <a:r>
               <a:rPr lang="en-US" dirty="0" smtClean="0"/>
-              <a:t>Trump - Inheritance</a:t>
+              <a:t>Player - Inheritance</a:t>
             </a:r>
             <a:endParaRPr lang="en-US" dirty="0"/>
           </a:p>
@@ -10880,7 +10796,7 @@
                   <a:schemeClr val="tx1"/>
                 </a:solidFill>
               </a:rPr>
-              <a:t>Trump</a:t>
+              <a:t>Player</a:t>
             </a:r>
             <a:endParaRPr lang="en-US" dirty="0">
               <a:solidFill>
@@ -11165,7 +11081,7 @@
           <a:p>
             <a:r>
               <a:rPr lang="en-US" dirty="0" smtClean="0"/>
-              <a:t>Zoo - Inheritance</a:t>
+              <a:t>Trump - Inheritance</a:t>
             </a:r>
             <a:endParaRPr lang="en-US" dirty="0"/>
           </a:p>
@@ -11219,7 +11135,7 @@
                   <a:schemeClr val="tx1"/>
                 </a:solidFill>
               </a:rPr>
-              <a:t>Zoo</a:t>
+              <a:t>Trump</a:t>
             </a:r>
             <a:endParaRPr lang="en-US" dirty="0">
               <a:solidFill>
@@ -11504,7 +11420,7 @@
           <a:p>
             <a:r>
               <a:rPr lang="en-US" dirty="0" smtClean="0"/>
-              <a:t>Animal - Inheritance</a:t>
+              <a:t>Zoo - Inheritance</a:t>
             </a:r>
             <a:endParaRPr lang="en-US" dirty="0"/>
           </a:p>
@@ -11558,7 +11474,7 @@
                   <a:schemeClr val="tx1"/>
                 </a:solidFill>
               </a:rPr>
-              <a:t>Animal</a:t>
+              <a:t>Zoo</a:t>
             </a:r>
             <a:endParaRPr lang="en-US" dirty="0">
               <a:solidFill>
@@ -12182,7 +12098,7 @@
           <a:p>
             <a:r>
               <a:rPr lang="en-US" dirty="0" smtClean="0"/>
-              <a:t>Cages - Inheritance</a:t>
+              <a:t>Animal - Inheritance</a:t>
             </a:r>
             <a:endParaRPr lang="en-US" dirty="0"/>
           </a:p>
@@ -12236,7 +12152,7 @@
                   <a:schemeClr val="tx1"/>
                 </a:solidFill>
               </a:rPr>
-              <a:t>Cages</a:t>
+              <a:t>Animal</a:t>
             </a:r>
             <a:endParaRPr lang="en-US" dirty="0">
               <a:solidFill>
@@ -12477,7 +12393,7 @@
     </p:spTree>
     <p:extLst>
       <p:ext uri="{BB962C8B-B14F-4D97-AF65-F5344CB8AC3E}">
-        <p14:creationId xmlns:p14="http://schemas.microsoft.com/office/powerpoint/2010/main" val="1091963024"/>
+        <p14:creationId xmlns:p14="http://schemas.microsoft.com/office/powerpoint/2010/main" val="3578236200"/>
       </p:ext>
     </p:extLst>
   </p:cSld>
@@ -12521,7 +12437,7 @@
           <a:p>
             <a:r>
               <a:rPr lang="en-US" dirty="0" smtClean="0"/>
-              <a:t>Score - Inheritance</a:t>
+              <a:t>Cages - Inheritance</a:t>
             </a:r>
             <a:endParaRPr lang="en-US" dirty="0"/>
           </a:p>
@@ -12575,7 +12491,7 @@
                   <a:schemeClr val="tx1"/>
                 </a:solidFill>
               </a:rPr>
-              <a:t>Score</a:t>
+              <a:t>Cages</a:t>
             </a:r>
             <a:endParaRPr lang="en-US" dirty="0">
               <a:solidFill>
@@ -12859,12 +12775,8 @@
           <a:lstStyle/>
           <a:p>
             <a:r>
-              <a:rPr lang="en-US" dirty="0" err="1" smtClean="0"/>
-              <a:t>StartScreen</a:t>
-            </a:r>
-            <a:r>
               <a:rPr lang="en-US" dirty="0" smtClean="0"/>
-              <a:t> - Inheritance</a:t>
+              <a:t>Score - Inheritance</a:t>
             </a:r>
             <a:endParaRPr lang="en-US" dirty="0"/>
           </a:p>
@@ -12913,12 +12825,12 @@
           <a:p>
             <a:pPr algn="ctr"/>
             <a:r>
-              <a:rPr lang="en-US" dirty="0" err="1" smtClean="0">
+              <a:rPr lang="en-US" dirty="0" smtClean="0">
                 <a:solidFill>
                   <a:schemeClr val="tx1"/>
                 </a:solidFill>
               </a:rPr>
-              <a:t>StartScreen</a:t>
+              <a:t>Score</a:t>
             </a:r>
             <a:endParaRPr lang="en-US" dirty="0">
               <a:solidFill>
@@ -13159,7 +13071,7 @@
     </p:spTree>
     <p:extLst>
       <p:ext uri="{BB962C8B-B14F-4D97-AF65-F5344CB8AC3E}">
-        <p14:creationId xmlns:p14="http://schemas.microsoft.com/office/powerpoint/2010/main" val="295543885"/>
+        <p14:creationId xmlns:p14="http://schemas.microsoft.com/office/powerpoint/2010/main" val="1091963024"/>
       </p:ext>
     </p:extLst>
   </p:cSld>
@@ -13203,7 +13115,7 @@
           <a:p>
             <a:r>
               <a:rPr lang="en-US" dirty="0" err="1" smtClean="0"/>
-              <a:t>EndScreen</a:t>
+              <a:t>StartScreen</a:t>
             </a:r>
             <a:r>
               <a:rPr lang="en-US" dirty="0" smtClean="0"/>
@@ -13261,7 +13173,7 @@
                   <a:schemeClr val="tx1"/>
                 </a:solidFill>
               </a:rPr>
-              <a:t>EndScreen</a:t>
+              <a:t>StartScreen</a:t>
             </a:r>
             <a:endParaRPr lang="en-US" dirty="0">
               <a:solidFill>
@@ -13545,8 +13457,12 @@
           <a:lstStyle/>
           <a:p>
             <a:r>
+              <a:rPr lang="en-US" dirty="0" err="1" smtClean="0"/>
+              <a:t>EndScreen</a:t>
+            </a:r>
+            <a:r>
               <a:rPr lang="en-US" dirty="0" smtClean="0"/>
-              <a:t>Game - Inheritance</a:t>
+              <a:t> - Inheritance</a:t>
             </a:r>
             <a:endParaRPr lang="en-US" dirty="0"/>
           </a:p>
@@ -13560,7 +13476,7 @@
         </p:nvSpPr>
         <p:spPr>
           <a:xfrm>
-            <a:off x="3810000" y="2743200"/>
+            <a:off x="6477000" y="2743200"/>
             <a:ext cx="1600200" cy="1524000"/>
           </a:xfrm>
           <a:prstGeom prst="snip2DiagRect">
@@ -13595,12 +13511,12 @@
           <a:p>
             <a:pPr algn="ctr"/>
             <a:r>
-              <a:rPr lang="en-US" dirty="0" smtClean="0">
+              <a:rPr lang="en-US" dirty="0" err="1" smtClean="0">
                 <a:solidFill>
                   <a:schemeClr val="tx1"/>
                 </a:solidFill>
               </a:rPr>
-              <a:t>Game</a:t>
+              <a:t>EndScreen</a:t>
             </a:r>
             <a:endParaRPr lang="en-US" dirty="0">
               <a:solidFill>
@@ -13612,43 +13528,13 @@
       </p:sp>
       <p:sp>
         <p:nvSpPr>
-          <p:cNvPr id="3" name="TextBox 2"/>
-          <p:cNvSpPr txBox="1"/>
-          <p:nvPr/>
-        </p:nvSpPr>
-        <p:spPr>
-          <a:xfrm>
-            <a:off x="3048000" y="5257800"/>
-            <a:ext cx="3289069" cy="369332"/>
-          </a:xfrm>
-          <a:prstGeom prst="rect">
-            <a:avLst/>
-          </a:prstGeom>
-          <a:noFill/>
-        </p:spPr>
-        <p:txBody>
-          <a:bodyPr wrap="none" rtlCol="0">
-            <a:spAutoFit/>
-          </a:bodyPr>
-          <a:lstStyle/>
-          <a:p>
-            <a:r>
-              <a:rPr lang="en-US" dirty="0" smtClean="0"/>
-              <a:t>Game is top-level, no inheritance</a:t>
-            </a:r>
-            <a:endParaRPr lang="en-US" dirty="0"/>
-          </a:p>
-        </p:txBody>
-      </p:sp>
-      <p:sp>
-        <p:nvSpPr>
-          <p:cNvPr id="11" name="Right Arrow 10"/>
+          <p:cNvPr id="5" name="Right Arrow 4"/>
           <p:cNvSpPr/>
           <p:nvPr/>
         </p:nvSpPr>
         <p:spPr>
           <a:xfrm>
-            <a:off x="2209800" y="3276600"/>
+            <a:off x="5105400" y="3276600"/>
             <a:ext cx="1143000" cy="457200"/>
           </a:xfrm>
           <a:prstGeom prst="rightArrow">
@@ -13688,14 +13574,60 @@
       </p:sp>
       <p:sp>
         <p:nvSpPr>
-          <p:cNvPr id="12" name="TextBox 11"/>
+          <p:cNvPr id="6" name="Right Arrow 5"/>
+          <p:cNvSpPr/>
+          <p:nvPr/>
+        </p:nvSpPr>
+        <p:spPr>
+          <a:xfrm>
+            <a:off x="3352800" y="3276600"/>
+            <a:ext cx="1143000" cy="457200"/>
+          </a:xfrm>
+          <a:prstGeom prst="rightArrow">
+            <a:avLst/>
+          </a:prstGeom>
+          <a:solidFill>
+            <a:schemeClr val="bg1"/>
+          </a:solidFill>
+          <a:ln>
+            <a:solidFill>
+              <a:schemeClr val="tx1"/>
+            </a:solidFill>
+          </a:ln>
+        </p:spPr>
+        <p:style>
+          <a:lnRef idx="1">
+            <a:schemeClr val="accent1"/>
+          </a:lnRef>
+          <a:fillRef idx="3">
+            <a:schemeClr val="accent1"/>
+          </a:fillRef>
+          <a:effectRef idx="2">
+            <a:schemeClr val="accent1"/>
+          </a:effectRef>
+          <a:fontRef idx="minor">
+            <a:schemeClr val="lt1"/>
+          </a:fontRef>
+        </p:style>
+        <p:txBody>
+          <a:bodyPr rtlCol="0" anchor="ctr"/>
+          <a:lstStyle/>
+          <a:p>
+            <a:pPr algn="ctr"/>
+            <a:endParaRPr lang="en-US"/>
+          </a:p>
+        </p:txBody>
+      </p:sp>
+      <p:sp>
+        <p:nvSpPr>
+          <p:cNvPr id="7" name="TextBox 6"/>
           <p:cNvSpPr txBox="1"/>
           <p:nvPr/>
         </p:nvSpPr>
         <p:spPr>
           <a:xfrm>
-            <a:off x="914400" y="3276600"/>
-            <a:ext cx="1120820" cy="369332"/>
+            <a:off x="4495800" y="3048000"/>
+            <a:ext cx="505555" cy="923330"/>
           </a:xfrm>
           <a:prstGeom prst="rect">
             <a:avLst/>
@@ -13709,10 +13641,116 @@
           <a:lstStyle/>
           <a:p>
             <a:r>
-              <a:rPr lang="en-US" dirty="0" smtClean="0"/>
-              <a:t>JavaScript</a:t>
-            </a:r>
-            <a:endParaRPr lang="en-US" dirty="0"/>
+              <a:rPr lang="en-US" sz="5400" dirty="0" smtClean="0"/>
+              <a:t>?</a:t>
+            </a:r>
+            <a:endParaRPr lang="en-US" sz="5400" dirty="0"/>
+          </a:p>
+        </p:txBody>
+      </p:sp>
+      <p:sp>
+        <p:nvSpPr>
+          <p:cNvPr id="8" name="Right Arrow 7"/>
+          <p:cNvSpPr/>
+          <p:nvPr/>
+        </p:nvSpPr>
+        <p:spPr>
+          <a:xfrm>
+            <a:off x="1600200" y="3276600"/>
+            <a:ext cx="1143000" cy="457200"/>
+          </a:xfrm>
+          <a:prstGeom prst="rightArrow">
+            <a:avLst/>
+          </a:prstGeom>
+          <a:solidFill>
+            <a:schemeClr val="bg1"/>
+          </a:solidFill>
+          <a:ln>
+            <a:solidFill>
+              <a:schemeClr val="tx1"/>
+            </a:solidFill>
+          </a:ln>
+        </p:spPr>
+        <p:style>
+          <a:lnRef idx="1">
+            <a:schemeClr val="accent1"/>
+          </a:lnRef>
+          <a:fillRef idx="3">
+            <a:schemeClr val="accent1"/>
+          </a:fillRef>
+          <a:effectRef idx="2">
+            <a:schemeClr val="accent1"/>
+          </a:effectRef>
+          <a:fontRef idx="minor">
+            <a:schemeClr val="lt1"/>
+          </a:fontRef>
+        </p:style>
+        <p:txBody>
+          <a:bodyPr rtlCol="0" anchor="ctr"/>
+          <a:lstStyle/>
+          <a:p>
+            <a:pPr algn="ctr"/>
+            <a:endParaRPr lang="en-US"/>
+          </a:p>
+        </p:txBody>
+      </p:sp>
+      <p:sp>
+        <p:nvSpPr>
+          <p:cNvPr id="9" name="TextBox 8"/>
+          <p:cNvSpPr txBox="1"/>
+          <p:nvPr/>
+        </p:nvSpPr>
+        <p:spPr>
+          <a:xfrm>
+            <a:off x="2819400" y="3039070"/>
+            <a:ext cx="505555" cy="923330"/>
+          </a:xfrm>
+          <a:prstGeom prst="rect">
+            <a:avLst/>
+          </a:prstGeom>
+          <a:noFill/>
+        </p:spPr>
+        <p:txBody>
+          <a:bodyPr wrap="none" rtlCol="0">
+            <a:spAutoFit/>
+          </a:bodyPr>
+          <a:lstStyle/>
+          <a:p>
+            <a:r>
+              <a:rPr lang="en-US" sz="5400" dirty="0" smtClean="0"/>
+              <a:t>?</a:t>
+            </a:r>
+            <a:endParaRPr lang="en-US" sz="5400" dirty="0"/>
+          </a:p>
+        </p:txBody>
+      </p:sp>
+      <p:sp>
+        <p:nvSpPr>
+          <p:cNvPr id="10" name="TextBox 9"/>
+          <p:cNvSpPr txBox="1"/>
+          <p:nvPr/>
+        </p:nvSpPr>
+        <p:spPr>
+          <a:xfrm>
+            <a:off x="914400" y="3039070"/>
+            <a:ext cx="505555" cy="923330"/>
+          </a:xfrm>
+          <a:prstGeom prst="rect">
+            <a:avLst/>
+          </a:prstGeom>
+          <a:noFill/>
+        </p:spPr>
+        <p:txBody>
+          <a:bodyPr wrap="none" rtlCol="0">
+            <a:spAutoFit/>
+          </a:bodyPr>
+          <a:lstStyle/>
+          <a:p>
+            <a:r>
+              <a:rPr lang="en-US" sz="5400" dirty="0" smtClean="0"/>
+              <a:t>?</a:t>
+            </a:r>
+            <a:endParaRPr lang="en-US" sz="5400" dirty="0"/>
           </a:p>
         </p:txBody>
       </p:sp>
@@ -13870,7 +13908,7 @@
           <a:p>
             <a:r>
               <a:rPr lang="en-US" dirty="0" smtClean="0"/>
-              <a:t>Full Object Inheritance</a:t>
+              <a:t>Game - Inheritance</a:t>
             </a:r>
             <a:endParaRPr lang="en-US" dirty="0"/>
           </a:p>
@@ -13884,8 +13922,8 @@
         </p:nvSpPr>
         <p:spPr>
           <a:xfrm>
-            <a:off x="4953000" y="5638800"/>
-            <a:ext cx="762000" cy="609600"/>
+            <a:off x="3810000" y="2743200"/>
+            <a:ext cx="1600200" cy="1524000"/>
           </a:xfrm>
           <a:prstGeom prst="snip2DiagRect">
             <a:avLst/>
@@ -13919,14 +13957,14 @@
           <a:p>
             <a:pPr algn="ctr"/>
             <a:r>
-              <a:rPr lang="en-US" sz="1200" dirty="0" smtClean="0">
+              <a:rPr lang="en-US" dirty="0" smtClean="0">
                 <a:solidFill>
                   <a:schemeClr val="tx1"/>
                 </a:solidFill>
               </a:rPr>
-              <a:t>Animal</a:t>
-            </a:r>
-            <a:endParaRPr lang="en-US" sz="1200" dirty="0">
+              <a:t>Game</a:t>
+            </a:r>
+            <a:endParaRPr lang="en-US" dirty="0">
               <a:solidFill>
                 <a:schemeClr val="tx1"/>
               </a:solidFill>
@@ -13936,16 +13974,46 @@
       </p:sp>
       <p:sp>
         <p:nvSpPr>
-          <p:cNvPr id="5" name="Snip Diagonal Corner Rectangle 4"/>
+          <p:cNvPr id="3" name="TextBox 2"/>
+          <p:cNvSpPr txBox="1"/>
+          <p:nvPr/>
+        </p:nvSpPr>
+        <p:spPr>
+          <a:xfrm>
+            <a:off x="3048000" y="5257800"/>
+            <a:ext cx="3289069" cy="369332"/>
+          </a:xfrm>
+          <a:prstGeom prst="rect">
+            <a:avLst/>
+          </a:prstGeom>
+          <a:noFill/>
+        </p:spPr>
+        <p:txBody>
+          <a:bodyPr wrap="none" rtlCol="0">
+            <a:spAutoFit/>
+          </a:bodyPr>
+          <a:lstStyle/>
+          <a:p>
+            <a:r>
+              <a:rPr lang="en-US" dirty="0" smtClean="0"/>
+              <a:t>Game is top-level, no inheritance</a:t>
+            </a:r>
+            <a:endParaRPr lang="en-US" dirty="0"/>
+          </a:p>
+        </p:txBody>
+      </p:sp>
+      <p:sp>
+        <p:nvSpPr>
+          <p:cNvPr id="11" name="Right Arrow 10"/>
           <p:cNvSpPr/>
           <p:nvPr/>
         </p:nvSpPr>
         <p:spPr>
           <a:xfrm>
-            <a:off x="6781800" y="5638800"/>
-            <a:ext cx="762000" cy="609600"/>
-          </a:xfrm>
-          <a:prstGeom prst="snip2DiagRect">
+            <a:off x="2209800" y="3276600"/>
+            <a:ext cx="1143000" cy="457200"/>
+          </a:xfrm>
+          <a:prstGeom prst="rightArrow">
             <a:avLst/>
           </a:prstGeom>
           <a:solidFill>
@@ -13976,668 +14044,20 @@
           <a:lstStyle/>
           <a:p>
             <a:pPr algn="ctr"/>
-            <a:r>
-              <a:rPr lang="en-US" sz="1200" dirty="0" smtClean="0">
-                <a:solidFill>
-                  <a:schemeClr val="tx1"/>
-                </a:solidFill>
-              </a:rPr>
-              <a:t>Player</a:t>
-            </a:r>
-            <a:endParaRPr lang="en-US" sz="1200" dirty="0">
-              <a:solidFill>
-                <a:schemeClr val="tx1"/>
-              </a:solidFill>
-            </a:endParaRPr>
-          </a:p>
-        </p:txBody>
-      </p:sp>
-      <p:sp>
-        <p:nvSpPr>
-          <p:cNvPr id="6" name="Snip Diagonal Corner Rectangle 5"/>
-          <p:cNvSpPr/>
-          <p:nvPr/>
-        </p:nvSpPr>
-        <p:spPr>
-          <a:xfrm>
-            <a:off x="7696200" y="5638800"/>
-            <a:ext cx="762000" cy="609600"/>
-          </a:xfrm>
-          <a:prstGeom prst="snip2DiagRect">
-            <a:avLst/>
-          </a:prstGeom>
-          <a:solidFill>
-            <a:schemeClr val="bg1"/>
-          </a:solidFill>
-          <a:ln>
-            <a:solidFill>
-              <a:schemeClr val="tx1"/>
-            </a:solidFill>
-          </a:ln>
-        </p:spPr>
-        <p:style>
-          <a:lnRef idx="1">
-            <a:schemeClr val="accent1"/>
-          </a:lnRef>
-          <a:fillRef idx="3">
-            <a:schemeClr val="accent1"/>
-          </a:fillRef>
-          <a:effectRef idx="2">
-            <a:schemeClr val="accent1"/>
-          </a:effectRef>
-          <a:fontRef idx="minor">
-            <a:schemeClr val="lt1"/>
-          </a:fontRef>
-        </p:style>
-        <p:txBody>
-          <a:bodyPr rtlCol="0" anchor="ctr"/>
-          <a:lstStyle/>
-          <a:p>
-            <a:pPr algn="ctr"/>
-            <a:r>
-              <a:rPr lang="en-US" sz="1200" dirty="0" smtClean="0">
-                <a:solidFill>
-                  <a:schemeClr val="tx1"/>
-                </a:solidFill>
-              </a:rPr>
-              <a:t>Trump</a:t>
-            </a:r>
-            <a:endParaRPr lang="en-US" sz="1200" dirty="0">
-              <a:solidFill>
-                <a:schemeClr val="tx1"/>
-              </a:solidFill>
-            </a:endParaRPr>
-          </a:p>
-        </p:txBody>
-      </p:sp>
-      <p:sp>
-        <p:nvSpPr>
-          <p:cNvPr id="7" name="Snip Diagonal Corner Rectangle 6"/>
-          <p:cNvSpPr/>
-          <p:nvPr/>
-        </p:nvSpPr>
-        <p:spPr>
-          <a:xfrm>
-            <a:off x="4038600" y="5638800"/>
-            <a:ext cx="685800" cy="609600"/>
-          </a:xfrm>
-          <a:prstGeom prst="snip2DiagRect">
-            <a:avLst/>
-          </a:prstGeom>
-          <a:solidFill>
-            <a:schemeClr val="bg1"/>
-          </a:solidFill>
-          <a:ln>
-            <a:solidFill>
-              <a:schemeClr val="tx1"/>
-            </a:solidFill>
-          </a:ln>
-        </p:spPr>
-        <p:style>
-          <a:lnRef idx="1">
-            <a:schemeClr val="accent1"/>
-          </a:lnRef>
-          <a:fillRef idx="3">
-            <a:schemeClr val="accent1"/>
-          </a:fillRef>
-          <a:effectRef idx="2">
-            <a:schemeClr val="accent1"/>
-          </a:effectRef>
-          <a:fontRef idx="minor">
-            <a:schemeClr val="lt1"/>
-          </a:fontRef>
-        </p:style>
-        <p:txBody>
-          <a:bodyPr rtlCol="0" anchor="ctr"/>
-          <a:lstStyle/>
-          <a:p>
-            <a:pPr algn="ctr"/>
-            <a:r>
-              <a:rPr lang="en-US" sz="1200" dirty="0" smtClean="0">
-                <a:solidFill>
-                  <a:schemeClr val="tx1"/>
-                </a:solidFill>
-              </a:rPr>
-              <a:t>Cages</a:t>
-            </a:r>
-            <a:endParaRPr lang="en-US" sz="1200" dirty="0">
-              <a:solidFill>
-                <a:schemeClr val="tx1"/>
-              </a:solidFill>
-            </a:endParaRPr>
-          </a:p>
-        </p:txBody>
-      </p:sp>
-      <p:sp>
-        <p:nvSpPr>
-          <p:cNvPr id="8" name="Snip Diagonal Corner Rectangle 7"/>
-          <p:cNvSpPr/>
-          <p:nvPr/>
-        </p:nvSpPr>
-        <p:spPr>
-          <a:xfrm>
-            <a:off x="5867400" y="5638800"/>
-            <a:ext cx="762000" cy="609600"/>
-          </a:xfrm>
-          <a:prstGeom prst="snip2DiagRect">
-            <a:avLst/>
-          </a:prstGeom>
-          <a:solidFill>
-            <a:schemeClr val="bg1"/>
-          </a:solidFill>
-          <a:ln>
-            <a:solidFill>
-              <a:schemeClr val="tx1"/>
-            </a:solidFill>
-          </a:ln>
-        </p:spPr>
-        <p:style>
-          <a:lnRef idx="1">
-            <a:schemeClr val="accent1"/>
-          </a:lnRef>
-          <a:fillRef idx="3">
-            <a:schemeClr val="accent1"/>
-          </a:fillRef>
-          <a:effectRef idx="2">
-            <a:schemeClr val="accent1"/>
-          </a:effectRef>
-          <a:fontRef idx="minor">
-            <a:schemeClr val="lt1"/>
-          </a:fontRef>
-        </p:style>
-        <p:txBody>
-          <a:bodyPr rtlCol="0" anchor="ctr"/>
-          <a:lstStyle/>
-          <a:p>
-            <a:pPr algn="ctr"/>
-            <a:r>
-              <a:rPr lang="en-US" sz="1200" dirty="0" smtClean="0">
-                <a:solidFill>
-                  <a:schemeClr val="tx1"/>
-                </a:solidFill>
-              </a:rPr>
-              <a:t>Zoo</a:t>
-            </a:r>
-            <a:endParaRPr lang="en-US" sz="1200" dirty="0">
-              <a:solidFill>
-                <a:schemeClr val="tx1"/>
-              </a:solidFill>
-            </a:endParaRPr>
-          </a:p>
-        </p:txBody>
-      </p:sp>
-      <p:sp>
-        <p:nvSpPr>
-          <p:cNvPr id="9" name="Snip Diagonal Corner Rectangle 8"/>
-          <p:cNvSpPr/>
-          <p:nvPr/>
-        </p:nvSpPr>
-        <p:spPr>
-          <a:xfrm>
-            <a:off x="3124200" y="5638800"/>
-            <a:ext cx="762000" cy="609600"/>
-          </a:xfrm>
-          <a:prstGeom prst="snip2DiagRect">
-            <a:avLst/>
-          </a:prstGeom>
-          <a:solidFill>
-            <a:schemeClr val="bg1"/>
-          </a:solidFill>
-          <a:ln>
-            <a:solidFill>
-              <a:schemeClr val="tx1"/>
-            </a:solidFill>
-          </a:ln>
-        </p:spPr>
-        <p:style>
-          <a:lnRef idx="1">
-            <a:schemeClr val="accent1"/>
-          </a:lnRef>
-          <a:fillRef idx="3">
-            <a:schemeClr val="accent1"/>
-          </a:fillRef>
-          <a:effectRef idx="2">
-            <a:schemeClr val="accent1"/>
-          </a:effectRef>
-          <a:fontRef idx="minor">
-            <a:schemeClr val="lt1"/>
-          </a:fontRef>
-        </p:style>
-        <p:txBody>
-          <a:bodyPr rtlCol="0" anchor="ctr"/>
-          <a:lstStyle/>
-          <a:p>
-            <a:pPr algn="ctr"/>
-            <a:r>
-              <a:rPr lang="en-US" sz="1200" dirty="0" smtClean="0">
-                <a:solidFill>
-                  <a:schemeClr val="tx1"/>
-                </a:solidFill>
-              </a:rPr>
-              <a:t>Score</a:t>
-            </a:r>
-            <a:endParaRPr lang="en-US" sz="1200" dirty="0">
-              <a:solidFill>
-                <a:schemeClr val="tx1"/>
-              </a:solidFill>
-            </a:endParaRPr>
-          </a:p>
-        </p:txBody>
-      </p:sp>
-      <p:sp>
-        <p:nvSpPr>
-          <p:cNvPr id="10" name="Snip Diagonal Corner Rectangle 9"/>
-          <p:cNvSpPr/>
-          <p:nvPr/>
-        </p:nvSpPr>
-        <p:spPr>
-          <a:xfrm>
-            <a:off x="762000" y="5638800"/>
-            <a:ext cx="1066800" cy="609600"/>
-          </a:xfrm>
-          <a:prstGeom prst="snip2DiagRect">
-            <a:avLst/>
-          </a:prstGeom>
-          <a:solidFill>
-            <a:schemeClr val="bg1"/>
-          </a:solidFill>
-          <a:ln>
-            <a:solidFill>
-              <a:schemeClr val="tx1"/>
-            </a:solidFill>
-          </a:ln>
-        </p:spPr>
-        <p:style>
-          <a:lnRef idx="1">
-            <a:schemeClr val="accent1"/>
-          </a:lnRef>
-          <a:fillRef idx="3">
-            <a:schemeClr val="accent1"/>
-          </a:fillRef>
-          <a:effectRef idx="2">
-            <a:schemeClr val="accent1"/>
-          </a:effectRef>
-          <a:fontRef idx="minor">
-            <a:schemeClr val="lt1"/>
-          </a:fontRef>
-        </p:style>
-        <p:txBody>
-          <a:bodyPr rtlCol="0" anchor="ctr"/>
-          <a:lstStyle/>
-          <a:p>
-            <a:pPr algn="ctr"/>
-            <a:r>
-              <a:rPr lang="en-US" sz="1200" dirty="0" err="1" smtClean="0">
-                <a:solidFill>
-                  <a:schemeClr val="tx1"/>
-                </a:solidFill>
-              </a:rPr>
-              <a:t>StartScreen</a:t>
-            </a:r>
-            <a:endParaRPr lang="en-US" sz="1200" dirty="0">
-              <a:solidFill>
-                <a:schemeClr val="tx1"/>
-              </a:solidFill>
-            </a:endParaRPr>
-          </a:p>
-        </p:txBody>
-      </p:sp>
-      <p:sp>
-        <p:nvSpPr>
-          <p:cNvPr id="11" name="Snip Diagonal Corner Rectangle 10"/>
-          <p:cNvSpPr/>
-          <p:nvPr/>
-        </p:nvSpPr>
-        <p:spPr>
-          <a:xfrm>
-            <a:off x="1981200" y="5638800"/>
-            <a:ext cx="990600" cy="609600"/>
-          </a:xfrm>
-          <a:prstGeom prst="snip2DiagRect">
-            <a:avLst/>
-          </a:prstGeom>
-          <a:solidFill>
-            <a:schemeClr val="bg1"/>
-          </a:solidFill>
-          <a:ln>
-            <a:solidFill>
-              <a:schemeClr val="tx1"/>
-            </a:solidFill>
-          </a:ln>
-        </p:spPr>
-        <p:style>
-          <a:lnRef idx="1">
-            <a:schemeClr val="accent1"/>
-          </a:lnRef>
-          <a:fillRef idx="3">
-            <a:schemeClr val="accent1"/>
-          </a:fillRef>
-          <a:effectRef idx="2">
-            <a:schemeClr val="accent1"/>
-          </a:effectRef>
-          <a:fontRef idx="minor">
-            <a:schemeClr val="lt1"/>
-          </a:fontRef>
-        </p:style>
-        <p:txBody>
-          <a:bodyPr rtlCol="0" anchor="ctr"/>
-          <a:lstStyle/>
-          <a:p>
-            <a:pPr algn="ctr"/>
-            <a:r>
-              <a:rPr lang="en-US" sz="1200" dirty="0" err="1" smtClean="0">
-                <a:solidFill>
-                  <a:schemeClr val="tx1"/>
-                </a:solidFill>
-              </a:rPr>
-              <a:t>EndScreen</a:t>
-            </a:r>
-            <a:endParaRPr lang="en-US" sz="1200" dirty="0">
-              <a:solidFill>
-                <a:schemeClr val="tx1"/>
-              </a:solidFill>
-            </a:endParaRPr>
-          </a:p>
-        </p:txBody>
-      </p:sp>
-      <p:cxnSp>
-        <p:nvCxnSpPr>
-          <p:cNvPr id="14" name="Straight Arrow Connector 13"/>
-          <p:cNvCxnSpPr/>
-          <p:nvPr/>
-        </p:nvCxnSpPr>
-        <p:spPr>
-          <a:xfrm flipH="1">
-            <a:off x="1295400" y="4953000"/>
-            <a:ext cx="152400" cy="685800"/>
-          </a:xfrm>
-          <a:prstGeom prst="straightConnector1">
-            <a:avLst/>
-          </a:prstGeom>
-          <a:ln>
-            <a:solidFill>
-              <a:schemeClr val="tx1"/>
-            </a:solidFill>
-            <a:tailEnd type="arrow"/>
-          </a:ln>
-        </p:spPr>
-        <p:style>
-          <a:lnRef idx="2">
-            <a:schemeClr val="accent1"/>
-          </a:lnRef>
-          <a:fillRef idx="0">
-            <a:schemeClr val="accent1"/>
-          </a:fillRef>
-          <a:effectRef idx="1">
-            <a:schemeClr val="accent1"/>
-          </a:effectRef>
-          <a:fontRef idx="minor">
-            <a:schemeClr val="tx1"/>
-          </a:fontRef>
-        </p:style>
-      </p:cxnSp>
-      <p:cxnSp>
-        <p:nvCxnSpPr>
-          <p:cNvPr id="17" name="Straight Arrow Connector 16"/>
-          <p:cNvCxnSpPr/>
-          <p:nvPr/>
-        </p:nvCxnSpPr>
-        <p:spPr>
-          <a:xfrm>
-            <a:off x="7848600" y="5029200"/>
-            <a:ext cx="228600" cy="609600"/>
-          </a:xfrm>
-          <a:prstGeom prst="straightConnector1">
-            <a:avLst/>
-          </a:prstGeom>
-          <a:ln>
-            <a:solidFill>
-              <a:schemeClr val="tx1"/>
-            </a:solidFill>
-            <a:tailEnd type="arrow"/>
-          </a:ln>
-        </p:spPr>
-        <p:style>
-          <a:lnRef idx="2">
-            <a:schemeClr val="accent1"/>
-          </a:lnRef>
-          <a:fillRef idx="0">
-            <a:schemeClr val="accent1"/>
-          </a:fillRef>
-          <a:effectRef idx="1">
-            <a:schemeClr val="accent1"/>
-          </a:effectRef>
-          <a:fontRef idx="minor">
-            <a:schemeClr val="tx1"/>
-          </a:fontRef>
-        </p:style>
-      </p:cxnSp>
-      <p:cxnSp>
-        <p:nvCxnSpPr>
-          <p:cNvPr id="19" name="Straight Arrow Connector 18"/>
-          <p:cNvCxnSpPr/>
-          <p:nvPr/>
-        </p:nvCxnSpPr>
-        <p:spPr>
-          <a:xfrm flipH="1">
-            <a:off x="2438400" y="4953000"/>
-            <a:ext cx="152400" cy="685800"/>
-          </a:xfrm>
-          <a:prstGeom prst="straightConnector1">
-            <a:avLst/>
-          </a:prstGeom>
-          <a:ln>
-            <a:solidFill>
-              <a:schemeClr val="tx1"/>
-            </a:solidFill>
-            <a:tailEnd type="arrow"/>
-          </a:ln>
-        </p:spPr>
-        <p:style>
-          <a:lnRef idx="2">
-            <a:schemeClr val="accent1"/>
-          </a:lnRef>
-          <a:fillRef idx="0">
-            <a:schemeClr val="accent1"/>
-          </a:fillRef>
-          <a:effectRef idx="1">
-            <a:schemeClr val="accent1"/>
-          </a:effectRef>
-          <a:fontRef idx="minor">
-            <a:schemeClr val="tx1"/>
-          </a:fontRef>
-        </p:style>
-      </p:cxnSp>
-      <p:cxnSp>
-        <p:nvCxnSpPr>
-          <p:cNvPr id="20" name="Straight Arrow Connector 19"/>
-          <p:cNvCxnSpPr/>
-          <p:nvPr/>
-        </p:nvCxnSpPr>
-        <p:spPr>
-          <a:xfrm>
-            <a:off x="7010400" y="5029200"/>
-            <a:ext cx="152400" cy="609600"/>
-          </a:xfrm>
-          <a:prstGeom prst="straightConnector1">
-            <a:avLst/>
-          </a:prstGeom>
-          <a:ln>
-            <a:solidFill>
-              <a:schemeClr val="tx1"/>
-            </a:solidFill>
-            <a:tailEnd type="arrow"/>
-          </a:ln>
-        </p:spPr>
-        <p:style>
-          <a:lnRef idx="2">
-            <a:schemeClr val="accent1"/>
-          </a:lnRef>
-          <a:fillRef idx="0">
-            <a:schemeClr val="accent1"/>
-          </a:fillRef>
-          <a:effectRef idx="1">
-            <a:schemeClr val="accent1"/>
-          </a:effectRef>
-          <a:fontRef idx="minor">
-            <a:schemeClr val="tx1"/>
-          </a:fontRef>
-        </p:style>
-      </p:cxnSp>
-      <p:cxnSp>
-        <p:nvCxnSpPr>
-          <p:cNvPr id="22" name="Straight Arrow Connector 21"/>
-          <p:cNvCxnSpPr/>
-          <p:nvPr/>
-        </p:nvCxnSpPr>
-        <p:spPr>
-          <a:xfrm flipH="1">
-            <a:off x="3505200" y="4953000"/>
-            <a:ext cx="152400" cy="685800"/>
-          </a:xfrm>
-          <a:prstGeom prst="straightConnector1">
-            <a:avLst/>
-          </a:prstGeom>
-          <a:ln>
-            <a:solidFill>
-              <a:schemeClr val="tx1"/>
-            </a:solidFill>
-            <a:tailEnd type="arrow"/>
-          </a:ln>
-        </p:spPr>
-        <p:style>
-          <a:lnRef idx="2">
-            <a:schemeClr val="accent1"/>
-          </a:lnRef>
-          <a:fillRef idx="0">
-            <a:schemeClr val="accent1"/>
-          </a:fillRef>
-          <a:effectRef idx="1">
-            <a:schemeClr val="accent1"/>
-          </a:effectRef>
-          <a:fontRef idx="minor">
-            <a:schemeClr val="tx1"/>
-          </a:fontRef>
-        </p:style>
-      </p:cxnSp>
-      <p:cxnSp>
-        <p:nvCxnSpPr>
-          <p:cNvPr id="23" name="Straight Arrow Connector 22"/>
-          <p:cNvCxnSpPr/>
-          <p:nvPr/>
-        </p:nvCxnSpPr>
-        <p:spPr>
-          <a:xfrm flipH="1">
-            <a:off x="4343400" y="4953000"/>
-            <a:ext cx="76200" cy="685800"/>
-          </a:xfrm>
-          <a:prstGeom prst="straightConnector1">
-            <a:avLst/>
-          </a:prstGeom>
-          <a:ln>
-            <a:solidFill>
-              <a:schemeClr val="tx1"/>
-            </a:solidFill>
-            <a:tailEnd type="arrow"/>
-          </a:ln>
-        </p:spPr>
-        <p:style>
-          <a:lnRef idx="2">
-            <a:schemeClr val="accent1"/>
-          </a:lnRef>
-          <a:fillRef idx="0">
-            <a:schemeClr val="accent1"/>
-          </a:fillRef>
-          <a:effectRef idx="1">
-            <a:schemeClr val="accent1"/>
-          </a:effectRef>
-          <a:fontRef idx="minor">
-            <a:schemeClr val="tx1"/>
-          </a:fontRef>
-        </p:style>
-      </p:cxnSp>
-      <p:cxnSp>
-        <p:nvCxnSpPr>
-          <p:cNvPr id="25" name="Straight Arrow Connector 24"/>
-          <p:cNvCxnSpPr/>
-          <p:nvPr/>
-        </p:nvCxnSpPr>
-        <p:spPr>
-          <a:xfrm>
-            <a:off x="6096000" y="5029200"/>
-            <a:ext cx="152400" cy="609600"/>
-          </a:xfrm>
-          <a:prstGeom prst="straightConnector1">
-            <a:avLst/>
-          </a:prstGeom>
-          <a:ln>
-            <a:solidFill>
-              <a:schemeClr val="tx1"/>
-            </a:solidFill>
-            <a:tailEnd type="arrow"/>
-          </a:ln>
-        </p:spPr>
-        <p:style>
-          <a:lnRef idx="2">
-            <a:schemeClr val="accent1"/>
-          </a:lnRef>
-          <a:fillRef idx="0">
-            <a:schemeClr val="accent1"/>
-          </a:fillRef>
-          <a:effectRef idx="1">
-            <a:schemeClr val="accent1"/>
-          </a:effectRef>
-          <a:fontRef idx="minor">
-            <a:schemeClr val="tx1"/>
-          </a:fontRef>
-        </p:style>
-      </p:cxnSp>
-      <p:cxnSp>
-        <p:nvCxnSpPr>
-          <p:cNvPr id="26" name="Straight Arrow Connector 25"/>
-          <p:cNvCxnSpPr/>
-          <p:nvPr/>
-        </p:nvCxnSpPr>
-        <p:spPr>
-          <a:xfrm>
-            <a:off x="5334000" y="5029200"/>
-            <a:ext cx="0" cy="609600"/>
-          </a:xfrm>
-          <a:prstGeom prst="straightConnector1">
-            <a:avLst/>
-          </a:prstGeom>
-          <a:ln>
-            <a:solidFill>
-              <a:schemeClr val="tx1"/>
-            </a:solidFill>
-            <a:tailEnd type="arrow"/>
-          </a:ln>
-        </p:spPr>
-        <p:style>
-          <a:lnRef idx="2">
-            <a:schemeClr val="accent1"/>
-          </a:lnRef>
-          <a:fillRef idx="0">
-            <a:schemeClr val="accent1"/>
-          </a:fillRef>
-          <a:effectRef idx="1">
-            <a:schemeClr val="accent1"/>
-          </a:effectRef>
-          <a:fontRef idx="minor">
-            <a:schemeClr val="tx1"/>
-          </a:fontRef>
-        </p:style>
-      </p:cxnSp>
-      <p:sp>
-        <p:nvSpPr>
-          <p:cNvPr id="29" name="TextBox 28"/>
+            <a:endParaRPr lang="en-US"/>
+          </a:p>
+        </p:txBody>
+      </p:sp>
+      <p:sp>
+        <p:nvSpPr>
+          <p:cNvPr id="12" name="TextBox 11"/>
           <p:cNvSpPr txBox="1"/>
           <p:nvPr/>
         </p:nvSpPr>
         <p:spPr>
           <a:xfrm>
-            <a:off x="1295400" y="4114800"/>
-            <a:ext cx="374822" cy="584776"/>
+            <a:off x="914400" y="3276600"/>
+            <a:ext cx="1120820" cy="369332"/>
           </a:xfrm>
           <a:prstGeom prst="rect">
             <a:avLst/>
@@ -14651,285 +14071,17 @@
           <a:lstStyle/>
           <a:p>
             <a:r>
-              <a:rPr lang="en-US" sz="3200" dirty="0" smtClean="0"/>
-              <a:t>?</a:t>
-            </a:r>
-            <a:endParaRPr lang="en-US" sz="3200" dirty="0"/>
-          </a:p>
-        </p:txBody>
-      </p:sp>
-      <p:sp>
-        <p:nvSpPr>
-          <p:cNvPr id="30" name="TextBox 29"/>
-          <p:cNvSpPr txBox="1"/>
-          <p:nvPr/>
-        </p:nvSpPr>
-        <p:spPr>
-          <a:xfrm>
-            <a:off x="4191000" y="4267200"/>
-            <a:ext cx="374822" cy="584776"/>
-          </a:xfrm>
-          <a:prstGeom prst="rect">
-            <a:avLst/>
-          </a:prstGeom>
-          <a:noFill/>
-        </p:spPr>
-        <p:txBody>
-          <a:bodyPr wrap="none" rtlCol="0">
-            <a:spAutoFit/>
-          </a:bodyPr>
-          <a:lstStyle/>
-          <a:p>
-            <a:r>
-              <a:rPr lang="en-US" sz="3200" dirty="0" smtClean="0"/>
-              <a:t>?</a:t>
-            </a:r>
-            <a:endParaRPr lang="en-US" sz="3200" dirty="0"/>
-          </a:p>
-        </p:txBody>
-      </p:sp>
-      <p:sp>
-        <p:nvSpPr>
-          <p:cNvPr id="31" name="TextBox 30"/>
-          <p:cNvSpPr txBox="1"/>
-          <p:nvPr/>
-        </p:nvSpPr>
-        <p:spPr>
-          <a:xfrm>
-            <a:off x="5105400" y="4343400"/>
-            <a:ext cx="374822" cy="584776"/>
-          </a:xfrm>
-          <a:prstGeom prst="rect">
-            <a:avLst/>
-          </a:prstGeom>
-          <a:noFill/>
-        </p:spPr>
-        <p:txBody>
-          <a:bodyPr wrap="none" rtlCol="0">
-            <a:spAutoFit/>
-          </a:bodyPr>
-          <a:lstStyle/>
-          <a:p>
-            <a:r>
-              <a:rPr lang="en-US" sz="3200" dirty="0" smtClean="0"/>
-              <a:t>?</a:t>
-            </a:r>
-            <a:endParaRPr lang="en-US" sz="3200" dirty="0"/>
-          </a:p>
-        </p:txBody>
-      </p:sp>
-      <p:sp>
-        <p:nvSpPr>
-          <p:cNvPr id="32" name="TextBox 31"/>
-          <p:cNvSpPr txBox="1"/>
-          <p:nvPr/>
-        </p:nvSpPr>
-        <p:spPr>
-          <a:xfrm>
-            <a:off x="5867400" y="4343400"/>
-            <a:ext cx="374822" cy="584776"/>
-          </a:xfrm>
-          <a:prstGeom prst="rect">
-            <a:avLst/>
-          </a:prstGeom>
-          <a:noFill/>
-        </p:spPr>
-        <p:txBody>
-          <a:bodyPr wrap="none" rtlCol="0">
-            <a:spAutoFit/>
-          </a:bodyPr>
-          <a:lstStyle/>
-          <a:p>
-            <a:r>
-              <a:rPr lang="en-US" sz="3200" dirty="0" smtClean="0"/>
-              <a:t>?</a:t>
-            </a:r>
-            <a:endParaRPr lang="en-US" sz="3200" dirty="0"/>
-          </a:p>
-        </p:txBody>
-      </p:sp>
-      <p:sp>
-        <p:nvSpPr>
-          <p:cNvPr id="33" name="TextBox 32"/>
-          <p:cNvSpPr txBox="1"/>
-          <p:nvPr/>
-        </p:nvSpPr>
-        <p:spPr>
-          <a:xfrm>
-            <a:off x="6781800" y="4343400"/>
-            <a:ext cx="374822" cy="584776"/>
-          </a:xfrm>
-          <a:prstGeom prst="rect">
-            <a:avLst/>
-          </a:prstGeom>
-          <a:noFill/>
-        </p:spPr>
-        <p:txBody>
-          <a:bodyPr wrap="none" rtlCol="0">
-            <a:spAutoFit/>
-          </a:bodyPr>
-          <a:lstStyle/>
-          <a:p>
-            <a:r>
-              <a:rPr lang="en-US" sz="3200" dirty="0" smtClean="0"/>
-              <a:t>?</a:t>
-            </a:r>
-            <a:endParaRPr lang="en-US" sz="3200" dirty="0"/>
-          </a:p>
-        </p:txBody>
-      </p:sp>
-      <p:sp>
-        <p:nvSpPr>
-          <p:cNvPr id="34" name="TextBox 33"/>
-          <p:cNvSpPr txBox="1"/>
-          <p:nvPr/>
-        </p:nvSpPr>
-        <p:spPr>
-          <a:xfrm>
-            <a:off x="7620000" y="4343400"/>
-            <a:ext cx="374822" cy="584776"/>
-          </a:xfrm>
-          <a:prstGeom prst="rect">
-            <a:avLst/>
-          </a:prstGeom>
-          <a:noFill/>
-        </p:spPr>
-        <p:txBody>
-          <a:bodyPr wrap="none" rtlCol="0">
-            <a:spAutoFit/>
-          </a:bodyPr>
-          <a:lstStyle/>
-          <a:p>
-            <a:r>
-              <a:rPr lang="en-US" sz="3200" dirty="0" smtClean="0"/>
-              <a:t>?</a:t>
-            </a:r>
-            <a:endParaRPr lang="en-US" sz="3200" dirty="0"/>
-          </a:p>
-        </p:txBody>
-      </p:sp>
-      <p:sp>
-        <p:nvSpPr>
-          <p:cNvPr id="35" name="TextBox 34"/>
-          <p:cNvSpPr txBox="1"/>
-          <p:nvPr/>
-        </p:nvSpPr>
-        <p:spPr>
-          <a:xfrm>
-            <a:off x="3429000" y="4343400"/>
-            <a:ext cx="374822" cy="584776"/>
-          </a:xfrm>
-          <a:prstGeom prst="rect">
-            <a:avLst/>
-          </a:prstGeom>
-          <a:noFill/>
-        </p:spPr>
-        <p:txBody>
-          <a:bodyPr wrap="none" rtlCol="0">
-            <a:spAutoFit/>
-          </a:bodyPr>
-          <a:lstStyle/>
-          <a:p>
-            <a:r>
-              <a:rPr lang="en-US" sz="3200" dirty="0" smtClean="0"/>
-              <a:t>?</a:t>
-            </a:r>
-            <a:endParaRPr lang="en-US" sz="3200" dirty="0"/>
-          </a:p>
-        </p:txBody>
-      </p:sp>
-      <p:sp>
-        <p:nvSpPr>
-          <p:cNvPr id="36" name="TextBox 35"/>
-          <p:cNvSpPr txBox="1"/>
-          <p:nvPr/>
-        </p:nvSpPr>
-        <p:spPr>
-          <a:xfrm>
-            <a:off x="2438400" y="4267200"/>
-            <a:ext cx="374822" cy="584776"/>
-          </a:xfrm>
-          <a:prstGeom prst="rect">
-            <a:avLst/>
-          </a:prstGeom>
-          <a:noFill/>
-        </p:spPr>
-        <p:txBody>
-          <a:bodyPr wrap="none" rtlCol="0">
-            <a:spAutoFit/>
-          </a:bodyPr>
-          <a:lstStyle/>
-          <a:p>
-            <a:r>
-              <a:rPr lang="en-US" sz="3200" dirty="0" smtClean="0"/>
-              <a:t>?</a:t>
-            </a:r>
-            <a:endParaRPr lang="en-US" sz="3200" dirty="0"/>
-          </a:p>
-        </p:txBody>
-      </p:sp>
-      <p:sp>
-        <p:nvSpPr>
-          <p:cNvPr id="37" name="Snip Diagonal Corner Rectangle 36"/>
-          <p:cNvSpPr/>
-          <p:nvPr/>
-        </p:nvSpPr>
-        <p:spPr>
-          <a:xfrm>
-            <a:off x="4038600" y="1371600"/>
-            <a:ext cx="990600" cy="609600"/>
-          </a:xfrm>
-          <a:prstGeom prst="snip2DiagRect">
-            <a:avLst/>
-          </a:prstGeom>
-          <a:solidFill>
-            <a:schemeClr val="bg1"/>
-          </a:solidFill>
-          <a:ln>
-            <a:solidFill>
-              <a:schemeClr val="tx1"/>
-            </a:solidFill>
-          </a:ln>
-        </p:spPr>
-        <p:style>
-          <a:lnRef idx="1">
-            <a:schemeClr val="accent1"/>
-          </a:lnRef>
-          <a:fillRef idx="3">
-            <a:schemeClr val="accent1"/>
-          </a:fillRef>
-          <a:effectRef idx="2">
-            <a:schemeClr val="accent1"/>
-          </a:effectRef>
-          <a:fontRef idx="minor">
-            <a:schemeClr val="lt1"/>
-          </a:fontRef>
-        </p:style>
-        <p:txBody>
-          <a:bodyPr rtlCol="0" anchor="ctr"/>
-          <a:lstStyle/>
-          <a:p>
-            <a:pPr algn="ctr"/>
-            <a:r>
-              <a:rPr lang="en-US" sz="1200" dirty="0" smtClean="0">
-                <a:solidFill>
-                  <a:schemeClr val="tx1"/>
-                </a:solidFill>
-              </a:rPr>
-              <a:t>Object()</a:t>
-            </a:r>
-            <a:endParaRPr lang="en-US" sz="1200" dirty="0">
-              <a:solidFill>
-                <a:schemeClr val="tx1"/>
-              </a:solidFill>
-            </a:endParaRPr>
+              <a:rPr lang="en-US" dirty="0" smtClean="0"/>
+              <a:t>JavaScript</a:t>
+            </a:r>
+            <a:endParaRPr lang="en-US" dirty="0"/>
           </a:p>
         </p:txBody>
       </p:sp>
     </p:spTree>
     <p:extLst>
       <p:ext uri="{BB962C8B-B14F-4D97-AF65-F5344CB8AC3E}">
-        <p14:creationId xmlns:p14="http://schemas.microsoft.com/office/powerpoint/2010/main" val="882278024"/>
+        <p14:creationId xmlns:p14="http://schemas.microsoft.com/office/powerpoint/2010/main" val="295543885"/>
       </p:ext>
     </p:extLst>
   </p:cSld>
@@ -14987,6 +14139,1109 @@
         </p:nvSpPr>
         <p:spPr>
           <a:xfrm>
+            <a:off x="4953000" y="5638800"/>
+            <a:ext cx="762000" cy="609600"/>
+          </a:xfrm>
+          <a:prstGeom prst="snip2DiagRect">
+            <a:avLst/>
+          </a:prstGeom>
+          <a:solidFill>
+            <a:schemeClr val="bg1"/>
+          </a:solidFill>
+          <a:ln>
+            <a:solidFill>
+              <a:schemeClr val="tx1"/>
+            </a:solidFill>
+          </a:ln>
+        </p:spPr>
+        <p:style>
+          <a:lnRef idx="1">
+            <a:schemeClr val="accent1"/>
+          </a:lnRef>
+          <a:fillRef idx="3">
+            <a:schemeClr val="accent1"/>
+          </a:fillRef>
+          <a:effectRef idx="2">
+            <a:schemeClr val="accent1"/>
+          </a:effectRef>
+          <a:fontRef idx="minor">
+            <a:schemeClr val="lt1"/>
+          </a:fontRef>
+        </p:style>
+        <p:txBody>
+          <a:bodyPr rtlCol="0" anchor="ctr"/>
+          <a:lstStyle/>
+          <a:p>
+            <a:pPr algn="ctr"/>
+            <a:r>
+              <a:rPr lang="en-US" sz="1200" dirty="0" smtClean="0">
+                <a:solidFill>
+                  <a:schemeClr val="tx1"/>
+                </a:solidFill>
+              </a:rPr>
+              <a:t>Animal</a:t>
+            </a:r>
+            <a:endParaRPr lang="en-US" sz="1200" dirty="0">
+              <a:solidFill>
+                <a:schemeClr val="tx1"/>
+              </a:solidFill>
+            </a:endParaRPr>
+          </a:p>
+        </p:txBody>
+      </p:sp>
+      <p:sp>
+        <p:nvSpPr>
+          <p:cNvPr id="5" name="Snip Diagonal Corner Rectangle 4"/>
+          <p:cNvSpPr/>
+          <p:nvPr/>
+        </p:nvSpPr>
+        <p:spPr>
+          <a:xfrm>
+            <a:off x="6781800" y="5638800"/>
+            <a:ext cx="762000" cy="609600"/>
+          </a:xfrm>
+          <a:prstGeom prst="snip2DiagRect">
+            <a:avLst/>
+          </a:prstGeom>
+          <a:solidFill>
+            <a:schemeClr val="bg1"/>
+          </a:solidFill>
+          <a:ln>
+            <a:solidFill>
+              <a:schemeClr val="tx1"/>
+            </a:solidFill>
+          </a:ln>
+        </p:spPr>
+        <p:style>
+          <a:lnRef idx="1">
+            <a:schemeClr val="accent1"/>
+          </a:lnRef>
+          <a:fillRef idx="3">
+            <a:schemeClr val="accent1"/>
+          </a:fillRef>
+          <a:effectRef idx="2">
+            <a:schemeClr val="accent1"/>
+          </a:effectRef>
+          <a:fontRef idx="minor">
+            <a:schemeClr val="lt1"/>
+          </a:fontRef>
+        </p:style>
+        <p:txBody>
+          <a:bodyPr rtlCol="0" anchor="ctr"/>
+          <a:lstStyle/>
+          <a:p>
+            <a:pPr algn="ctr"/>
+            <a:r>
+              <a:rPr lang="en-US" sz="1200" dirty="0" smtClean="0">
+                <a:solidFill>
+                  <a:schemeClr val="tx1"/>
+                </a:solidFill>
+              </a:rPr>
+              <a:t>Player</a:t>
+            </a:r>
+            <a:endParaRPr lang="en-US" sz="1200" dirty="0">
+              <a:solidFill>
+                <a:schemeClr val="tx1"/>
+              </a:solidFill>
+            </a:endParaRPr>
+          </a:p>
+        </p:txBody>
+      </p:sp>
+      <p:sp>
+        <p:nvSpPr>
+          <p:cNvPr id="6" name="Snip Diagonal Corner Rectangle 5"/>
+          <p:cNvSpPr/>
+          <p:nvPr/>
+        </p:nvSpPr>
+        <p:spPr>
+          <a:xfrm>
+            <a:off x="7696200" y="5638800"/>
+            <a:ext cx="762000" cy="609600"/>
+          </a:xfrm>
+          <a:prstGeom prst="snip2DiagRect">
+            <a:avLst/>
+          </a:prstGeom>
+          <a:solidFill>
+            <a:schemeClr val="bg1"/>
+          </a:solidFill>
+          <a:ln>
+            <a:solidFill>
+              <a:schemeClr val="tx1"/>
+            </a:solidFill>
+          </a:ln>
+        </p:spPr>
+        <p:style>
+          <a:lnRef idx="1">
+            <a:schemeClr val="accent1"/>
+          </a:lnRef>
+          <a:fillRef idx="3">
+            <a:schemeClr val="accent1"/>
+          </a:fillRef>
+          <a:effectRef idx="2">
+            <a:schemeClr val="accent1"/>
+          </a:effectRef>
+          <a:fontRef idx="minor">
+            <a:schemeClr val="lt1"/>
+          </a:fontRef>
+        </p:style>
+        <p:txBody>
+          <a:bodyPr rtlCol="0" anchor="ctr"/>
+          <a:lstStyle/>
+          <a:p>
+            <a:pPr algn="ctr"/>
+            <a:r>
+              <a:rPr lang="en-US" sz="1200" dirty="0" smtClean="0">
+                <a:solidFill>
+                  <a:schemeClr val="tx1"/>
+                </a:solidFill>
+              </a:rPr>
+              <a:t>Trump</a:t>
+            </a:r>
+            <a:endParaRPr lang="en-US" sz="1200" dirty="0">
+              <a:solidFill>
+                <a:schemeClr val="tx1"/>
+              </a:solidFill>
+            </a:endParaRPr>
+          </a:p>
+        </p:txBody>
+      </p:sp>
+      <p:sp>
+        <p:nvSpPr>
+          <p:cNvPr id="7" name="Snip Diagonal Corner Rectangle 6"/>
+          <p:cNvSpPr/>
+          <p:nvPr/>
+        </p:nvSpPr>
+        <p:spPr>
+          <a:xfrm>
+            <a:off x="4038600" y="5638800"/>
+            <a:ext cx="685800" cy="609600"/>
+          </a:xfrm>
+          <a:prstGeom prst="snip2DiagRect">
+            <a:avLst/>
+          </a:prstGeom>
+          <a:solidFill>
+            <a:schemeClr val="bg1"/>
+          </a:solidFill>
+          <a:ln>
+            <a:solidFill>
+              <a:schemeClr val="tx1"/>
+            </a:solidFill>
+          </a:ln>
+        </p:spPr>
+        <p:style>
+          <a:lnRef idx="1">
+            <a:schemeClr val="accent1"/>
+          </a:lnRef>
+          <a:fillRef idx="3">
+            <a:schemeClr val="accent1"/>
+          </a:fillRef>
+          <a:effectRef idx="2">
+            <a:schemeClr val="accent1"/>
+          </a:effectRef>
+          <a:fontRef idx="minor">
+            <a:schemeClr val="lt1"/>
+          </a:fontRef>
+        </p:style>
+        <p:txBody>
+          <a:bodyPr rtlCol="0" anchor="ctr"/>
+          <a:lstStyle/>
+          <a:p>
+            <a:pPr algn="ctr"/>
+            <a:r>
+              <a:rPr lang="en-US" sz="1200" dirty="0" smtClean="0">
+                <a:solidFill>
+                  <a:schemeClr val="tx1"/>
+                </a:solidFill>
+              </a:rPr>
+              <a:t>Cages</a:t>
+            </a:r>
+            <a:endParaRPr lang="en-US" sz="1200" dirty="0">
+              <a:solidFill>
+                <a:schemeClr val="tx1"/>
+              </a:solidFill>
+            </a:endParaRPr>
+          </a:p>
+        </p:txBody>
+      </p:sp>
+      <p:sp>
+        <p:nvSpPr>
+          <p:cNvPr id="8" name="Snip Diagonal Corner Rectangle 7"/>
+          <p:cNvSpPr/>
+          <p:nvPr/>
+        </p:nvSpPr>
+        <p:spPr>
+          <a:xfrm>
+            <a:off x="5867400" y="5638800"/>
+            <a:ext cx="762000" cy="609600"/>
+          </a:xfrm>
+          <a:prstGeom prst="snip2DiagRect">
+            <a:avLst/>
+          </a:prstGeom>
+          <a:solidFill>
+            <a:schemeClr val="bg1"/>
+          </a:solidFill>
+          <a:ln>
+            <a:solidFill>
+              <a:schemeClr val="tx1"/>
+            </a:solidFill>
+          </a:ln>
+        </p:spPr>
+        <p:style>
+          <a:lnRef idx="1">
+            <a:schemeClr val="accent1"/>
+          </a:lnRef>
+          <a:fillRef idx="3">
+            <a:schemeClr val="accent1"/>
+          </a:fillRef>
+          <a:effectRef idx="2">
+            <a:schemeClr val="accent1"/>
+          </a:effectRef>
+          <a:fontRef idx="minor">
+            <a:schemeClr val="lt1"/>
+          </a:fontRef>
+        </p:style>
+        <p:txBody>
+          <a:bodyPr rtlCol="0" anchor="ctr"/>
+          <a:lstStyle/>
+          <a:p>
+            <a:pPr algn="ctr"/>
+            <a:r>
+              <a:rPr lang="en-US" sz="1200" dirty="0" smtClean="0">
+                <a:solidFill>
+                  <a:schemeClr val="tx1"/>
+                </a:solidFill>
+              </a:rPr>
+              <a:t>Zoo</a:t>
+            </a:r>
+            <a:endParaRPr lang="en-US" sz="1200" dirty="0">
+              <a:solidFill>
+                <a:schemeClr val="tx1"/>
+              </a:solidFill>
+            </a:endParaRPr>
+          </a:p>
+        </p:txBody>
+      </p:sp>
+      <p:sp>
+        <p:nvSpPr>
+          <p:cNvPr id="9" name="Snip Diagonal Corner Rectangle 8"/>
+          <p:cNvSpPr/>
+          <p:nvPr/>
+        </p:nvSpPr>
+        <p:spPr>
+          <a:xfrm>
+            <a:off x="3124200" y="5638800"/>
+            <a:ext cx="762000" cy="609600"/>
+          </a:xfrm>
+          <a:prstGeom prst="snip2DiagRect">
+            <a:avLst/>
+          </a:prstGeom>
+          <a:solidFill>
+            <a:schemeClr val="bg1"/>
+          </a:solidFill>
+          <a:ln>
+            <a:solidFill>
+              <a:schemeClr val="tx1"/>
+            </a:solidFill>
+          </a:ln>
+        </p:spPr>
+        <p:style>
+          <a:lnRef idx="1">
+            <a:schemeClr val="accent1"/>
+          </a:lnRef>
+          <a:fillRef idx="3">
+            <a:schemeClr val="accent1"/>
+          </a:fillRef>
+          <a:effectRef idx="2">
+            <a:schemeClr val="accent1"/>
+          </a:effectRef>
+          <a:fontRef idx="minor">
+            <a:schemeClr val="lt1"/>
+          </a:fontRef>
+        </p:style>
+        <p:txBody>
+          <a:bodyPr rtlCol="0" anchor="ctr"/>
+          <a:lstStyle/>
+          <a:p>
+            <a:pPr algn="ctr"/>
+            <a:r>
+              <a:rPr lang="en-US" sz="1200" dirty="0" smtClean="0">
+                <a:solidFill>
+                  <a:schemeClr val="tx1"/>
+                </a:solidFill>
+              </a:rPr>
+              <a:t>Score</a:t>
+            </a:r>
+            <a:endParaRPr lang="en-US" sz="1200" dirty="0">
+              <a:solidFill>
+                <a:schemeClr val="tx1"/>
+              </a:solidFill>
+            </a:endParaRPr>
+          </a:p>
+        </p:txBody>
+      </p:sp>
+      <p:sp>
+        <p:nvSpPr>
+          <p:cNvPr id="10" name="Snip Diagonal Corner Rectangle 9"/>
+          <p:cNvSpPr/>
+          <p:nvPr/>
+        </p:nvSpPr>
+        <p:spPr>
+          <a:xfrm>
+            <a:off x="762000" y="5638800"/>
+            <a:ext cx="1066800" cy="609600"/>
+          </a:xfrm>
+          <a:prstGeom prst="snip2DiagRect">
+            <a:avLst/>
+          </a:prstGeom>
+          <a:solidFill>
+            <a:schemeClr val="bg1"/>
+          </a:solidFill>
+          <a:ln>
+            <a:solidFill>
+              <a:schemeClr val="tx1"/>
+            </a:solidFill>
+          </a:ln>
+        </p:spPr>
+        <p:style>
+          <a:lnRef idx="1">
+            <a:schemeClr val="accent1"/>
+          </a:lnRef>
+          <a:fillRef idx="3">
+            <a:schemeClr val="accent1"/>
+          </a:fillRef>
+          <a:effectRef idx="2">
+            <a:schemeClr val="accent1"/>
+          </a:effectRef>
+          <a:fontRef idx="minor">
+            <a:schemeClr val="lt1"/>
+          </a:fontRef>
+        </p:style>
+        <p:txBody>
+          <a:bodyPr rtlCol="0" anchor="ctr"/>
+          <a:lstStyle/>
+          <a:p>
+            <a:pPr algn="ctr"/>
+            <a:r>
+              <a:rPr lang="en-US" sz="1200" dirty="0" err="1" smtClean="0">
+                <a:solidFill>
+                  <a:schemeClr val="tx1"/>
+                </a:solidFill>
+              </a:rPr>
+              <a:t>StartScreen</a:t>
+            </a:r>
+            <a:endParaRPr lang="en-US" sz="1200" dirty="0">
+              <a:solidFill>
+                <a:schemeClr val="tx1"/>
+              </a:solidFill>
+            </a:endParaRPr>
+          </a:p>
+        </p:txBody>
+      </p:sp>
+      <p:sp>
+        <p:nvSpPr>
+          <p:cNvPr id="11" name="Snip Diagonal Corner Rectangle 10"/>
+          <p:cNvSpPr/>
+          <p:nvPr/>
+        </p:nvSpPr>
+        <p:spPr>
+          <a:xfrm>
+            <a:off x="1981200" y="5638800"/>
+            <a:ext cx="990600" cy="609600"/>
+          </a:xfrm>
+          <a:prstGeom prst="snip2DiagRect">
+            <a:avLst/>
+          </a:prstGeom>
+          <a:solidFill>
+            <a:schemeClr val="bg1"/>
+          </a:solidFill>
+          <a:ln>
+            <a:solidFill>
+              <a:schemeClr val="tx1"/>
+            </a:solidFill>
+          </a:ln>
+        </p:spPr>
+        <p:style>
+          <a:lnRef idx="1">
+            <a:schemeClr val="accent1"/>
+          </a:lnRef>
+          <a:fillRef idx="3">
+            <a:schemeClr val="accent1"/>
+          </a:fillRef>
+          <a:effectRef idx="2">
+            <a:schemeClr val="accent1"/>
+          </a:effectRef>
+          <a:fontRef idx="minor">
+            <a:schemeClr val="lt1"/>
+          </a:fontRef>
+        </p:style>
+        <p:txBody>
+          <a:bodyPr rtlCol="0" anchor="ctr"/>
+          <a:lstStyle/>
+          <a:p>
+            <a:pPr algn="ctr"/>
+            <a:r>
+              <a:rPr lang="en-US" sz="1200" dirty="0" err="1" smtClean="0">
+                <a:solidFill>
+                  <a:schemeClr val="tx1"/>
+                </a:solidFill>
+              </a:rPr>
+              <a:t>EndScreen</a:t>
+            </a:r>
+            <a:endParaRPr lang="en-US" sz="1200" dirty="0">
+              <a:solidFill>
+                <a:schemeClr val="tx1"/>
+              </a:solidFill>
+            </a:endParaRPr>
+          </a:p>
+        </p:txBody>
+      </p:sp>
+      <p:cxnSp>
+        <p:nvCxnSpPr>
+          <p:cNvPr id="14" name="Straight Arrow Connector 13"/>
+          <p:cNvCxnSpPr/>
+          <p:nvPr/>
+        </p:nvCxnSpPr>
+        <p:spPr>
+          <a:xfrm flipH="1">
+            <a:off x="1295400" y="4953000"/>
+            <a:ext cx="152400" cy="685800"/>
+          </a:xfrm>
+          <a:prstGeom prst="straightConnector1">
+            <a:avLst/>
+          </a:prstGeom>
+          <a:ln>
+            <a:solidFill>
+              <a:schemeClr val="tx1"/>
+            </a:solidFill>
+            <a:tailEnd type="arrow"/>
+          </a:ln>
+        </p:spPr>
+        <p:style>
+          <a:lnRef idx="2">
+            <a:schemeClr val="accent1"/>
+          </a:lnRef>
+          <a:fillRef idx="0">
+            <a:schemeClr val="accent1"/>
+          </a:fillRef>
+          <a:effectRef idx="1">
+            <a:schemeClr val="accent1"/>
+          </a:effectRef>
+          <a:fontRef idx="minor">
+            <a:schemeClr val="tx1"/>
+          </a:fontRef>
+        </p:style>
+      </p:cxnSp>
+      <p:cxnSp>
+        <p:nvCxnSpPr>
+          <p:cNvPr id="17" name="Straight Arrow Connector 16"/>
+          <p:cNvCxnSpPr/>
+          <p:nvPr/>
+        </p:nvCxnSpPr>
+        <p:spPr>
+          <a:xfrm>
+            <a:off x="7848600" y="5029200"/>
+            <a:ext cx="228600" cy="609600"/>
+          </a:xfrm>
+          <a:prstGeom prst="straightConnector1">
+            <a:avLst/>
+          </a:prstGeom>
+          <a:ln>
+            <a:solidFill>
+              <a:schemeClr val="tx1"/>
+            </a:solidFill>
+            <a:tailEnd type="arrow"/>
+          </a:ln>
+        </p:spPr>
+        <p:style>
+          <a:lnRef idx="2">
+            <a:schemeClr val="accent1"/>
+          </a:lnRef>
+          <a:fillRef idx="0">
+            <a:schemeClr val="accent1"/>
+          </a:fillRef>
+          <a:effectRef idx="1">
+            <a:schemeClr val="accent1"/>
+          </a:effectRef>
+          <a:fontRef idx="minor">
+            <a:schemeClr val="tx1"/>
+          </a:fontRef>
+        </p:style>
+      </p:cxnSp>
+      <p:cxnSp>
+        <p:nvCxnSpPr>
+          <p:cNvPr id="19" name="Straight Arrow Connector 18"/>
+          <p:cNvCxnSpPr/>
+          <p:nvPr/>
+        </p:nvCxnSpPr>
+        <p:spPr>
+          <a:xfrm flipH="1">
+            <a:off x="2438400" y="4953000"/>
+            <a:ext cx="152400" cy="685800"/>
+          </a:xfrm>
+          <a:prstGeom prst="straightConnector1">
+            <a:avLst/>
+          </a:prstGeom>
+          <a:ln>
+            <a:solidFill>
+              <a:schemeClr val="tx1"/>
+            </a:solidFill>
+            <a:tailEnd type="arrow"/>
+          </a:ln>
+        </p:spPr>
+        <p:style>
+          <a:lnRef idx="2">
+            <a:schemeClr val="accent1"/>
+          </a:lnRef>
+          <a:fillRef idx="0">
+            <a:schemeClr val="accent1"/>
+          </a:fillRef>
+          <a:effectRef idx="1">
+            <a:schemeClr val="accent1"/>
+          </a:effectRef>
+          <a:fontRef idx="minor">
+            <a:schemeClr val="tx1"/>
+          </a:fontRef>
+        </p:style>
+      </p:cxnSp>
+      <p:cxnSp>
+        <p:nvCxnSpPr>
+          <p:cNvPr id="20" name="Straight Arrow Connector 19"/>
+          <p:cNvCxnSpPr/>
+          <p:nvPr/>
+        </p:nvCxnSpPr>
+        <p:spPr>
+          <a:xfrm>
+            <a:off x="7010400" y="5029200"/>
+            <a:ext cx="152400" cy="609600"/>
+          </a:xfrm>
+          <a:prstGeom prst="straightConnector1">
+            <a:avLst/>
+          </a:prstGeom>
+          <a:ln>
+            <a:solidFill>
+              <a:schemeClr val="tx1"/>
+            </a:solidFill>
+            <a:tailEnd type="arrow"/>
+          </a:ln>
+        </p:spPr>
+        <p:style>
+          <a:lnRef idx="2">
+            <a:schemeClr val="accent1"/>
+          </a:lnRef>
+          <a:fillRef idx="0">
+            <a:schemeClr val="accent1"/>
+          </a:fillRef>
+          <a:effectRef idx="1">
+            <a:schemeClr val="accent1"/>
+          </a:effectRef>
+          <a:fontRef idx="minor">
+            <a:schemeClr val="tx1"/>
+          </a:fontRef>
+        </p:style>
+      </p:cxnSp>
+      <p:cxnSp>
+        <p:nvCxnSpPr>
+          <p:cNvPr id="22" name="Straight Arrow Connector 21"/>
+          <p:cNvCxnSpPr/>
+          <p:nvPr/>
+        </p:nvCxnSpPr>
+        <p:spPr>
+          <a:xfrm flipH="1">
+            <a:off x="3505200" y="4953000"/>
+            <a:ext cx="152400" cy="685800"/>
+          </a:xfrm>
+          <a:prstGeom prst="straightConnector1">
+            <a:avLst/>
+          </a:prstGeom>
+          <a:ln>
+            <a:solidFill>
+              <a:schemeClr val="tx1"/>
+            </a:solidFill>
+            <a:tailEnd type="arrow"/>
+          </a:ln>
+        </p:spPr>
+        <p:style>
+          <a:lnRef idx="2">
+            <a:schemeClr val="accent1"/>
+          </a:lnRef>
+          <a:fillRef idx="0">
+            <a:schemeClr val="accent1"/>
+          </a:fillRef>
+          <a:effectRef idx="1">
+            <a:schemeClr val="accent1"/>
+          </a:effectRef>
+          <a:fontRef idx="minor">
+            <a:schemeClr val="tx1"/>
+          </a:fontRef>
+        </p:style>
+      </p:cxnSp>
+      <p:cxnSp>
+        <p:nvCxnSpPr>
+          <p:cNvPr id="23" name="Straight Arrow Connector 22"/>
+          <p:cNvCxnSpPr/>
+          <p:nvPr/>
+        </p:nvCxnSpPr>
+        <p:spPr>
+          <a:xfrm flipH="1">
+            <a:off x="4343400" y="4953000"/>
+            <a:ext cx="76200" cy="685800"/>
+          </a:xfrm>
+          <a:prstGeom prst="straightConnector1">
+            <a:avLst/>
+          </a:prstGeom>
+          <a:ln>
+            <a:solidFill>
+              <a:schemeClr val="tx1"/>
+            </a:solidFill>
+            <a:tailEnd type="arrow"/>
+          </a:ln>
+        </p:spPr>
+        <p:style>
+          <a:lnRef idx="2">
+            <a:schemeClr val="accent1"/>
+          </a:lnRef>
+          <a:fillRef idx="0">
+            <a:schemeClr val="accent1"/>
+          </a:fillRef>
+          <a:effectRef idx="1">
+            <a:schemeClr val="accent1"/>
+          </a:effectRef>
+          <a:fontRef idx="minor">
+            <a:schemeClr val="tx1"/>
+          </a:fontRef>
+        </p:style>
+      </p:cxnSp>
+      <p:cxnSp>
+        <p:nvCxnSpPr>
+          <p:cNvPr id="25" name="Straight Arrow Connector 24"/>
+          <p:cNvCxnSpPr/>
+          <p:nvPr/>
+        </p:nvCxnSpPr>
+        <p:spPr>
+          <a:xfrm>
+            <a:off x="6096000" y="5029200"/>
+            <a:ext cx="152400" cy="609600"/>
+          </a:xfrm>
+          <a:prstGeom prst="straightConnector1">
+            <a:avLst/>
+          </a:prstGeom>
+          <a:ln>
+            <a:solidFill>
+              <a:schemeClr val="tx1"/>
+            </a:solidFill>
+            <a:tailEnd type="arrow"/>
+          </a:ln>
+        </p:spPr>
+        <p:style>
+          <a:lnRef idx="2">
+            <a:schemeClr val="accent1"/>
+          </a:lnRef>
+          <a:fillRef idx="0">
+            <a:schemeClr val="accent1"/>
+          </a:fillRef>
+          <a:effectRef idx="1">
+            <a:schemeClr val="accent1"/>
+          </a:effectRef>
+          <a:fontRef idx="minor">
+            <a:schemeClr val="tx1"/>
+          </a:fontRef>
+        </p:style>
+      </p:cxnSp>
+      <p:cxnSp>
+        <p:nvCxnSpPr>
+          <p:cNvPr id="26" name="Straight Arrow Connector 25"/>
+          <p:cNvCxnSpPr/>
+          <p:nvPr/>
+        </p:nvCxnSpPr>
+        <p:spPr>
+          <a:xfrm>
+            <a:off x="5334000" y="5029200"/>
+            <a:ext cx="0" cy="609600"/>
+          </a:xfrm>
+          <a:prstGeom prst="straightConnector1">
+            <a:avLst/>
+          </a:prstGeom>
+          <a:ln>
+            <a:solidFill>
+              <a:schemeClr val="tx1"/>
+            </a:solidFill>
+            <a:tailEnd type="arrow"/>
+          </a:ln>
+        </p:spPr>
+        <p:style>
+          <a:lnRef idx="2">
+            <a:schemeClr val="accent1"/>
+          </a:lnRef>
+          <a:fillRef idx="0">
+            <a:schemeClr val="accent1"/>
+          </a:fillRef>
+          <a:effectRef idx="1">
+            <a:schemeClr val="accent1"/>
+          </a:effectRef>
+          <a:fontRef idx="minor">
+            <a:schemeClr val="tx1"/>
+          </a:fontRef>
+        </p:style>
+      </p:cxnSp>
+      <p:sp>
+        <p:nvSpPr>
+          <p:cNvPr id="29" name="TextBox 28"/>
+          <p:cNvSpPr txBox="1"/>
+          <p:nvPr/>
+        </p:nvSpPr>
+        <p:spPr>
+          <a:xfrm>
+            <a:off x="1295400" y="4114800"/>
+            <a:ext cx="374822" cy="584776"/>
+          </a:xfrm>
+          <a:prstGeom prst="rect">
+            <a:avLst/>
+          </a:prstGeom>
+          <a:noFill/>
+        </p:spPr>
+        <p:txBody>
+          <a:bodyPr wrap="none" rtlCol="0">
+            <a:spAutoFit/>
+          </a:bodyPr>
+          <a:lstStyle/>
+          <a:p>
+            <a:r>
+              <a:rPr lang="en-US" sz="3200" dirty="0" smtClean="0"/>
+              <a:t>?</a:t>
+            </a:r>
+            <a:endParaRPr lang="en-US" sz="3200" dirty="0"/>
+          </a:p>
+        </p:txBody>
+      </p:sp>
+      <p:sp>
+        <p:nvSpPr>
+          <p:cNvPr id="30" name="TextBox 29"/>
+          <p:cNvSpPr txBox="1"/>
+          <p:nvPr/>
+        </p:nvSpPr>
+        <p:spPr>
+          <a:xfrm>
+            <a:off x="4191000" y="4267200"/>
+            <a:ext cx="374822" cy="584776"/>
+          </a:xfrm>
+          <a:prstGeom prst="rect">
+            <a:avLst/>
+          </a:prstGeom>
+          <a:noFill/>
+        </p:spPr>
+        <p:txBody>
+          <a:bodyPr wrap="none" rtlCol="0">
+            <a:spAutoFit/>
+          </a:bodyPr>
+          <a:lstStyle/>
+          <a:p>
+            <a:r>
+              <a:rPr lang="en-US" sz="3200" dirty="0" smtClean="0"/>
+              <a:t>?</a:t>
+            </a:r>
+            <a:endParaRPr lang="en-US" sz="3200" dirty="0"/>
+          </a:p>
+        </p:txBody>
+      </p:sp>
+      <p:sp>
+        <p:nvSpPr>
+          <p:cNvPr id="31" name="TextBox 30"/>
+          <p:cNvSpPr txBox="1"/>
+          <p:nvPr/>
+        </p:nvSpPr>
+        <p:spPr>
+          <a:xfrm>
+            <a:off x="5105400" y="4343400"/>
+            <a:ext cx="374822" cy="584776"/>
+          </a:xfrm>
+          <a:prstGeom prst="rect">
+            <a:avLst/>
+          </a:prstGeom>
+          <a:noFill/>
+        </p:spPr>
+        <p:txBody>
+          <a:bodyPr wrap="none" rtlCol="0">
+            <a:spAutoFit/>
+          </a:bodyPr>
+          <a:lstStyle/>
+          <a:p>
+            <a:r>
+              <a:rPr lang="en-US" sz="3200" dirty="0" smtClean="0"/>
+              <a:t>?</a:t>
+            </a:r>
+            <a:endParaRPr lang="en-US" sz="3200" dirty="0"/>
+          </a:p>
+        </p:txBody>
+      </p:sp>
+      <p:sp>
+        <p:nvSpPr>
+          <p:cNvPr id="32" name="TextBox 31"/>
+          <p:cNvSpPr txBox="1"/>
+          <p:nvPr/>
+        </p:nvSpPr>
+        <p:spPr>
+          <a:xfrm>
+            <a:off x="5867400" y="4343400"/>
+            <a:ext cx="374822" cy="584776"/>
+          </a:xfrm>
+          <a:prstGeom prst="rect">
+            <a:avLst/>
+          </a:prstGeom>
+          <a:noFill/>
+        </p:spPr>
+        <p:txBody>
+          <a:bodyPr wrap="none" rtlCol="0">
+            <a:spAutoFit/>
+          </a:bodyPr>
+          <a:lstStyle/>
+          <a:p>
+            <a:r>
+              <a:rPr lang="en-US" sz="3200" dirty="0" smtClean="0"/>
+              <a:t>?</a:t>
+            </a:r>
+            <a:endParaRPr lang="en-US" sz="3200" dirty="0"/>
+          </a:p>
+        </p:txBody>
+      </p:sp>
+      <p:sp>
+        <p:nvSpPr>
+          <p:cNvPr id="33" name="TextBox 32"/>
+          <p:cNvSpPr txBox="1"/>
+          <p:nvPr/>
+        </p:nvSpPr>
+        <p:spPr>
+          <a:xfrm>
+            <a:off x="6781800" y="4343400"/>
+            <a:ext cx="374822" cy="584776"/>
+          </a:xfrm>
+          <a:prstGeom prst="rect">
+            <a:avLst/>
+          </a:prstGeom>
+          <a:noFill/>
+        </p:spPr>
+        <p:txBody>
+          <a:bodyPr wrap="none" rtlCol="0">
+            <a:spAutoFit/>
+          </a:bodyPr>
+          <a:lstStyle/>
+          <a:p>
+            <a:r>
+              <a:rPr lang="en-US" sz="3200" dirty="0" smtClean="0"/>
+              <a:t>?</a:t>
+            </a:r>
+            <a:endParaRPr lang="en-US" sz="3200" dirty="0"/>
+          </a:p>
+        </p:txBody>
+      </p:sp>
+      <p:sp>
+        <p:nvSpPr>
+          <p:cNvPr id="34" name="TextBox 33"/>
+          <p:cNvSpPr txBox="1"/>
+          <p:nvPr/>
+        </p:nvSpPr>
+        <p:spPr>
+          <a:xfrm>
+            <a:off x="7620000" y="4343400"/>
+            <a:ext cx="374822" cy="584776"/>
+          </a:xfrm>
+          <a:prstGeom prst="rect">
+            <a:avLst/>
+          </a:prstGeom>
+          <a:noFill/>
+        </p:spPr>
+        <p:txBody>
+          <a:bodyPr wrap="none" rtlCol="0">
+            <a:spAutoFit/>
+          </a:bodyPr>
+          <a:lstStyle/>
+          <a:p>
+            <a:r>
+              <a:rPr lang="en-US" sz="3200" dirty="0" smtClean="0"/>
+              <a:t>?</a:t>
+            </a:r>
+            <a:endParaRPr lang="en-US" sz="3200" dirty="0"/>
+          </a:p>
+        </p:txBody>
+      </p:sp>
+      <p:sp>
+        <p:nvSpPr>
+          <p:cNvPr id="35" name="TextBox 34"/>
+          <p:cNvSpPr txBox="1"/>
+          <p:nvPr/>
+        </p:nvSpPr>
+        <p:spPr>
+          <a:xfrm>
+            <a:off x="3429000" y="4343400"/>
+            <a:ext cx="374822" cy="584776"/>
+          </a:xfrm>
+          <a:prstGeom prst="rect">
+            <a:avLst/>
+          </a:prstGeom>
+          <a:noFill/>
+        </p:spPr>
+        <p:txBody>
+          <a:bodyPr wrap="none" rtlCol="0">
+            <a:spAutoFit/>
+          </a:bodyPr>
+          <a:lstStyle/>
+          <a:p>
+            <a:r>
+              <a:rPr lang="en-US" sz="3200" dirty="0" smtClean="0"/>
+              <a:t>?</a:t>
+            </a:r>
+            <a:endParaRPr lang="en-US" sz="3200" dirty="0"/>
+          </a:p>
+        </p:txBody>
+      </p:sp>
+      <p:sp>
+        <p:nvSpPr>
+          <p:cNvPr id="36" name="TextBox 35"/>
+          <p:cNvSpPr txBox="1"/>
+          <p:nvPr/>
+        </p:nvSpPr>
+        <p:spPr>
+          <a:xfrm>
+            <a:off x="2438400" y="4267200"/>
+            <a:ext cx="374822" cy="584776"/>
+          </a:xfrm>
+          <a:prstGeom prst="rect">
+            <a:avLst/>
+          </a:prstGeom>
+          <a:noFill/>
+        </p:spPr>
+        <p:txBody>
+          <a:bodyPr wrap="none" rtlCol="0">
+            <a:spAutoFit/>
+          </a:bodyPr>
+          <a:lstStyle/>
+          <a:p>
+            <a:r>
+              <a:rPr lang="en-US" sz="3200" dirty="0" smtClean="0"/>
+              <a:t>?</a:t>
+            </a:r>
+            <a:endParaRPr lang="en-US" sz="3200" dirty="0"/>
+          </a:p>
+        </p:txBody>
+      </p:sp>
+      <p:sp>
+        <p:nvSpPr>
+          <p:cNvPr id="37" name="Snip Diagonal Corner Rectangle 36"/>
+          <p:cNvSpPr/>
+          <p:nvPr/>
+        </p:nvSpPr>
+        <p:spPr>
+          <a:xfrm>
+            <a:off x="4038600" y="1371600"/>
+            <a:ext cx="990600" cy="609600"/>
+          </a:xfrm>
+          <a:prstGeom prst="snip2DiagRect">
+            <a:avLst/>
+          </a:prstGeom>
+          <a:solidFill>
+            <a:schemeClr val="bg1"/>
+          </a:solidFill>
+          <a:ln>
+            <a:solidFill>
+              <a:schemeClr val="tx1"/>
+            </a:solidFill>
+          </a:ln>
+        </p:spPr>
+        <p:style>
+          <a:lnRef idx="1">
+            <a:schemeClr val="accent1"/>
+          </a:lnRef>
+          <a:fillRef idx="3">
+            <a:schemeClr val="accent1"/>
+          </a:fillRef>
+          <a:effectRef idx="2">
+            <a:schemeClr val="accent1"/>
+          </a:effectRef>
+          <a:fontRef idx="minor">
+            <a:schemeClr val="lt1"/>
+          </a:fontRef>
+        </p:style>
+        <p:txBody>
+          <a:bodyPr rtlCol="0" anchor="ctr"/>
+          <a:lstStyle/>
+          <a:p>
+            <a:pPr algn="ctr"/>
+            <a:r>
+              <a:rPr lang="en-US" sz="1200" dirty="0" smtClean="0">
+                <a:solidFill>
+                  <a:schemeClr val="tx1"/>
+                </a:solidFill>
+              </a:rPr>
+              <a:t>Object()</a:t>
+            </a:r>
+            <a:endParaRPr lang="en-US" sz="1200" dirty="0">
+              <a:solidFill>
+                <a:schemeClr val="tx1"/>
+              </a:solidFill>
+            </a:endParaRPr>
+          </a:p>
+        </p:txBody>
+      </p:sp>
+    </p:spTree>
+    <p:extLst>
+      <p:ext uri="{BB962C8B-B14F-4D97-AF65-F5344CB8AC3E}">
+        <p14:creationId xmlns:p14="http://schemas.microsoft.com/office/powerpoint/2010/main" val="882278024"/>
+      </p:ext>
+    </p:extLst>
+  </p:cSld>
+  <p:clrMapOvr>
+    <a:masterClrMapping/>
+  </p:clrMapOvr>
+</p:sld>
+</file>
+
+<file path=ppt/slides/slide32.xml><?xml version="1.0" encoding="utf-8"?>
+<p:sld xmlns:a="http://schemas.openxmlformats.org/drawingml/2006/main" xmlns:r="http://schemas.openxmlformats.org/officeDocument/2006/relationships" xmlns:p="http://schemas.openxmlformats.org/presentationml/2006/main">
+  <p:cSld>
+    <p:spTree>
+      <p:nvGrpSpPr>
+        <p:cNvPr id="1" name=""/>
+        <p:cNvGrpSpPr/>
+        <p:nvPr/>
+      </p:nvGrpSpPr>
+      <p:grpSpPr>
+        <a:xfrm>
+          <a:off x="0" y="0"/>
+          <a:ext cx="0" cy="0"/>
+          <a:chOff x="0" y="0"/>
+          <a:chExt cx="0" cy="0"/>
+        </a:xfrm>
+      </p:grpSpPr>
+      <p:sp>
+        <p:nvSpPr>
+          <p:cNvPr id="2" name="Title 1"/>
+          <p:cNvSpPr>
+            <a:spLocks noGrp="1"/>
+          </p:cNvSpPr>
+          <p:nvPr>
+            <p:ph type="title"/>
+          </p:nvPr>
+        </p:nvSpPr>
+        <p:spPr/>
+        <p:txBody>
+          <a:bodyPr/>
+          <a:lstStyle/>
+          <a:p>
+            <a:r>
+              <a:rPr lang="en-US" dirty="0" smtClean="0"/>
+              <a:t>Full Object Inheritance</a:t>
+            </a:r>
+            <a:endParaRPr lang="en-US" dirty="0"/>
+          </a:p>
+        </p:txBody>
+      </p:sp>
+      <p:sp>
+        <p:nvSpPr>
+          <p:cNvPr id="4" name="Snip Diagonal Corner Rectangle 3"/>
+          <p:cNvSpPr/>
+          <p:nvPr/>
+        </p:nvSpPr>
+        <p:spPr>
+          <a:xfrm>
             <a:off x="3581400" y="4648200"/>
             <a:ext cx="762000" cy="609600"/>
           </a:xfrm>
@@ -15660,7 +15915,7 @@
 </p:sld>
 </file>
 
-<file path=ppt/slides/slide32.xml><?xml version="1.0" encoding="utf-8"?>
+<file path=ppt/slides/slide33.xml><?xml version="1.0" encoding="utf-8"?>
 <p:sld xmlns:a="http://schemas.openxmlformats.org/drawingml/2006/main" xmlns:r="http://schemas.openxmlformats.org/officeDocument/2006/relationships" xmlns:p="http://schemas.openxmlformats.org/presentationml/2006/main">
   <p:cSld>
     <p:spTree>
